--- a/Tutorials/2013-XSEDE-BigJob/BigJob-XSEDE-2013.pptx
+++ b/Tutorials/2013-XSEDE-BigJob/BigJob-XSEDE-2013.pptx
@@ -1,6 +1,6 @@
 
 <file path=ppt/presentation.xml><?xml version="1.0" encoding="utf-8"?>
-<p:presentation xmlns:a="http://schemas.openxmlformats.org/drawingml/2006/main" xmlns:r="http://schemas.openxmlformats.org/officeDocument/2006/relationships" xmlns:p="http://schemas.openxmlformats.org/presentationml/2006/main" saveSubsetFonts="1" autoCompressPictures="0">
+<p:presentation xmlns:a="http://schemas.openxmlformats.org/drawingml/2006/main" xmlns:r="http://schemas.openxmlformats.org/officeDocument/2006/relationships" xmlns:mc="http://schemas.openxmlformats.org/markup-compatibility/2006" xmlns:mv="urn:schemas-microsoft-com:mac:vml" xmlns:p="http://schemas.openxmlformats.org/presentationml/2006/main" mc:Ignorable="mv" mc:PreserveAttributes="mv:*" saveSubsetFonts="1" autoCompressPictures="0">
   <p:sldMasterIdLst>
     <p:sldMasterId id="2147483648" r:id="rId1"/>
     <p:sldMasterId id="2147483897" r:id="rId2"/>
@@ -170,7 +170,7 @@
 </file>
 
 <file path=ppt/notesMasters/notesMaster1.xml><?xml version="1.0" encoding="utf-8"?>
-<p:notesMaster xmlns:a="http://schemas.openxmlformats.org/drawingml/2006/main" xmlns:r="http://schemas.openxmlformats.org/officeDocument/2006/relationships" xmlns:p="http://schemas.openxmlformats.org/presentationml/2006/main">
+<p:notesMaster xmlns:a="http://schemas.openxmlformats.org/drawingml/2006/main" xmlns:r="http://schemas.openxmlformats.org/officeDocument/2006/relationships" xmlns:mc="http://schemas.openxmlformats.org/markup-compatibility/2006" xmlns:mv="urn:schemas-microsoft-com:mac:vml" xmlns:p="http://schemas.openxmlformats.org/presentationml/2006/main" mc:Ignorable="mv" mc:PreserveAttributes="mv:*">
   <p:cSld>
     <p:bg>
       <p:bgRef idx="1001">
@@ -260,7 +260,7 @@
             <a:fld id="{8399529C-8CF2-47D0-BE85-DF833C9DE222}" type="datetime1">
               <a:rPr lang="en-US"/>
               <a:pPr/>
-              <a:t>3/4/13</a:t>
+              <a:t>3/6/13</a:t>
             </a:fld>
             <a:endParaRPr lang="en-US"/>
           </a:p>
@@ -446,7 +446,7 @@
     </p:spTree>
     <p:extLst>
       <p:ext uri="{BB962C8B-B14F-4D97-AF65-F5344CB8AC3E}">
-        <p14:creationId xmlns:p14="http://schemas.microsoft.com/office/powerpoint/2010/main" val="2049345630"/>
+        <p14:creationId xmlns:p14="http://schemas.microsoft.com/office/powerpoint/2010/main" xmlns:p="http://schemas.openxmlformats.org/presentationml/2006/main" xmlns:r="http://schemas.openxmlformats.org/officeDocument/2006/relationships" xmlns:a="http://schemas.openxmlformats.org/drawingml/2006/main" xmlns="" val="2049345630"/>
       </p:ext>
     </p:extLst>
   </p:cSld>
@@ -577,7 +577,204 @@
 </file>
 
 <file path=ppt/notesSlides/notesSlide1.xml><?xml version="1.0" encoding="utf-8"?>
-<p:notes xmlns:a="http://schemas.openxmlformats.org/drawingml/2006/main" xmlns:r="http://schemas.openxmlformats.org/officeDocument/2006/relationships" xmlns:p="http://schemas.openxmlformats.org/presentationml/2006/main">
+<p:notes xmlns:a="http://schemas.openxmlformats.org/drawingml/2006/main" xmlns:r="http://schemas.openxmlformats.org/officeDocument/2006/relationships" xmlns:mc="http://schemas.openxmlformats.org/markup-compatibility/2006" xmlns:mv="urn:schemas-microsoft-com:mac:vml" xmlns:p="http://schemas.openxmlformats.org/presentationml/2006/main" mc:Ignorable="mv" mc:PreserveAttributes="mv:*">
+  <p:cSld>
+    <p:spTree>
+      <p:nvGrpSpPr>
+        <p:cNvPr id="1" name=""/>
+        <p:cNvGrpSpPr/>
+        <p:nvPr/>
+      </p:nvGrpSpPr>
+      <p:grpSpPr>
+        <a:xfrm>
+          <a:off x="0" y="0"/>
+          <a:ext cx="0" cy="0"/>
+          <a:chOff x="0" y="0"/>
+          <a:chExt cx="0" cy="0"/>
+        </a:xfrm>
+      </p:grpSpPr>
+      <p:sp>
+        <p:nvSpPr>
+          <p:cNvPr id="2" name="Slide Image Placeholder 1"/>
+          <p:cNvSpPr>
+            <a:spLocks noGrp="1" noRot="1" noChangeAspect="1"/>
+          </p:cNvSpPr>
+          <p:nvPr>
+            <p:ph type="sldImg"/>
+          </p:nvPr>
+        </p:nvSpPr>
+        <p:spPr/>
+      </p:sp>
+      <p:sp>
+        <p:nvSpPr>
+          <p:cNvPr id="3" name="Notes Placeholder 2"/>
+          <p:cNvSpPr>
+            <a:spLocks noGrp="1"/>
+          </p:cNvSpPr>
+          <p:nvPr>
+            <p:ph type="body" idx="1"/>
+          </p:nvPr>
+        </p:nvSpPr>
+        <p:spPr/>
+        <p:txBody>
+          <a:bodyPr>
+            <a:normAutofit/>
+          </a:bodyPr>
+          <a:lstStyle/>
+          <a:p>
+            <a:r>
+              <a:rPr lang="en-US" dirty="0" smtClean="0"/>
+              <a:t>Let’s have</a:t>
+            </a:r>
+            <a:r>
+              <a:rPr lang="en-US" baseline="0" dirty="0" smtClean="0"/>
+              <a:t> a page about how </a:t>
+            </a:r>
+            <a:r>
+              <a:rPr lang="en-US" baseline="0" dirty="0" err="1" smtClean="0"/>
+              <a:t>BigJob</a:t>
+            </a:r>
+            <a:r>
+              <a:rPr lang="en-US" baseline="0" dirty="0" smtClean="0"/>
+              <a:t> is being used currently (</a:t>
+            </a:r>
+            <a:r>
+              <a:rPr lang="en-US" baseline="0" dirty="0" err="1" smtClean="0"/>
+              <a:t>i</a:t>
+            </a:r>
+            <a:r>
+              <a:rPr lang="en-US" baseline="0" dirty="0" smtClean="0"/>
+              <a:t>) support large-ensemble members/size (ii) run across XSEDE (iii) loosely-coupled workflow ---- in a nutshell how to decouple task execution from resource management!</a:t>
+            </a:r>
+          </a:p>
+          <a:p>
+            <a:endParaRPr lang="en-US" baseline="0" dirty="0" smtClean="0"/>
+          </a:p>
+          <a:p>
+            <a:endParaRPr lang="en-US" dirty="0"/>
+          </a:p>
+        </p:txBody>
+      </p:sp>
+      <p:sp>
+        <p:nvSpPr>
+          <p:cNvPr id="4" name="Slide Number Placeholder 3"/>
+          <p:cNvSpPr>
+            <a:spLocks noGrp="1"/>
+          </p:cNvSpPr>
+          <p:nvPr>
+            <p:ph type="sldNum" sz="quarter" idx="10"/>
+          </p:nvPr>
+        </p:nvSpPr>
+        <p:spPr/>
+        <p:txBody>
+          <a:bodyPr/>
+          <a:lstStyle/>
+          <a:p>
+            <a:fld id="{DB33103D-E25F-4175-8F1B-4D3F3D28B1BB}" type="slidenum">
+              <a:rPr lang="en-US" smtClean="0"/>
+              <a:pPr/>
+              <a:t>2</a:t>
+            </a:fld>
+            <a:endParaRPr lang="en-US"/>
+          </a:p>
+        </p:txBody>
+      </p:sp>
+    </p:spTree>
+  </p:cSld>
+  <p:clrMapOvr>
+    <a:masterClrMapping/>
+  </p:clrMapOvr>
+</p:notes>
+</file>
+
+<file path=ppt/notesSlides/notesSlide2.xml><?xml version="1.0" encoding="utf-8"?>
+<p:notes xmlns:a="http://schemas.openxmlformats.org/drawingml/2006/main" xmlns:r="http://schemas.openxmlformats.org/officeDocument/2006/relationships" xmlns:mc="http://schemas.openxmlformats.org/markup-compatibility/2006" xmlns:mv="urn:schemas-microsoft-com:mac:vml" xmlns:p="http://schemas.openxmlformats.org/presentationml/2006/main" mc:Ignorable="mv" mc:PreserveAttributes="mv:*">
+  <p:cSld>
+    <p:spTree>
+      <p:nvGrpSpPr>
+        <p:cNvPr id="1" name=""/>
+        <p:cNvGrpSpPr/>
+        <p:nvPr/>
+      </p:nvGrpSpPr>
+      <p:grpSpPr>
+        <a:xfrm>
+          <a:off x="0" y="0"/>
+          <a:ext cx="0" cy="0"/>
+          <a:chOff x="0" y="0"/>
+          <a:chExt cx="0" cy="0"/>
+        </a:xfrm>
+      </p:grpSpPr>
+      <p:sp>
+        <p:nvSpPr>
+          <p:cNvPr id="2" name="Slide Image Placeholder 1"/>
+          <p:cNvSpPr>
+            <a:spLocks noGrp="1" noRot="1" noChangeAspect="1"/>
+          </p:cNvSpPr>
+          <p:nvPr>
+            <p:ph type="sldImg"/>
+          </p:nvPr>
+        </p:nvSpPr>
+        <p:spPr/>
+      </p:sp>
+      <p:sp>
+        <p:nvSpPr>
+          <p:cNvPr id="3" name="Notes Placeholder 2"/>
+          <p:cNvSpPr>
+            <a:spLocks noGrp="1"/>
+          </p:cNvSpPr>
+          <p:nvPr>
+            <p:ph type="body" idx="1"/>
+          </p:nvPr>
+        </p:nvSpPr>
+        <p:spPr/>
+        <p:txBody>
+          <a:bodyPr>
+            <a:normAutofit/>
+          </a:bodyPr>
+          <a:lstStyle/>
+          <a:p>
+            <a:r>
+              <a:rPr lang="en-US" dirty="0" smtClean="0"/>
+              <a:t>Change Bliss to SAGA-Python</a:t>
+            </a:r>
+            <a:endParaRPr lang="en-US" dirty="0"/>
+          </a:p>
+        </p:txBody>
+      </p:sp>
+      <p:sp>
+        <p:nvSpPr>
+          <p:cNvPr id="4" name="Slide Number Placeholder 3"/>
+          <p:cNvSpPr>
+            <a:spLocks noGrp="1"/>
+          </p:cNvSpPr>
+          <p:nvPr>
+            <p:ph type="sldNum" sz="quarter" idx="10"/>
+          </p:nvPr>
+        </p:nvSpPr>
+        <p:spPr/>
+        <p:txBody>
+          <a:bodyPr/>
+          <a:lstStyle/>
+          <a:p>
+            <a:fld id="{DB33103D-E25F-4175-8F1B-4D3F3D28B1BB}" type="slidenum">
+              <a:rPr lang="en-US" smtClean="0"/>
+              <a:pPr/>
+              <a:t>3</a:t>
+            </a:fld>
+            <a:endParaRPr lang="en-US"/>
+          </a:p>
+        </p:txBody>
+      </p:sp>
+    </p:spTree>
+  </p:cSld>
+  <p:clrMapOvr>
+    <a:masterClrMapping/>
+  </p:clrMapOvr>
+</p:notes>
+</file>
+
+<file path=ppt/notesSlides/notesSlide3.xml><?xml version="1.0" encoding="utf-8"?>
+<p:notes xmlns:a="http://schemas.openxmlformats.org/drawingml/2006/main" xmlns:r="http://schemas.openxmlformats.org/officeDocument/2006/relationships" xmlns:mc="http://schemas.openxmlformats.org/markup-compatibility/2006" xmlns:mv="urn:schemas-microsoft-com:mac:vml" xmlns:p="http://schemas.openxmlformats.org/presentationml/2006/main" mc:Ignorable="mv" mc:PreserveAttributes="mv:*">
   <p:cSld>
     <p:spTree>
       <p:nvGrpSpPr>
@@ -659,7 +856,7 @@
     </p:spTree>
     <p:extLst>
       <p:ext uri="{BB962C8B-B14F-4D97-AF65-F5344CB8AC3E}">
-        <p14:creationId xmlns:p14="http://schemas.microsoft.com/office/powerpoint/2010/main" val="4279665447"/>
+        <p14:creationId xmlns:p14="http://schemas.microsoft.com/office/powerpoint/2010/main" xmlns:p="http://schemas.openxmlformats.org/presentationml/2006/main" xmlns:r="http://schemas.openxmlformats.org/officeDocument/2006/relationships" xmlns:a="http://schemas.openxmlformats.org/drawingml/2006/main" xmlns="" val="4279665447"/>
       </p:ext>
     </p:extLst>
   </p:cSld>
@@ -669,8 +866,8 @@
 </p:notes>
 </file>
 
-<file path=ppt/notesSlides/notesSlide2.xml><?xml version="1.0" encoding="utf-8"?>
-<p:notes xmlns:a="http://schemas.openxmlformats.org/drawingml/2006/main" xmlns:r="http://schemas.openxmlformats.org/officeDocument/2006/relationships" xmlns:p="http://schemas.openxmlformats.org/presentationml/2006/main">
+<file path=ppt/notesSlides/notesSlide4.xml><?xml version="1.0" encoding="utf-8"?>
+<p:notes xmlns:a="http://schemas.openxmlformats.org/drawingml/2006/main" xmlns:r="http://schemas.openxmlformats.org/officeDocument/2006/relationships" xmlns:mc="http://schemas.openxmlformats.org/markup-compatibility/2006" xmlns:mv="urn:schemas-microsoft-com:mac:vml" xmlns:p="http://schemas.openxmlformats.org/presentationml/2006/main" mc:Ignorable="mv" mc:PreserveAttributes="mv:*">
   <p:cSld>
     <p:spTree>
       <p:nvGrpSpPr>
@@ -756,7 +953,7 @@
     </p:spTree>
     <p:extLst>
       <p:ext uri="{BB962C8B-B14F-4D97-AF65-F5344CB8AC3E}">
-        <p14:creationId xmlns:p14="http://schemas.microsoft.com/office/powerpoint/2010/main" val="1765133474"/>
+        <p14:creationId xmlns:p14="http://schemas.microsoft.com/office/powerpoint/2010/main" xmlns:p="http://schemas.openxmlformats.org/presentationml/2006/main" xmlns:r="http://schemas.openxmlformats.org/officeDocument/2006/relationships" xmlns:a="http://schemas.openxmlformats.org/drawingml/2006/main" xmlns="" val="1765133474"/>
       </p:ext>
     </p:extLst>
   </p:cSld>
@@ -766,8 +963,8 @@
 </p:notes>
 </file>
 
-<file path=ppt/notesSlides/notesSlide3.xml><?xml version="1.0" encoding="utf-8"?>
-<p:notes xmlns:a="http://schemas.openxmlformats.org/drawingml/2006/main" xmlns:r="http://schemas.openxmlformats.org/officeDocument/2006/relationships" xmlns:p="http://schemas.openxmlformats.org/presentationml/2006/main">
+<file path=ppt/notesSlides/notesSlide5.xml><?xml version="1.0" encoding="utf-8"?>
+<p:notes xmlns:a="http://schemas.openxmlformats.org/drawingml/2006/main" xmlns:r="http://schemas.openxmlformats.org/officeDocument/2006/relationships" xmlns:mc="http://schemas.openxmlformats.org/markup-compatibility/2006" xmlns:mv="urn:schemas-microsoft-com:mac:vml" xmlns:p="http://schemas.openxmlformats.org/presentationml/2006/main" mc:Ignorable="mv" mc:PreserveAttributes="mv:*">
   <p:cSld>
     <p:spTree>
       <p:nvGrpSpPr>
@@ -849,7 +1046,7 @@
     </p:spTree>
     <p:extLst>
       <p:ext uri="{BB962C8B-B14F-4D97-AF65-F5344CB8AC3E}">
-        <p14:creationId xmlns:p14="http://schemas.microsoft.com/office/powerpoint/2010/main" val="903596127"/>
+        <p14:creationId xmlns:p14="http://schemas.microsoft.com/office/powerpoint/2010/main" xmlns:p="http://schemas.openxmlformats.org/presentationml/2006/main" xmlns:r="http://schemas.openxmlformats.org/officeDocument/2006/relationships" xmlns:a="http://schemas.openxmlformats.org/drawingml/2006/main" xmlns="" val="903596127"/>
       </p:ext>
     </p:extLst>
   </p:cSld>
@@ -860,7 +1057,7 @@
 </file>
 
 <file path=ppt/slideLayouts/slideLayout1.xml><?xml version="1.0" encoding="utf-8"?>
-<p:sldLayout xmlns:a="http://schemas.openxmlformats.org/drawingml/2006/main" xmlns:r="http://schemas.openxmlformats.org/officeDocument/2006/relationships" xmlns:p="http://schemas.openxmlformats.org/presentationml/2006/main" showMasterSp="0" type="title" preserve="1">
+<p:sldLayout xmlns:a="http://schemas.openxmlformats.org/drawingml/2006/main" xmlns:r="http://schemas.openxmlformats.org/officeDocument/2006/relationships" xmlns:mc="http://schemas.openxmlformats.org/markup-compatibility/2006" xmlns:mv="urn:schemas-microsoft-com:mac:vml" xmlns:p="http://schemas.openxmlformats.org/presentationml/2006/main" mc:Ignorable="mv" mc:PreserveAttributes="mv:*" showMasterSp="0" type="title" preserve="1">
   <p:cSld name="Title Slide">
     <p:spTree>
       <p:nvGrpSpPr>
@@ -989,7 +1186,7 @@
 </file>
 
 <file path=ppt/slideLayouts/slideLayout10.xml><?xml version="1.0" encoding="utf-8"?>
-<p:sldLayout xmlns:a="http://schemas.openxmlformats.org/drawingml/2006/main" xmlns:r="http://schemas.openxmlformats.org/officeDocument/2006/relationships" xmlns:p="http://schemas.openxmlformats.org/presentationml/2006/main" type="vertTx" preserve="1">
+<p:sldLayout xmlns:a="http://schemas.openxmlformats.org/drawingml/2006/main" xmlns:r="http://schemas.openxmlformats.org/officeDocument/2006/relationships" xmlns:mc="http://schemas.openxmlformats.org/markup-compatibility/2006" xmlns:mv="urn:schemas-microsoft-com:mac:vml" xmlns:p="http://schemas.openxmlformats.org/presentationml/2006/main" mc:Ignorable="mv" mc:PreserveAttributes="mv:*" type="vertTx" preserve="1">
   <p:cSld name="Title and Vertical Text">
     <p:spTree>
       <p:nvGrpSpPr>
@@ -1119,7 +1316,7 @@
 </file>
 
 <file path=ppt/slideLayouts/slideLayout11.xml><?xml version="1.0" encoding="utf-8"?>
-<p:sldLayout xmlns:a="http://schemas.openxmlformats.org/drawingml/2006/main" xmlns:r="http://schemas.openxmlformats.org/officeDocument/2006/relationships" xmlns:p="http://schemas.openxmlformats.org/presentationml/2006/main" type="vertTitleAndTx" preserve="1">
+<p:sldLayout xmlns:a="http://schemas.openxmlformats.org/drawingml/2006/main" xmlns:r="http://schemas.openxmlformats.org/officeDocument/2006/relationships" xmlns:mc="http://schemas.openxmlformats.org/markup-compatibility/2006" xmlns:mv="urn:schemas-microsoft-com:mac:vml" xmlns:p="http://schemas.openxmlformats.org/presentationml/2006/main" mc:Ignorable="mv" mc:PreserveAttributes="mv:*" type="vertTitleAndTx" preserve="1">
   <p:cSld name="Vertical Title and Text">
     <p:spTree>
       <p:nvGrpSpPr>
@@ -1259,7 +1456,7 @@
 </file>
 
 <file path=ppt/slideLayouts/slideLayout12.xml><?xml version="1.0" encoding="utf-8"?>
-<p:sldLayout xmlns:a="http://schemas.openxmlformats.org/drawingml/2006/main" xmlns:r="http://schemas.openxmlformats.org/officeDocument/2006/relationships" xmlns:p="http://schemas.openxmlformats.org/presentationml/2006/main" userDrawn="1">
+<p:sldLayout xmlns:a="http://schemas.openxmlformats.org/drawingml/2006/main" xmlns:r="http://schemas.openxmlformats.org/officeDocument/2006/relationships" xmlns:mc="http://schemas.openxmlformats.org/markup-compatibility/2006" xmlns:mv="urn:schemas-microsoft-com:mac:vml" xmlns:p="http://schemas.openxmlformats.org/presentationml/2006/main" mc:Ignorable="mv" mc:PreserveAttributes="mv:*" userDrawn="1">
   <p:cSld name="Base">
     <p:spTree>
       <p:nvGrpSpPr>
@@ -1610,7 +1807,7 @@
 </file>
 
 <file path=ppt/slideLayouts/slideLayout13.xml><?xml version="1.0" encoding="utf-8"?>
-<p:sldLayout xmlns:a="http://schemas.openxmlformats.org/drawingml/2006/main" xmlns:r="http://schemas.openxmlformats.org/officeDocument/2006/relationships" xmlns:p="http://schemas.openxmlformats.org/presentationml/2006/main" type="twoObj">
+<p:sldLayout xmlns:a="http://schemas.openxmlformats.org/drawingml/2006/main" xmlns:r="http://schemas.openxmlformats.org/officeDocument/2006/relationships" xmlns:mc="http://schemas.openxmlformats.org/markup-compatibility/2006" xmlns:mv="urn:schemas-microsoft-com:mac:vml" xmlns:p="http://schemas.openxmlformats.org/presentationml/2006/main" mc:Ignorable="mv" mc:PreserveAttributes="mv:*" type="twoObj">
   <p:cSld name="Two Content">
     <p:spTree>
       <p:nvGrpSpPr>
@@ -1845,7 +2042,7 @@
             <a:fld id="{46EC0482-A009-44C8-B0AA-A796A6FB8ABF}" type="datetime1">
               <a:rPr lang="en-US"/>
               <a:pPr/>
-              <a:t>3/4/13</a:t>
+              <a:t>3/6/13</a:t>
             </a:fld>
             <a:endParaRPr lang="en-US"/>
           </a:p>
@@ -1907,12 +2104,12 @@
   <p:clrMapOvr>
     <a:masterClrMapping/>
   </p:clrMapOvr>
-  <p:transition xmlns:p14="http://schemas.microsoft.com/office/powerpoint/2010/main" spd="med"/>
+  <p:transition spd="med"/>
 </p:sldLayout>
 </file>
 
 <file path=ppt/slideLayouts/slideLayout14.xml><?xml version="1.0" encoding="utf-8"?>
-<p:sldLayout xmlns:a="http://schemas.openxmlformats.org/drawingml/2006/main" xmlns:r="http://schemas.openxmlformats.org/officeDocument/2006/relationships" xmlns:p="http://schemas.openxmlformats.org/presentationml/2006/main" type="titleOnly">
+<p:sldLayout xmlns:a="http://schemas.openxmlformats.org/drawingml/2006/main" xmlns:r="http://schemas.openxmlformats.org/officeDocument/2006/relationships" xmlns:mc="http://schemas.openxmlformats.org/markup-compatibility/2006" xmlns:mv="urn:schemas-microsoft-com:mac:vml" xmlns:p="http://schemas.openxmlformats.org/presentationml/2006/main" mc:Ignorable="mv" mc:PreserveAttributes="mv:*" type="titleOnly">
   <p:cSld name="Title Only">
     <p:spTree>
       <p:nvGrpSpPr>
@@ -1973,7 +2170,7 @@
             <a:fld id="{FA22CAD1-A84A-40DA-B096-969086E92675}" type="datetime1">
               <a:rPr lang="en-US"/>
               <a:pPr/>
-              <a:t>3/4/13</a:t>
+              <a:t>3/6/13</a:t>
             </a:fld>
             <a:endParaRPr lang="en-US"/>
           </a:p>
@@ -2039,7 +2236,7 @@
 </file>
 
 <file path=ppt/slideLayouts/slideLayout2.xml><?xml version="1.0" encoding="utf-8"?>
-<p:sldLayout xmlns:a="http://schemas.openxmlformats.org/drawingml/2006/main" xmlns:r="http://schemas.openxmlformats.org/officeDocument/2006/relationships" xmlns:p="http://schemas.openxmlformats.org/presentationml/2006/main" type="obj" preserve="1">
+<p:sldLayout xmlns:a="http://schemas.openxmlformats.org/drawingml/2006/main" xmlns:r="http://schemas.openxmlformats.org/officeDocument/2006/relationships" xmlns:mc="http://schemas.openxmlformats.org/markup-compatibility/2006" xmlns:mv="urn:schemas-microsoft-com:mac:vml" xmlns:p="http://schemas.openxmlformats.org/presentationml/2006/main" mc:Ignorable="mv" mc:PreserveAttributes="mv:*" type="obj" preserve="1">
   <p:cSld name="Title and Content">
     <p:spTree>
       <p:nvGrpSpPr>
@@ -2169,7 +2366,7 @@
 </file>
 
 <file path=ppt/slideLayouts/slideLayout3.xml><?xml version="1.0" encoding="utf-8"?>
-<p:sldLayout xmlns:a="http://schemas.openxmlformats.org/drawingml/2006/main" xmlns:r="http://schemas.openxmlformats.org/officeDocument/2006/relationships" xmlns:p="http://schemas.openxmlformats.org/presentationml/2006/main" type="secHead" preserve="1">
+<p:sldLayout xmlns:a="http://schemas.openxmlformats.org/drawingml/2006/main" xmlns:r="http://schemas.openxmlformats.org/officeDocument/2006/relationships" xmlns:mc="http://schemas.openxmlformats.org/markup-compatibility/2006" xmlns:mv="urn:schemas-microsoft-com:mac:vml" xmlns:p="http://schemas.openxmlformats.org/presentationml/2006/main" mc:Ignorable="mv" mc:PreserveAttributes="mv:*" type="secHead" preserve="1">
   <p:cSld name="Section Header">
     <p:spTree>
       <p:nvGrpSpPr>
@@ -2321,7 +2518,7 @@
 </file>
 
 <file path=ppt/slideLayouts/slideLayout4.xml><?xml version="1.0" encoding="utf-8"?>
-<p:sldLayout xmlns:a="http://schemas.openxmlformats.org/drawingml/2006/main" xmlns:r="http://schemas.openxmlformats.org/officeDocument/2006/relationships" xmlns:p="http://schemas.openxmlformats.org/presentationml/2006/main" type="twoObj" preserve="1">
+<p:sldLayout xmlns:a="http://schemas.openxmlformats.org/drawingml/2006/main" xmlns:r="http://schemas.openxmlformats.org/officeDocument/2006/relationships" xmlns:mc="http://schemas.openxmlformats.org/markup-compatibility/2006" xmlns:mv="urn:schemas-microsoft-com:mac:vml" xmlns:p="http://schemas.openxmlformats.org/presentationml/2006/main" mc:Ignorable="mv" mc:PreserveAttributes="mv:*" type="twoObj" preserve="1">
   <p:cSld name="Two Content">
     <p:spTree>
       <p:nvGrpSpPr>
@@ -2569,7 +2766,7 @@
 </file>
 
 <file path=ppt/slideLayouts/slideLayout5.xml><?xml version="1.0" encoding="utf-8"?>
-<p:sldLayout xmlns:a="http://schemas.openxmlformats.org/drawingml/2006/main" xmlns:r="http://schemas.openxmlformats.org/officeDocument/2006/relationships" xmlns:p="http://schemas.openxmlformats.org/presentationml/2006/main" type="twoTxTwoObj" preserve="1">
+<p:sldLayout xmlns:a="http://schemas.openxmlformats.org/drawingml/2006/main" xmlns:r="http://schemas.openxmlformats.org/officeDocument/2006/relationships" xmlns:mc="http://schemas.openxmlformats.org/markup-compatibility/2006" xmlns:mv="urn:schemas-microsoft-com:mac:vml" xmlns:p="http://schemas.openxmlformats.org/presentationml/2006/main" mc:Ignorable="mv" mc:PreserveAttributes="mv:*" type="twoTxTwoObj" preserve="1">
   <p:cSld name="Comparison">
     <p:spTree>
       <p:nvGrpSpPr>
@@ -2956,7 +3153,7 @@
 </file>
 
 <file path=ppt/slideLayouts/slideLayout6.xml><?xml version="1.0" encoding="utf-8"?>
-<p:sldLayout xmlns:a="http://schemas.openxmlformats.org/drawingml/2006/main" xmlns:r="http://schemas.openxmlformats.org/officeDocument/2006/relationships" xmlns:p="http://schemas.openxmlformats.org/presentationml/2006/main" type="titleOnly" preserve="1">
+<p:sldLayout xmlns:a="http://schemas.openxmlformats.org/drawingml/2006/main" xmlns:r="http://schemas.openxmlformats.org/officeDocument/2006/relationships" xmlns:mc="http://schemas.openxmlformats.org/markup-compatibility/2006" xmlns:mv="urn:schemas-microsoft-com:mac:vml" xmlns:p="http://schemas.openxmlformats.org/presentationml/2006/main" mc:Ignorable="mv" mc:PreserveAttributes="mv:*" type="titleOnly" preserve="1">
   <p:cSld name="Title Only">
     <p:spTree>
       <p:nvGrpSpPr>
@@ -3034,7 +3231,7 @@
 </file>
 
 <file path=ppt/slideLayouts/slideLayout7.xml><?xml version="1.0" encoding="utf-8"?>
-<p:sldLayout xmlns:a="http://schemas.openxmlformats.org/drawingml/2006/main" xmlns:r="http://schemas.openxmlformats.org/officeDocument/2006/relationships" xmlns:p="http://schemas.openxmlformats.org/presentationml/2006/main" type="blank" preserve="1">
+<p:sldLayout xmlns:a="http://schemas.openxmlformats.org/drawingml/2006/main" xmlns:r="http://schemas.openxmlformats.org/officeDocument/2006/relationships" xmlns:mc="http://schemas.openxmlformats.org/markup-compatibility/2006" xmlns:mv="urn:schemas-microsoft-com:mac:vml" xmlns:p="http://schemas.openxmlformats.org/presentationml/2006/main" mc:Ignorable="mv" mc:PreserveAttributes="mv:*" type="blank" preserve="1">
   <p:cSld name="Blank">
     <p:spTree>
       <p:nvGrpSpPr>
@@ -3089,7 +3286,7 @@
 </file>
 
 <file path=ppt/slideLayouts/slideLayout8.xml><?xml version="1.0" encoding="utf-8"?>
-<p:sldLayout xmlns:a="http://schemas.openxmlformats.org/drawingml/2006/main" xmlns:r="http://schemas.openxmlformats.org/officeDocument/2006/relationships" xmlns:p="http://schemas.openxmlformats.org/presentationml/2006/main" type="objTx" preserve="1">
+<p:sldLayout xmlns:a="http://schemas.openxmlformats.org/drawingml/2006/main" xmlns:r="http://schemas.openxmlformats.org/officeDocument/2006/relationships" xmlns:mc="http://schemas.openxmlformats.org/markup-compatibility/2006" xmlns:mv="urn:schemas-microsoft-com:mac:vml" xmlns:p="http://schemas.openxmlformats.org/presentationml/2006/main" mc:Ignorable="mv" mc:PreserveAttributes="mv:*" type="objTx" preserve="1">
   <p:cSld name="Content with Caption">
     <p:spTree>
       <p:nvGrpSpPr>
@@ -3326,7 +3523,7 @@
 </file>
 
 <file path=ppt/slideLayouts/slideLayout9.xml><?xml version="1.0" encoding="utf-8"?>
-<p:sldLayout xmlns:a="http://schemas.openxmlformats.org/drawingml/2006/main" xmlns:r="http://schemas.openxmlformats.org/officeDocument/2006/relationships" xmlns:p="http://schemas.openxmlformats.org/presentationml/2006/main" type="picTx" preserve="1">
+<p:sldLayout xmlns:a="http://schemas.openxmlformats.org/drawingml/2006/main" xmlns:r="http://schemas.openxmlformats.org/officeDocument/2006/relationships" xmlns:mc="http://schemas.openxmlformats.org/markup-compatibility/2006" xmlns:mv="urn:schemas-microsoft-com:mac:vml" xmlns:p="http://schemas.openxmlformats.org/presentationml/2006/main" mc:Ignorable="mv" mc:PreserveAttributes="mv:*" type="picTx" preserve="1">
   <p:cSld name="Picture with Caption">
     <p:spTree>
       <p:nvGrpSpPr>
@@ -3540,7 +3737,7 @@
 </file>
 
 <file path=ppt/slideMasters/slideMaster1.xml><?xml version="1.0" encoding="utf-8"?>
-<p:sldMaster xmlns:a="http://schemas.openxmlformats.org/drawingml/2006/main" xmlns:r="http://schemas.openxmlformats.org/officeDocument/2006/relationships" xmlns:p="http://schemas.openxmlformats.org/presentationml/2006/main">
+<p:sldMaster xmlns:a="http://schemas.openxmlformats.org/drawingml/2006/main" xmlns:r="http://schemas.openxmlformats.org/officeDocument/2006/relationships" xmlns:mc="http://schemas.openxmlformats.org/markup-compatibility/2006" xmlns:mv="urn:schemas-microsoft-com:mac:vml" xmlns:p="http://schemas.openxmlformats.org/presentationml/2006/main" mc:Ignorable="mv" mc:PreserveAttributes="mv:*">
   <p:cSld>
     <p:bg>
       <p:bgPr>
@@ -4195,7 +4392,7 @@
 </file>
 
 <file path=ppt/slideMasters/slideMaster10.xml><?xml version="1.0" encoding="utf-8"?>
-<p:sldMaster xmlns:a="http://schemas.openxmlformats.org/drawingml/2006/main" xmlns:r="http://schemas.openxmlformats.org/officeDocument/2006/relationships" xmlns:p="http://schemas.openxmlformats.org/presentationml/2006/main" preserve="1">
+<p:sldMaster xmlns:a="http://schemas.openxmlformats.org/drawingml/2006/main" xmlns:r="http://schemas.openxmlformats.org/officeDocument/2006/relationships" xmlns:mc="http://schemas.openxmlformats.org/markup-compatibility/2006" xmlns:mv="urn:schemas-microsoft-com:mac:vml" xmlns:p="http://schemas.openxmlformats.org/presentationml/2006/main" mc:Ignorable="mv" mc:PreserveAttributes="mv:*" preserve="1">
   <p:cSld>
     <p:bg>
       <p:bgRef idx="1001">
@@ -4800,7 +4997,7 @@
 </file>
 
 <file path=ppt/slideMasters/slideMaster11.xml><?xml version="1.0" encoding="utf-8"?>
-<p:sldMaster xmlns:a="http://schemas.openxmlformats.org/drawingml/2006/main" xmlns:r="http://schemas.openxmlformats.org/officeDocument/2006/relationships" xmlns:p="http://schemas.openxmlformats.org/presentationml/2006/main" preserve="1">
+<p:sldMaster xmlns:a="http://schemas.openxmlformats.org/drawingml/2006/main" xmlns:r="http://schemas.openxmlformats.org/officeDocument/2006/relationships" xmlns:mc="http://schemas.openxmlformats.org/markup-compatibility/2006" xmlns:mv="urn:schemas-microsoft-com:mac:vml" xmlns:p="http://schemas.openxmlformats.org/presentationml/2006/main" mc:Ignorable="mv" mc:PreserveAttributes="mv:*" preserve="1">
   <p:cSld>
     <p:bg>
       <p:bgPr>
@@ -5048,7 +5245,7 @@
     </p:spTree>
   </p:cSld>
   <p:clrMap bg1="lt1" tx1="dk1" bg2="lt2" tx2="dk2" accent1="accent1" accent2="accent2" accent3="accent3" accent4="accent4" accent5="accent5" accent6="accent6" hlink="hlink" folHlink="folHlink"/>
-  <p:transition xmlns:p14="http://schemas.microsoft.com/office/powerpoint/2010/main" spd="med">
+  <p:transition spd="med">
     <p:fade/>
   </p:transition>
   <p:hf hdr="0"/>
@@ -5465,7 +5662,7 @@
 </file>
 
 <file path=ppt/slideMasters/slideMaster12.xml><?xml version="1.0" encoding="utf-8"?>
-<p:sldMaster xmlns:a="http://schemas.openxmlformats.org/drawingml/2006/main" xmlns:r="http://schemas.openxmlformats.org/officeDocument/2006/relationships" xmlns:p="http://schemas.openxmlformats.org/presentationml/2006/main">
+<p:sldMaster xmlns:a="http://schemas.openxmlformats.org/drawingml/2006/main" xmlns:r="http://schemas.openxmlformats.org/officeDocument/2006/relationships" xmlns:mc="http://schemas.openxmlformats.org/markup-compatibility/2006" xmlns:mv="urn:schemas-microsoft-com:mac:vml" xmlns:p="http://schemas.openxmlformats.org/presentationml/2006/main" mc:Ignorable="mv" mc:PreserveAttributes="mv:*">
   <p:cSld>
     <p:bg>
       <p:bgRef idx="1001">
@@ -5638,7 +5835,7 @@
             <a:fld id="{96999AEB-98EF-46F6-BBE8-DCF260C9F80F}" type="datetime1">
               <a:rPr lang="en-US"/>
               <a:pPr/>
-              <a:t>3/4/13</a:t>
+              <a:t>3/6/13</a:t>
             </a:fld>
             <a:endParaRPr lang="en-US"/>
           </a:p>
@@ -6287,7 +6484,7 @@
 </file>
 
 <file path=ppt/slideMasters/slideMaster2.xml><?xml version="1.0" encoding="utf-8"?>
-<p:sldMaster xmlns:a="http://schemas.openxmlformats.org/drawingml/2006/main" xmlns:r="http://schemas.openxmlformats.org/officeDocument/2006/relationships" xmlns:p="http://schemas.openxmlformats.org/presentationml/2006/main" preserve="1">
+<p:sldMaster xmlns:a="http://schemas.openxmlformats.org/drawingml/2006/main" xmlns:r="http://schemas.openxmlformats.org/officeDocument/2006/relationships" xmlns:mc="http://schemas.openxmlformats.org/markup-compatibility/2006" xmlns:mv="urn:schemas-microsoft-com:mac:vml" xmlns:p="http://schemas.openxmlformats.org/presentationml/2006/main" mc:Ignorable="mv" mc:PreserveAttributes="mv:*" preserve="1">
   <p:cSld>
     <p:bg>
       <p:bgRef idx="1001">
@@ -6892,7 +7089,7 @@
 </file>
 
 <file path=ppt/slideMasters/slideMaster3.xml><?xml version="1.0" encoding="utf-8"?>
-<p:sldMaster xmlns:a="http://schemas.openxmlformats.org/drawingml/2006/main" xmlns:r="http://schemas.openxmlformats.org/officeDocument/2006/relationships" xmlns:p="http://schemas.openxmlformats.org/presentationml/2006/main" preserve="1">
+<p:sldMaster xmlns:a="http://schemas.openxmlformats.org/drawingml/2006/main" xmlns:r="http://schemas.openxmlformats.org/officeDocument/2006/relationships" xmlns:mc="http://schemas.openxmlformats.org/markup-compatibility/2006" xmlns:mv="urn:schemas-microsoft-com:mac:vml" xmlns:p="http://schemas.openxmlformats.org/presentationml/2006/main" mc:Ignorable="mv" mc:PreserveAttributes="mv:*" preserve="1">
   <p:cSld>
     <p:bg>
       <p:bgPr>
@@ -7270,7 +7467,7 @@
   <p:timing>
     <p:tnLst>
       <p:par>
-        <p:cTn xmlns:p14="http://schemas.microsoft.com/office/powerpoint/2010/main" id="1" dur="indefinite" restart="never" nodeType="tmRoot"/>
+        <p:cTn id="1" dur="indefinite" restart="never" nodeType="tmRoot"/>
       </p:par>
     </p:tnLst>
   </p:timing>
@@ -7683,7 +7880,7 @@
 </file>
 
 <file path=ppt/slideMasters/slideMaster4.xml><?xml version="1.0" encoding="utf-8"?>
-<p:sldMaster xmlns:a="http://schemas.openxmlformats.org/drawingml/2006/main" xmlns:r="http://schemas.openxmlformats.org/officeDocument/2006/relationships" xmlns:p="http://schemas.openxmlformats.org/presentationml/2006/main" preserve="1">
+<p:sldMaster xmlns:a="http://schemas.openxmlformats.org/drawingml/2006/main" xmlns:r="http://schemas.openxmlformats.org/officeDocument/2006/relationships" xmlns:mc="http://schemas.openxmlformats.org/markup-compatibility/2006" xmlns:mv="urn:schemas-microsoft-com:mac:vml" xmlns:p="http://schemas.openxmlformats.org/presentationml/2006/main" mc:Ignorable="mv" mc:PreserveAttributes="mv:*" preserve="1">
   <p:cSld>
     <p:bg>
       <p:bgPr>
@@ -8061,7 +8258,7 @@
   <p:timing>
     <p:tnLst>
       <p:par>
-        <p:cTn xmlns:p14="http://schemas.microsoft.com/office/powerpoint/2010/main" id="1" dur="indefinite" restart="never" nodeType="tmRoot"/>
+        <p:cTn id="1" dur="indefinite" restart="never" nodeType="tmRoot"/>
       </p:par>
     </p:tnLst>
   </p:timing>
@@ -8474,7 +8671,7 @@
 </file>
 
 <file path=ppt/slideMasters/slideMaster5.xml><?xml version="1.0" encoding="utf-8"?>
-<p:sldMaster xmlns:a="http://schemas.openxmlformats.org/drawingml/2006/main" xmlns:r="http://schemas.openxmlformats.org/officeDocument/2006/relationships" xmlns:p="http://schemas.openxmlformats.org/presentationml/2006/main" preserve="1">
+<p:sldMaster xmlns:a="http://schemas.openxmlformats.org/drawingml/2006/main" xmlns:r="http://schemas.openxmlformats.org/officeDocument/2006/relationships" xmlns:mc="http://schemas.openxmlformats.org/markup-compatibility/2006" xmlns:mv="urn:schemas-microsoft-com:mac:vml" xmlns:p="http://schemas.openxmlformats.org/presentationml/2006/main" mc:Ignorable="mv" mc:PreserveAttributes="mv:*" preserve="1">
   <p:cSld>
     <p:bg>
       <p:bgRef idx="1001">
@@ -9079,7 +9276,7 @@
 </file>
 
 <file path=ppt/slideMasters/slideMaster6.xml><?xml version="1.0" encoding="utf-8"?>
-<p:sldMaster xmlns:a="http://schemas.openxmlformats.org/drawingml/2006/main" xmlns:r="http://schemas.openxmlformats.org/officeDocument/2006/relationships" xmlns:p="http://schemas.openxmlformats.org/presentationml/2006/main" preserve="1">
+<p:sldMaster xmlns:a="http://schemas.openxmlformats.org/drawingml/2006/main" xmlns:r="http://schemas.openxmlformats.org/officeDocument/2006/relationships" xmlns:mc="http://schemas.openxmlformats.org/markup-compatibility/2006" xmlns:mv="urn:schemas-microsoft-com:mac:vml" xmlns:p="http://schemas.openxmlformats.org/presentationml/2006/main" mc:Ignorable="mv" mc:PreserveAttributes="mv:*" preserve="1">
   <p:cSld>
     <p:bg>
       <p:bgPr>
@@ -9457,7 +9654,7 @@
   <p:timing>
     <p:tnLst>
       <p:par>
-        <p:cTn xmlns:p14="http://schemas.microsoft.com/office/powerpoint/2010/main" id="1" dur="indefinite" restart="never" nodeType="tmRoot"/>
+        <p:cTn id="1" dur="indefinite" restart="never" nodeType="tmRoot"/>
       </p:par>
     </p:tnLst>
   </p:timing>
@@ -9870,7 +10067,7 @@
 </file>
 
 <file path=ppt/slideMasters/slideMaster7.xml><?xml version="1.0" encoding="utf-8"?>
-<p:sldMaster xmlns:a="http://schemas.openxmlformats.org/drawingml/2006/main" xmlns:r="http://schemas.openxmlformats.org/officeDocument/2006/relationships" xmlns:p="http://schemas.openxmlformats.org/presentationml/2006/main" preserve="1">
+<p:sldMaster xmlns:a="http://schemas.openxmlformats.org/drawingml/2006/main" xmlns:r="http://schemas.openxmlformats.org/officeDocument/2006/relationships" xmlns:mc="http://schemas.openxmlformats.org/markup-compatibility/2006" xmlns:mv="urn:schemas-microsoft-com:mac:vml" xmlns:p="http://schemas.openxmlformats.org/presentationml/2006/main" mc:Ignorable="mv" mc:PreserveAttributes="mv:*" preserve="1">
   <p:cSld>
     <p:bg>
       <p:bgRef idx="1001">
@@ -10475,7 +10672,7 @@
 </file>
 
 <file path=ppt/slideMasters/slideMaster8.xml><?xml version="1.0" encoding="utf-8"?>
-<p:sldMaster xmlns:a="http://schemas.openxmlformats.org/drawingml/2006/main" xmlns:r="http://schemas.openxmlformats.org/officeDocument/2006/relationships" xmlns:p="http://schemas.openxmlformats.org/presentationml/2006/main">
+<p:sldMaster xmlns:a="http://schemas.openxmlformats.org/drawingml/2006/main" xmlns:r="http://schemas.openxmlformats.org/officeDocument/2006/relationships" xmlns:mc="http://schemas.openxmlformats.org/markup-compatibility/2006" xmlns:mv="urn:schemas-microsoft-com:mac:vml" xmlns:p="http://schemas.openxmlformats.org/presentationml/2006/main" mc:Ignorable="mv" mc:PreserveAttributes="mv:*">
   <p:cSld>
     <p:bg>
       <p:bgRef idx="1001">
@@ -10648,7 +10845,7 @@
             <a:fld id="{B6390B92-557F-46B2-93F4-CCC7D45FA683}" type="datetime1">
               <a:rPr lang="en-US"/>
               <a:pPr/>
-              <a:t>3/4/13</a:t>
+              <a:t>3/6/13</a:t>
             </a:fld>
             <a:endParaRPr lang="en-US"/>
           </a:p>
@@ -11297,7 +11494,7 @@
 </file>
 
 <file path=ppt/slideMasters/slideMaster9.xml><?xml version="1.0" encoding="utf-8"?>
-<p:sldMaster xmlns:a="http://schemas.openxmlformats.org/drawingml/2006/main" xmlns:r="http://schemas.openxmlformats.org/officeDocument/2006/relationships" xmlns:p="http://schemas.openxmlformats.org/presentationml/2006/main" preserve="1">
+<p:sldMaster xmlns:a="http://schemas.openxmlformats.org/drawingml/2006/main" xmlns:r="http://schemas.openxmlformats.org/officeDocument/2006/relationships" xmlns:mc="http://schemas.openxmlformats.org/markup-compatibility/2006" xmlns:mv="urn:schemas-microsoft-com:mac:vml" xmlns:p="http://schemas.openxmlformats.org/presentationml/2006/main" mc:Ignorable="mv" mc:PreserveAttributes="mv:*" preserve="1">
   <p:cSld>
     <p:bg>
       <p:bgPr>
@@ -11545,7 +11742,7 @@
     </p:spTree>
   </p:cSld>
   <p:clrMap bg1="lt1" tx1="dk1" bg2="lt2" tx2="dk2" accent1="accent1" accent2="accent2" accent3="accent3" accent4="accent4" accent5="accent5" accent6="accent6" hlink="hlink" folHlink="folHlink"/>
-  <p:transition xmlns:p14="http://schemas.microsoft.com/office/powerpoint/2010/main" spd="med">
+  <p:transition spd="med">
     <p:fade/>
   </p:transition>
   <p:hf hdr="0"/>
@@ -11962,7 +12159,7 @@
 </file>
 
 <file path=ppt/slides/slide1.xml><?xml version="1.0" encoding="utf-8"?>
-<p:sld xmlns:a="http://schemas.openxmlformats.org/drawingml/2006/main" xmlns:r="http://schemas.openxmlformats.org/officeDocument/2006/relationships" xmlns:p="http://schemas.openxmlformats.org/presentationml/2006/main">
+<p:sld xmlns:a="http://schemas.openxmlformats.org/drawingml/2006/main" xmlns:r="http://schemas.openxmlformats.org/officeDocument/2006/relationships" xmlns:mc="http://schemas.openxmlformats.org/markup-compatibility/2006" xmlns:mv="urn:schemas-microsoft-com:mac:vml" xmlns:p="http://schemas.openxmlformats.org/presentationml/2006/main" mc:Ignorable="mv" mc:PreserveAttributes="mv:*">
   <p:cSld>
     <p:spTree>
       <p:nvGrpSpPr>
@@ -12044,17 +12241,8 @@
               <a:rPr lang="en-US" dirty="0" smtClean="0">
                 <a:ea typeface="ＭＳ Ｐゴシック" pitchFamily="34" charset="-128"/>
               </a:rPr>
-              <a:t>Presented by: </a:t>
-            </a:r>
-            <a:r>
-              <a:rPr lang="en-US" dirty="0" smtClean="0">
-                <a:ea typeface="ＭＳ Ｐゴシック" pitchFamily="34" charset="-128"/>
-              </a:rPr>
-              <a:t>Melissa Romanus</a:t>
-            </a:r>
-            <a:endParaRPr lang="en-US" dirty="0" smtClean="0">
-              <a:ea typeface="ＭＳ Ｐゴシック" pitchFamily="34" charset="-128"/>
-            </a:endParaRPr>
+              <a:t>Presented by: Melissa Romanus</a:t>
+            </a:r>
           </a:p>
           <a:p>
             <a:pPr eaLnBrk="1" hangingPunct="1"/>
@@ -12103,7 +12291,7 @@
   <p:timing>
     <p:tnLst>
       <p:par>
-        <p:cTn xmlns:p14="http://schemas.microsoft.com/office/powerpoint/2010/main" id="1" dur="indefinite" restart="never" nodeType="tmRoot"/>
+        <p:cTn id="1" dur="indefinite" restart="never" nodeType="tmRoot"/>
       </p:par>
     </p:tnLst>
   </p:timing>
@@ -12111,7 +12299,7 @@
 </file>
 
 <file path=ppt/slides/slide10.xml><?xml version="1.0" encoding="utf-8"?>
-<p:sld xmlns:a="http://schemas.openxmlformats.org/drawingml/2006/main" xmlns:r="http://schemas.openxmlformats.org/officeDocument/2006/relationships" xmlns:p="http://schemas.openxmlformats.org/presentationml/2006/main">
+<p:sld xmlns:a="http://schemas.openxmlformats.org/drawingml/2006/main" xmlns:r="http://schemas.openxmlformats.org/officeDocument/2006/relationships" xmlns:mc="http://schemas.openxmlformats.org/markup-compatibility/2006" xmlns:mv="urn:schemas-microsoft-com:mac:vml" xmlns:p="http://schemas.openxmlformats.org/presentationml/2006/main" mc:Ignorable="mv" mc:PreserveAttributes="mv:*">
   <p:cSld>
     <p:spTree>
       <p:nvGrpSpPr>
@@ -12313,18 +12501,18 @@
     </p:spTree>
     <p:extLst>
       <p:ext uri="{BB962C8B-B14F-4D97-AF65-F5344CB8AC3E}">
-        <p14:creationId xmlns:p14="http://schemas.microsoft.com/office/powerpoint/2010/main" val="3930915092"/>
+        <p14:creationId xmlns:p14="http://schemas.microsoft.com/office/powerpoint/2010/main" xmlns:p="http://schemas.openxmlformats.org/presentationml/2006/main" xmlns:r="http://schemas.openxmlformats.org/officeDocument/2006/relationships" xmlns:a="http://schemas.openxmlformats.org/drawingml/2006/main" xmlns="" val="3930915092"/>
       </p:ext>
     </p:extLst>
   </p:cSld>
   <p:clrMapOvr>
     <a:masterClrMapping/>
   </p:clrMapOvr>
-  <p:transition xmlns:p14="http://schemas.microsoft.com/office/powerpoint/2010/main"/>
+  <p:transition/>
   <p:timing>
     <p:tnLst>
       <p:par>
-        <p:cTn xmlns:p14="http://schemas.microsoft.com/office/powerpoint/2010/main" id="1" dur="indefinite" restart="never" nodeType="tmRoot"/>
+        <p:cTn id="1" dur="indefinite" restart="never" nodeType="tmRoot"/>
       </p:par>
     </p:tnLst>
   </p:timing>
@@ -12332,7 +12520,7 @@
 </file>
 
 <file path=ppt/slides/slide11.xml><?xml version="1.0" encoding="utf-8"?>
-<p:sld xmlns:a="http://schemas.openxmlformats.org/drawingml/2006/main" xmlns:r="http://schemas.openxmlformats.org/officeDocument/2006/relationships" xmlns:p="http://schemas.openxmlformats.org/presentationml/2006/main">
+<p:sld xmlns:a="http://schemas.openxmlformats.org/drawingml/2006/main" xmlns:r="http://schemas.openxmlformats.org/officeDocument/2006/relationships" xmlns:mc="http://schemas.openxmlformats.org/markup-compatibility/2006" xmlns:mv="urn:schemas-microsoft-com:mac:vml" xmlns:p="http://schemas.openxmlformats.org/presentationml/2006/main" mc:Ignorable="mv" mc:PreserveAttributes="mv:*">
   <p:cSld>
     <p:spTree>
       <p:nvGrpSpPr>
@@ -13189,18 +13377,18 @@
     </p:spTree>
     <p:extLst>
       <p:ext uri="{BB962C8B-B14F-4D97-AF65-F5344CB8AC3E}">
-        <p14:creationId xmlns:p14="http://schemas.microsoft.com/office/powerpoint/2010/main" val="2385870330"/>
+        <p14:creationId xmlns:p14="http://schemas.microsoft.com/office/powerpoint/2010/main" xmlns:p="http://schemas.openxmlformats.org/presentationml/2006/main" xmlns:r="http://schemas.openxmlformats.org/officeDocument/2006/relationships" xmlns:a="http://schemas.openxmlformats.org/drawingml/2006/main" xmlns="" val="2385870330"/>
       </p:ext>
     </p:extLst>
   </p:cSld>
   <p:clrMapOvr>
     <a:masterClrMapping/>
   </p:clrMapOvr>
-  <p:transition xmlns:p14="http://schemas.microsoft.com/office/powerpoint/2010/main"/>
+  <p:transition/>
   <p:timing>
     <p:tnLst>
       <p:par>
-        <p:cTn xmlns:p14="http://schemas.microsoft.com/office/powerpoint/2010/main" id="1" dur="indefinite" restart="never" nodeType="tmRoot"/>
+        <p:cTn id="1" dur="indefinite" restart="never" nodeType="tmRoot"/>
       </p:par>
     </p:tnLst>
   </p:timing>
@@ -13208,7 +13396,7 @@
 </file>
 
 <file path=ppt/slides/slide12.xml><?xml version="1.0" encoding="utf-8"?>
-<p:sld xmlns:a="http://schemas.openxmlformats.org/drawingml/2006/main" xmlns:r="http://schemas.openxmlformats.org/officeDocument/2006/relationships" xmlns:p="http://schemas.openxmlformats.org/presentationml/2006/main">
+<p:sld xmlns:a="http://schemas.openxmlformats.org/drawingml/2006/main" xmlns:r="http://schemas.openxmlformats.org/officeDocument/2006/relationships" xmlns:mc="http://schemas.openxmlformats.org/markup-compatibility/2006" xmlns:mv="urn:schemas-microsoft-com:mac:vml" xmlns:p="http://schemas.openxmlformats.org/presentationml/2006/main" mc:Ignorable="mv" mc:PreserveAttributes="mv:*">
   <p:cSld>
     <p:spTree>
       <p:nvGrpSpPr>
@@ -13874,18 +14062,18 @@
     </p:spTree>
     <p:extLst>
       <p:ext uri="{BB962C8B-B14F-4D97-AF65-F5344CB8AC3E}">
-        <p14:creationId xmlns:p14="http://schemas.microsoft.com/office/powerpoint/2010/main" val="143289954"/>
+        <p14:creationId xmlns:p14="http://schemas.microsoft.com/office/powerpoint/2010/main" xmlns:p="http://schemas.openxmlformats.org/presentationml/2006/main" xmlns:r="http://schemas.openxmlformats.org/officeDocument/2006/relationships" xmlns:a="http://schemas.openxmlformats.org/drawingml/2006/main" xmlns="" val="143289954"/>
       </p:ext>
     </p:extLst>
   </p:cSld>
   <p:clrMapOvr>
     <a:masterClrMapping/>
   </p:clrMapOvr>
-  <p:transition xmlns:p14="http://schemas.microsoft.com/office/powerpoint/2010/main"/>
+  <p:transition/>
   <p:timing>
     <p:tnLst>
       <p:par>
-        <p:cTn xmlns:p14="http://schemas.microsoft.com/office/powerpoint/2010/main" id="1" dur="indefinite" restart="never" nodeType="tmRoot"/>
+        <p:cTn id="1" dur="indefinite" restart="never" nodeType="tmRoot"/>
       </p:par>
     </p:tnLst>
   </p:timing>
@@ -13893,7 +14081,7 @@
 </file>
 
 <file path=ppt/slides/slide13.xml><?xml version="1.0" encoding="utf-8"?>
-<p:sld xmlns:a="http://schemas.openxmlformats.org/drawingml/2006/main" xmlns:r="http://schemas.openxmlformats.org/officeDocument/2006/relationships" xmlns:p="http://schemas.openxmlformats.org/presentationml/2006/main">
+<p:sld xmlns:a="http://schemas.openxmlformats.org/drawingml/2006/main" xmlns:r="http://schemas.openxmlformats.org/officeDocument/2006/relationships" xmlns:mc="http://schemas.openxmlformats.org/markup-compatibility/2006" xmlns:mv="urn:schemas-microsoft-com:mac:vml" xmlns:p="http://schemas.openxmlformats.org/presentationml/2006/main" mc:Ignorable="mv" mc:PreserveAttributes="mv:*">
   <p:cSld>
     <p:spTree>
       <p:nvGrpSpPr>
@@ -13970,11 +14158,7 @@
             </a:pPr>
             <a:r>
               <a:rPr lang="en-US" b="1" dirty="0" smtClean="0"/>
-              <a:t>Chained Example</a:t>
-            </a:r>
-            <a:r>
-              <a:rPr lang="en-US" b="1" dirty="0" smtClean="0"/>
-              <a:t>: </a:t>
+              <a:t>Chained Example: </a:t>
             </a:r>
             <a:r>
               <a:rPr lang="en-US" b="1" dirty="0" err="1" smtClean="0"/>
@@ -14288,18 +14472,18 @@
     </p:spTree>
     <p:extLst>
       <p:ext uri="{BB962C8B-B14F-4D97-AF65-F5344CB8AC3E}">
-        <p14:creationId xmlns:p14="http://schemas.microsoft.com/office/powerpoint/2010/main" val="3453571518"/>
+        <p14:creationId xmlns:p14="http://schemas.microsoft.com/office/powerpoint/2010/main" xmlns:p="http://schemas.openxmlformats.org/presentationml/2006/main" xmlns:r="http://schemas.openxmlformats.org/officeDocument/2006/relationships" xmlns:a="http://schemas.openxmlformats.org/drawingml/2006/main" xmlns="" val="3453571518"/>
       </p:ext>
     </p:extLst>
   </p:cSld>
   <p:clrMapOvr>
     <a:masterClrMapping/>
   </p:clrMapOvr>
-  <p:transition xmlns:p14="http://schemas.microsoft.com/office/powerpoint/2010/main"/>
+  <p:transition/>
   <p:timing>
     <p:tnLst>
       <p:par>
-        <p:cTn xmlns:p14="http://schemas.microsoft.com/office/powerpoint/2010/main" id="1" dur="indefinite" restart="never" nodeType="tmRoot"/>
+        <p:cTn id="1" dur="indefinite" restart="never" nodeType="tmRoot"/>
       </p:par>
     </p:tnLst>
   </p:timing>
@@ -14307,7 +14491,7 @@
 </file>
 
 <file path=ppt/slides/slide14.xml><?xml version="1.0" encoding="utf-8"?>
-<p:sld xmlns:a="http://schemas.openxmlformats.org/drawingml/2006/main" xmlns:r="http://schemas.openxmlformats.org/officeDocument/2006/relationships" xmlns:p="http://schemas.openxmlformats.org/presentationml/2006/main">
+<p:sld xmlns:a="http://schemas.openxmlformats.org/drawingml/2006/main" xmlns:r="http://schemas.openxmlformats.org/officeDocument/2006/relationships" xmlns:mc="http://schemas.openxmlformats.org/markup-compatibility/2006" xmlns:mv="urn:schemas-microsoft-com:mac:vml" xmlns:p="http://schemas.openxmlformats.org/presentationml/2006/main" mc:Ignorable="mv" mc:PreserveAttributes="mv:*">
   <p:cSld>
     <p:spTree>
       <p:nvGrpSpPr>
@@ -14384,11 +14568,7 @@
             </a:pPr>
             <a:r>
               <a:rPr lang="en-US" b="1" dirty="0" smtClean="0"/>
-              <a:t>Coupled Example</a:t>
-            </a:r>
-            <a:r>
-              <a:rPr lang="en-US" b="1" dirty="0" smtClean="0"/>
-              <a:t>: </a:t>
+              <a:t>Coupled Example: </a:t>
             </a:r>
             <a:r>
               <a:rPr lang="en-US" b="1" dirty="0" err="1" smtClean="0"/>
@@ -14702,18 +14882,18 @@
     </p:spTree>
     <p:extLst>
       <p:ext uri="{BB962C8B-B14F-4D97-AF65-F5344CB8AC3E}">
-        <p14:creationId xmlns:p14="http://schemas.microsoft.com/office/powerpoint/2010/main" val="2852088678"/>
+        <p14:creationId xmlns:p14="http://schemas.microsoft.com/office/powerpoint/2010/main" xmlns:p="http://schemas.openxmlformats.org/presentationml/2006/main" xmlns:r="http://schemas.openxmlformats.org/officeDocument/2006/relationships" xmlns:a="http://schemas.openxmlformats.org/drawingml/2006/main" xmlns="" val="2852088678"/>
       </p:ext>
     </p:extLst>
   </p:cSld>
   <p:clrMapOvr>
     <a:masterClrMapping/>
   </p:clrMapOvr>
-  <p:transition xmlns:p14="http://schemas.microsoft.com/office/powerpoint/2010/main"/>
+  <p:transition/>
   <p:timing>
     <p:tnLst>
       <p:par>
-        <p:cTn xmlns:p14="http://schemas.microsoft.com/office/powerpoint/2010/main" id="1" dur="indefinite" restart="never" nodeType="tmRoot"/>
+        <p:cTn id="1" dur="indefinite" restart="never" nodeType="tmRoot"/>
       </p:par>
     </p:tnLst>
   </p:timing>
@@ -14721,7 +14901,7 @@
 </file>
 
 <file path=ppt/slides/slide15.xml><?xml version="1.0" encoding="utf-8"?>
-<p:sld xmlns:a="http://schemas.openxmlformats.org/drawingml/2006/main" xmlns:r="http://schemas.openxmlformats.org/officeDocument/2006/relationships" xmlns:p="http://schemas.openxmlformats.org/presentationml/2006/main">
+<p:sld xmlns:a="http://schemas.openxmlformats.org/drawingml/2006/main" xmlns:r="http://schemas.openxmlformats.org/officeDocument/2006/relationships" xmlns:mc="http://schemas.openxmlformats.org/markup-compatibility/2006" xmlns:mv="urn:schemas-microsoft-com:mac:vml" xmlns:p="http://schemas.openxmlformats.org/presentationml/2006/main" mc:Ignorable="mv" mc:PreserveAttributes="mv:*">
   <p:cSld>
     <p:spTree>
       <p:nvGrpSpPr>
@@ -14758,9 +14938,6 @@
               </a:rPr>
               <a:t>Sample: Running on Stampede</a:t>
             </a:r>
-            <a:endParaRPr lang="en-US" sz="2800" dirty="0" smtClean="0">
-              <a:ea typeface="ＭＳ Ｐゴシック" pitchFamily="34" charset="-128"/>
-            </a:endParaRPr>
           </a:p>
         </p:txBody>
       </p:sp>
@@ -14801,11 +14978,7 @@
             </a:pPr>
             <a:r>
               <a:rPr lang="en-US" b="1" dirty="0" smtClean="0"/>
-              <a:t>Coupled Example</a:t>
-            </a:r>
-            <a:r>
-              <a:rPr lang="en-US" b="1" dirty="0" smtClean="0"/>
-              <a:t>: </a:t>
+              <a:t>Coupled Example: </a:t>
             </a:r>
             <a:r>
               <a:rPr lang="en-US" b="1" dirty="0" err="1" smtClean="0"/>
@@ -15119,18 +15292,18 @@
     </p:spTree>
     <p:extLst>
       <p:ext uri="{BB962C8B-B14F-4D97-AF65-F5344CB8AC3E}">
-        <p14:creationId xmlns:p14="http://schemas.microsoft.com/office/powerpoint/2010/main" val="3661449385"/>
+        <p14:creationId xmlns:p14="http://schemas.microsoft.com/office/powerpoint/2010/main" xmlns:p="http://schemas.openxmlformats.org/presentationml/2006/main" xmlns:r="http://schemas.openxmlformats.org/officeDocument/2006/relationships" xmlns:a="http://schemas.openxmlformats.org/drawingml/2006/main" xmlns="" val="3661449385"/>
       </p:ext>
     </p:extLst>
   </p:cSld>
   <p:clrMapOvr>
     <a:masterClrMapping/>
   </p:clrMapOvr>
-  <p:transition xmlns:p14="http://schemas.microsoft.com/office/powerpoint/2010/main"/>
+  <p:transition/>
   <p:timing>
     <p:tnLst>
       <p:par>
-        <p:cTn xmlns:p14="http://schemas.microsoft.com/office/powerpoint/2010/main" id="1" dur="indefinite" restart="never" nodeType="tmRoot"/>
+        <p:cTn id="1" dur="indefinite" restart="never" nodeType="tmRoot"/>
       </p:par>
     </p:tnLst>
   </p:timing>
@@ -15138,7 +15311,7 @@
 </file>
 
 <file path=ppt/slides/slide16.xml><?xml version="1.0" encoding="utf-8"?>
-<p:sld xmlns:a="http://schemas.openxmlformats.org/drawingml/2006/main" xmlns:r="http://schemas.openxmlformats.org/officeDocument/2006/relationships" xmlns:p="http://schemas.openxmlformats.org/presentationml/2006/main">
+<p:sld xmlns:a="http://schemas.openxmlformats.org/drawingml/2006/main" xmlns:r="http://schemas.openxmlformats.org/officeDocument/2006/relationships" xmlns:mc="http://schemas.openxmlformats.org/markup-compatibility/2006" xmlns:mv="urn:schemas-microsoft-com:mac:vml" xmlns:p="http://schemas.openxmlformats.org/presentationml/2006/main" mc:Ignorable="mv" mc:PreserveAttributes="mv:*">
   <p:cSld>
     <p:spTree>
       <p:nvGrpSpPr>
@@ -15217,7 +15390,6 @@
               <a:rPr lang="en-US" b="1" dirty="0" smtClean="0"/>
               <a:t>Running on Stampede</a:t>
             </a:r>
-            <a:endParaRPr lang="en-US" b="1" dirty="0" smtClean="0"/>
           </a:p>
           <a:p>
             <a:pPr>
@@ -15525,18 +15697,18 @@
     </p:spTree>
     <p:extLst>
       <p:ext uri="{BB962C8B-B14F-4D97-AF65-F5344CB8AC3E}">
-        <p14:creationId xmlns:p14="http://schemas.microsoft.com/office/powerpoint/2010/main" val="3661449385"/>
+        <p14:creationId xmlns:p14="http://schemas.microsoft.com/office/powerpoint/2010/main" xmlns:p="http://schemas.openxmlformats.org/presentationml/2006/main" xmlns:r="http://schemas.openxmlformats.org/officeDocument/2006/relationships" xmlns:a="http://schemas.openxmlformats.org/drawingml/2006/main" xmlns="" val="3661449385"/>
       </p:ext>
     </p:extLst>
   </p:cSld>
   <p:clrMapOvr>
     <a:masterClrMapping/>
   </p:clrMapOvr>
-  <p:transition xmlns:p14="http://schemas.microsoft.com/office/powerpoint/2010/main"/>
+  <p:transition/>
   <p:timing>
     <p:tnLst>
       <p:par>
-        <p:cTn xmlns:p14="http://schemas.microsoft.com/office/powerpoint/2010/main" id="1" dur="indefinite" restart="never" nodeType="tmRoot"/>
+        <p:cTn id="1" dur="indefinite" restart="never" nodeType="tmRoot"/>
       </p:par>
     </p:tnLst>
   </p:timing>
@@ -15544,7 +15716,7 @@
 </file>
 
 <file path=ppt/slides/slide17.xml><?xml version="1.0" encoding="utf-8"?>
-<p:sld xmlns:a="http://schemas.openxmlformats.org/drawingml/2006/main" xmlns:r="http://schemas.openxmlformats.org/officeDocument/2006/relationships" xmlns:p="http://schemas.openxmlformats.org/presentationml/2006/main">
+<p:sld xmlns:a="http://schemas.openxmlformats.org/drawingml/2006/main" xmlns:r="http://schemas.openxmlformats.org/officeDocument/2006/relationships" xmlns:mc="http://schemas.openxmlformats.org/markup-compatibility/2006" xmlns:mv="urn:schemas-microsoft-com:mac:vml" xmlns:p="http://schemas.openxmlformats.org/presentationml/2006/main" mc:Ignorable="mv" mc:PreserveAttributes="mv:*">
   <p:cSld>
     <p:spTree>
       <p:nvGrpSpPr>
@@ -15581,9 +15753,6 @@
               </a:rPr>
               <a:t>Introduction to Pilot Data</a:t>
             </a:r>
-            <a:endParaRPr lang="en-US" sz="2800" dirty="0" smtClean="0">
-              <a:ea typeface="ＭＳ Ｐゴシック" pitchFamily="34" charset="-128"/>
-            </a:endParaRPr>
           </a:p>
         </p:txBody>
       </p:sp>
@@ -15626,7 +15795,6 @@
               <a:rPr lang="en-US" b="1" dirty="0" smtClean="0"/>
               <a:t>Introduction to Pilot Data</a:t>
             </a:r>
-            <a:endParaRPr lang="en-US" b="1" dirty="0" smtClean="0"/>
           </a:p>
           <a:p>
             <a:pPr>
@@ -15934,18 +16102,18 @@
     </p:spTree>
     <p:extLst>
       <p:ext uri="{BB962C8B-B14F-4D97-AF65-F5344CB8AC3E}">
-        <p14:creationId xmlns:p14="http://schemas.microsoft.com/office/powerpoint/2010/main" val="669391430"/>
+        <p14:creationId xmlns:p14="http://schemas.microsoft.com/office/powerpoint/2010/main" xmlns:p="http://schemas.openxmlformats.org/presentationml/2006/main" xmlns:r="http://schemas.openxmlformats.org/officeDocument/2006/relationships" xmlns:a="http://schemas.openxmlformats.org/drawingml/2006/main" xmlns="" val="669391430"/>
       </p:ext>
     </p:extLst>
   </p:cSld>
   <p:clrMapOvr>
     <a:masterClrMapping/>
   </p:clrMapOvr>
-  <p:transition xmlns:p14="http://schemas.microsoft.com/office/powerpoint/2010/main"/>
+  <p:transition/>
   <p:timing>
     <p:tnLst>
       <p:par>
-        <p:cTn xmlns:p14="http://schemas.microsoft.com/office/powerpoint/2010/main" id="1" dur="indefinite" restart="never" nodeType="tmRoot"/>
+        <p:cTn id="1" dur="indefinite" restart="never" nodeType="tmRoot"/>
       </p:par>
     </p:tnLst>
   </p:timing>
@@ -15953,7 +16121,7 @@
 </file>
 
 <file path=ppt/slides/slide18.xml><?xml version="1.0" encoding="utf-8"?>
-<p:sld xmlns:a="http://schemas.openxmlformats.org/drawingml/2006/main" xmlns:r="http://schemas.openxmlformats.org/officeDocument/2006/relationships" xmlns:p="http://schemas.openxmlformats.org/presentationml/2006/main">
+<p:sld xmlns:a="http://schemas.openxmlformats.org/drawingml/2006/main" xmlns:r="http://schemas.openxmlformats.org/officeDocument/2006/relationships" xmlns:mc="http://schemas.openxmlformats.org/markup-compatibility/2006" xmlns:mv="urn:schemas-microsoft-com:mac:vml" xmlns:p="http://schemas.openxmlformats.org/presentationml/2006/main" mc:Ignorable="mv" mc:PreserveAttributes="mv:*">
   <p:cSld>
     <p:spTree>
       <p:nvGrpSpPr>
@@ -15990,9 +16158,6 @@
               </a:rPr>
               <a:t>Using Remote Pilot Data</a:t>
             </a:r>
-            <a:endParaRPr lang="en-US" sz="2800" dirty="0" smtClean="0">
-              <a:ea typeface="ＭＳ Ｐゴシック" pitchFamily="34" charset="-128"/>
-            </a:endParaRPr>
           </a:p>
         </p:txBody>
       </p:sp>
@@ -16035,7 +16200,6 @@
               <a:rPr lang="en-US" b="1" dirty="0" smtClean="0"/>
               <a:t>Using Remote Pilot Data</a:t>
             </a:r>
-            <a:endParaRPr lang="en-US" b="1" dirty="0" smtClean="0"/>
           </a:p>
           <a:p>
             <a:pPr>
@@ -16343,18 +16507,18 @@
     </p:spTree>
     <p:extLst>
       <p:ext uri="{BB962C8B-B14F-4D97-AF65-F5344CB8AC3E}">
-        <p14:creationId xmlns:p14="http://schemas.microsoft.com/office/powerpoint/2010/main" val="820625316"/>
+        <p14:creationId xmlns:p14="http://schemas.microsoft.com/office/powerpoint/2010/main" xmlns:p="http://schemas.openxmlformats.org/presentationml/2006/main" xmlns:r="http://schemas.openxmlformats.org/officeDocument/2006/relationships" xmlns:a="http://schemas.openxmlformats.org/drawingml/2006/main" xmlns="" val="820625316"/>
       </p:ext>
     </p:extLst>
   </p:cSld>
   <p:clrMapOvr>
     <a:masterClrMapping/>
   </p:clrMapOvr>
-  <p:transition xmlns:p14="http://schemas.microsoft.com/office/powerpoint/2010/main"/>
+  <p:transition/>
   <p:timing>
     <p:tnLst>
       <p:par>
-        <p:cTn xmlns:p14="http://schemas.microsoft.com/office/powerpoint/2010/main" id="1" dur="indefinite" restart="never" nodeType="tmRoot"/>
+        <p:cTn id="1" dur="indefinite" restart="never" nodeType="tmRoot"/>
       </p:par>
     </p:tnLst>
   </p:timing>
@@ -16362,7 +16526,7 @@
 </file>
 
 <file path=ppt/slides/slide19.xml><?xml version="1.0" encoding="utf-8"?>
-<p:sld xmlns:a="http://schemas.openxmlformats.org/drawingml/2006/main" xmlns:r="http://schemas.openxmlformats.org/officeDocument/2006/relationships" xmlns:p="http://schemas.openxmlformats.org/presentationml/2006/main">
+<p:sld xmlns:a="http://schemas.openxmlformats.org/drawingml/2006/main" xmlns:r="http://schemas.openxmlformats.org/officeDocument/2006/relationships" xmlns:mc="http://schemas.openxmlformats.org/markup-compatibility/2006" xmlns:mv="urn:schemas-microsoft-com:mac:vml" xmlns:p="http://schemas.openxmlformats.org/presentationml/2006/main" mc:Ignorable="mv" mc:PreserveAttributes="mv:*">
   <p:cSld>
     <p:spTree>
       <p:nvGrpSpPr>
@@ -16410,18 +16574,18 @@
     </p:spTree>
     <p:extLst>
       <p:ext uri="{BB962C8B-B14F-4D97-AF65-F5344CB8AC3E}">
-        <p14:creationId xmlns:p14="http://schemas.microsoft.com/office/powerpoint/2010/main" val="4188414014"/>
+        <p14:creationId xmlns:p14="http://schemas.microsoft.com/office/powerpoint/2010/main" xmlns:p="http://schemas.openxmlformats.org/presentationml/2006/main" xmlns:r="http://schemas.openxmlformats.org/officeDocument/2006/relationships" xmlns:a="http://schemas.openxmlformats.org/drawingml/2006/main" xmlns="" val="4188414014"/>
       </p:ext>
     </p:extLst>
   </p:cSld>
   <p:clrMapOvr>
     <a:masterClrMapping/>
   </p:clrMapOvr>
-  <p:transition xmlns:p14="http://schemas.microsoft.com/office/powerpoint/2010/main"/>
+  <p:transition/>
   <p:timing>
     <p:tnLst>
       <p:par>
-        <p:cTn xmlns:p14="http://schemas.microsoft.com/office/powerpoint/2010/main" id="1" dur="indefinite" restart="never" nodeType="tmRoot"/>
+        <p:cTn id="1" dur="indefinite" restart="never" nodeType="tmRoot"/>
       </p:par>
     </p:tnLst>
   </p:timing>
@@ -16429,7 +16593,7 @@
 </file>
 
 <file path=ppt/slides/slide2.xml><?xml version="1.0" encoding="utf-8"?>
-<p:sld xmlns:a="http://schemas.openxmlformats.org/drawingml/2006/main" xmlns:r="http://schemas.openxmlformats.org/officeDocument/2006/relationships" xmlns:p="http://schemas.openxmlformats.org/presentationml/2006/main">
+<p:sld xmlns:a="http://schemas.openxmlformats.org/drawingml/2006/main" xmlns:r="http://schemas.openxmlformats.org/officeDocument/2006/relationships" xmlns:mc="http://schemas.openxmlformats.org/markup-compatibility/2006" xmlns:mv="urn:schemas-microsoft-com:mac:vml" xmlns:p="http://schemas.openxmlformats.org/presentationml/2006/main" mc:Ignorable="mv" mc:PreserveAttributes="mv:*">
   <p:cSld>
     <p:spTree>
       <p:nvGrpSpPr>
@@ -16506,8 +16670,23 @@
                 </a:solidFill>
                 <a:ea typeface="ＭＳ Ｐゴシック" pitchFamily="34" charset="-128"/>
               </a:rPr>
-              <a:t>Text placeholder</a:t>
-            </a:r>
+              <a:t>Introduction and overview [</a:t>
+            </a:r>
+            <a:r>
+              <a:rPr lang="en-US" dirty="0" smtClean="0">
+                <a:solidFill>
+                  <a:srgbClr val="595959"/>
+                </a:solidFill>
+                <a:ea typeface="ＭＳ Ｐゴシック" pitchFamily="34" charset="-128"/>
+              </a:rPr>
+              <a:t>1hour]</a:t>
+            </a:r>
+            <a:endParaRPr lang="en-US" dirty="0" smtClean="0">
+              <a:solidFill>
+                <a:srgbClr val="595959"/>
+              </a:solidFill>
+              <a:ea typeface="ＭＳ Ｐゴシック" pitchFamily="34" charset="-128"/>
+            </a:endParaRPr>
           </a:p>
           <a:p>
             <a:pPr marL="341313" indent="-341313" defTabSz="912813">
@@ -16520,12 +16699,15 @@
               <a:buFont typeface="Wingdings 2" pitchFamily="18" charset="2"/>
               <a:buChar char=""/>
             </a:pPr>
-            <a:endParaRPr lang="en-US" dirty="0" smtClean="0">
-              <a:solidFill>
-                <a:srgbClr val="595959"/>
-              </a:solidFill>
-              <a:ea typeface="ＭＳ Ｐゴシック" pitchFamily="34" charset="-128"/>
-            </a:endParaRPr>
+            <a:r>
+              <a:rPr lang="en-US" sz="1800" dirty="0" smtClean="0">
+                <a:solidFill>
+                  <a:srgbClr val="595959"/>
+                </a:solidFill>
+                <a:ea typeface="ＭＳ Ｐゴシック" pitchFamily="34" charset="-128"/>
+              </a:rPr>
+              <a:t>Hands-on session [2 hours]</a:t>
+            </a:r>
           </a:p>
           <a:p>
             <a:pPr marL="741363" lvl="1" indent="-341313" defTabSz="912813">
@@ -16538,50 +16720,16 @@
               <a:buFont typeface="Wingdings 2" pitchFamily="18" charset="2"/>
               <a:buChar char=""/>
             </a:pPr>
+            <a:r>
+              <a:rPr lang="en-US" sz="1400" dirty="0" smtClean="0">
+                <a:solidFill>
+                  <a:srgbClr val="595959"/>
+                </a:solidFill>
+                <a:ea typeface="ＭＳ Ｐゴシック" pitchFamily="34" charset="-128"/>
+              </a:rPr>
+              <a:t>Make consistent</a:t>
+            </a:r>
             <a:endParaRPr lang="en-US" sz="1400" dirty="0" smtClean="0">
-              <a:solidFill>
-                <a:srgbClr val="595959"/>
-              </a:solidFill>
-              <a:ea typeface="ＭＳ Ｐゴシック" pitchFamily="34" charset="-128"/>
-            </a:endParaRPr>
-          </a:p>
-          <a:p>
-            <a:pPr marL="741363" lvl="1" indent="-341313" defTabSz="912813">
-              <a:spcBef>
-                <a:spcPts val="2000"/>
-              </a:spcBef>
-              <a:buClr>
-                <a:srgbClr val="404040"/>
-              </a:buClr>
-              <a:buFont typeface="Wingdings 2" pitchFamily="18" charset="2"/>
-              <a:buChar char=""/>
-            </a:pPr>
-            <a:endParaRPr lang="en-US" b="1" dirty="0" smtClean="0">
-              <a:solidFill>
-                <a:srgbClr val="595959"/>
-              </a:solidFill>
-              <a:ea typeface="ＭＳ Ｐゴシック" pitchFamily="34" charset="-128"/>
-            </a:endParaRPr>
-          </a:p>
-          <a:p>
-            <a:pPr marL="1033463" lvl="2" indent="-347663" defTabSz="912813">
-              <a:spcBef>
-                <a:spcPts val="600"/>
-              </a:spcBef>
-              <a:buClr>
-                <a:srgbClr val="404040"/>
-              </a:buClr>
-            </a:pPr>
-            <a:endParaRPr lang="en-US" sz="1800" dirty="0" smtClean="0">
-              <a:solidFill>
-                <a:srgbClr val="595959"/>
-              </a:solidFill>
-              <a:ea typeface="ＭＳ Ｐゴシック" pitchFamily="34" charset="-128"/>
-            </a:endParaRPr>
-          </a:p>
-          <a:p>
-            <a:pPr marL="341313" indent="-341313" defTabSz="912813"/>
-            <a:endParaRPr lang="en-US" sz="1800" dirty="0" smtClean="0">
               <a:solidFill>
                 <a:srgbClr val="595959"/>
               </a:solidFill>
@@ -16802,7 +16950,7 @@
   <p:timing>
     <p:tnLst>
       <p:par>
-        <p:cTn xmlns:p14="http://schemas.microsoft.com/office/powerpoint/2010/main" id="1" dur="indefinite" restart="never" nodeType="tmRoot"/>
+        <p:cTn id="1" dur="indefinite" restart="never" nodeType="tmRoot"/>
       </p:par>
     </p:tnLst>
   </p:timing>
@@ -16810,7 +16958,7 @@
 </file>
 
 <file path=ppt/slides/slide3.xml><?xml version="1.0" encoding="utf-8"?>
-<p:sld xmlns:a="http://schemas.openxmlformats.org/drawingml/2006/main" xmlns:r="http://schemas.openxmlformats.org/officeDocument/2006/relationships" xmlns:p="http://schemas.openxmlformats.org/presentationml/2006/main">
+<p:sld xmlns:a="http://schemas.openxmlformats.org/drawingml/2006/main" xmlns:r="http://schemas.openxmlformats.org/officeDocument/2006/relationships" xmlns:mc="http://schemas.openxmlformats.org/markup-compatibility/2006" xmlns:mv="urn:schemas-microsoft-com:mac:vml" xmlns:p="http://schemas.openxmlformats.org/presentationml/2006/main" mc:Ignorable="mv" mc:PreserveAttributes="mv:*">
   <p:cSld>
     <p:spTree>
       <p:nvGrpSpPr>
@@ -17160,7 +17308,7 @@
   <p:timing>
     <p:tnLst>
       <p:par>
-        <p:cTn xmlns:p14="http://schemas.microsoft.com/office/powerpoint/2010/main" id="1" dur="indefinite" restart="never" nodeType="tmRoot"/>
+        <p:cTn id="1" dur="indefinite" restart="never" nodeType="tmRoot"/>
       </p:par>
     </p:tnLst>
   </p:timing>
@@ -17168,7 +17316,7 @@
 </file>
 
 <file path=ppt/slides/slide4.xml><?xml version="1.0" encoding="utf-8"?>
-<p:sld xmlns:a="http://schemas.openxmlformats.org/drawingml/2006/main" xmlns:r="http://schemas.openxmlformats.org/officeDocument/2006/relationships" xmlns:p="http://schemas.openxmlformats.org/presentationml/2006/main">
+<p:sld xmlns:a="http://schemas.openxmlformats.org/drawingml/2006/main" xmlns:r="http://schemas.openxmlformats.org/officeDocument/2006/relationships" xmlns:mc="http://schemas.openxmlformats.org/markup-compatibility/2006" xmlns:mv="urn:schemas-microsoft-com:mac:vml" xmlns:p="http://schemas.openxmlformats.org/presentationml/2006/main" mc:Ignorable="mv" mc:PreserveAttributes="mv:*">
   <p:cSld>
     <p:spTree>
       <p:nvGrpSpPr>
@@ -17561,11 +17709,11 @@
   <p:clrMapOvr>
     <a:masterClrMapping/>
   </p:clrMapOvr>
-  <p:transition xmlns:p14="http://schemas.microsoft.com/office/powerpoint/2010/main"/>
+  <p:transition/>
   <p:timing>
     <p:tnLst>
       <p:par>
-        <p:cTn xmlns:p14="http://schemas.microsoft.com/office/powerpoint/2010/main" id="1" dur="indefinite" restart="never" nodeType="tmRoot"/>
+        <p:cTn id="1" dur="indefinite" restart="never" nodeType="tmRoot"/>
       </p:par>
     </p:tnLst>
   </p:timing>
@@ -17573,7 +17721,7 @@
 </file>
 
 <file path=ppt/slides/slide5.xml><?xml version="1.0" encoding="utf-8"?>
-<p:sld xmlns:a="http://schemas.openxmlformats.org/drawingml/2006/main" xmlns:r="http://schemas.openxmlformats.org/officeDocument/2006/relationships" xmlns:p="http://schemas.openxmlformats.org/presentationml/2006/main">
+<p:sld xmlns:a="http://schemas.openxmlformats.org/drawingml/2006/main" xmlns:r="http://schemas.openxmlformats.org/officeDocument/2006/relationships" xmlns:mc="http://schemas.openxmlformats.org/markup-compatibility/2006" xmlns:mv="urn:schemas-microsoft-com:mac:vml" xmlns:p="http://schemas.openxmlformats.org/presentationml/2006/main" mc:Ignorable="mv" mc:PreserveAttributes="mv:*">
   <p:cSld>
     <p:spTree>
       <p:nvGrpSpPr>
@@ -17971,18 +18119,18 @@
     </p:spTree>
     <p:extLst>
       <p:ext uri="{BB962C8B-B14F-4D97-AF65-F5344CB8AC3E}">
-        <p14:creationId xmlns:p14="http://schemas.microsoft.com/office/powerpoint/2010/main" val="2817618227"/>
+        <p14:creationId xmlns:p14="http://schemas.microsoft.com/office/powerpoint/2010/main" xmlns:p="http://schemas.openxmlformats.org/presentationml/2006/main" xmlns:r="http://schemas.openxmlformats.org/officeDocument/2006/relationships" xmlns:a="http://schemas.openxmlformats.org/drawingml/2006/main" xmlns="" val="2817618227"/>
       </p:ext>
     </p:extLst>
   </p:cSld>
   <p:clrMapOvr>
     <a:masterClrMapping/>
   </p:clrMapOvr>
-  <p:transition xmlns:p14="http://schemas.microsoft.com/office/powerpoint/2010/main"/>
+  <p:transition/>
   <p:timing>
     <p:tnLst>
       <p:par>
-        <p:cTn xmlns:p14="http://schemas.microsoft.com/office/powerpoint/2010/main" id="1" dur="indefinite" restart="never" nodeType="tmRoot"/>
+        <p:cTn id="1" dur="indefinite" restart="never" nodeType="tmRoot"/>
       </p:par>
     </p:tnLst>
   </p:timing>
@@ -17990,7 +18138,7 @@
 </file>
 
 <file path=ppt/slides/slide6.xml><?xml version="1.0" encoding="utf-8"?>
-<p:sld xmlns:a="http://schemas.openxmlformats.org/drawingml/2006/main" xmlns:r="http://schemas.openxmlformats.org/officeDocument/2006/relationships" xmlns:p="http://schemas.openxmlformats.org/presentationml/2006/main">
+<p:sld xmlns:a="http://schemas.openxmlformats.org/drawingml/2006/main" xmlns:r="http://schemas.openxmlformats.org/officeDocument/2006/relationships" xmlns:mc="http://schemas.openxmlformats.org/markup-compatibility/2006" xmlns:mv="urn:schemas-microsoft-com:mac:vml" xmlns:p="http://schemas.openxmlformats.org/presentationml/2006/main" mc:Ignorable="mv" mc:PreserveAttributes="mv:*">
   <p:cSld>
     <p:spTree>
       <p:nvGrpSpPr>
@@ -18415,18 +18563,18 @@
     </p:spTree>
     <p:extLst>
       <p:ext uri="{BB962C8B-B14F-4D97-AF65-F5344CB8AC3E}">
-        <p14:creationId xmlns:p14="http://schemas.microsoft.com/office/powerpoint/2010/main" val="1986505638"/>
+        <p14:creationId xmlns:p14="http://schemas.microsoft.com/office/powerpoint/2010/main" xmlns:p="http://schemas.openxmlformats.org/presentationml/2006/main" xmlns:r="http://schemas.openxmlformats.org/officeDocument/2006/relationships" xmlns:a="http://schemas.openxmlformats.org/drawingml/2006/main" xmlns="" val="1986505638"/>
       </p:ext>
     </p:extLst>
   </p:cSld>
   <p:clrMapOvr>
     <a:masterClrMapping/>
   </p:clrMapOvr>
-  <p:transition xmlns:p14="http://schemas.microsoft.com/office/powerpoint/2010/main"/>
+  <p:transition/>
   <p:timing>
     <p:tnLst>
       <p:par>
-        <p:cTn xmlns:p14="http://schemas.microsoft.com/office/powerpoint/2010/main" id="1" dur="indefinite" restart="never" nodeType="tmRoot"/>
+        <p:cTn id="1" dur="indefinite" restart="never" nodeType="tmRoot"/>
       </p:par>
     </p:tnLst>
   </p:timing>
@@ -18434,7 +18582,7 @@
 </file>
 
 <file path=ppt/slides/slide7.xml><?xml version="1.0" encoding="utf-8"?>
-<p:sld xmlns:a="http://schemas.openxmlformats.org/drawingml/2006/main" xmlns:r="http://schemas.openxmlformats.org/officeDocument/2006/relationships" xmlns:p="http://schemas.openxmlformats.org/presentationml/2006/main">
+<p:sld xmlns:a="http://schemas.openxmlformats.org/drawingml/2006/main" xmlns:r="http://schemas.openxmlformats.org/officeDocument/2006/relationships" xmlns:mc="http://schemas.openxmlformats.org/markup-compatibility/2006" xmlns:mv="urn:schemas-microsoft-com:mac:vml" xmlns:p="http://schemas.openxmlformats.org/presentationml/2006/main" mc:Ignorable="mv" mc:PreserveAttributes="mv:*">
   <p:cSld>
     <p:spTree>
       <p:nvGrpSpPr>
@@ -18591,18 +18739,18 @@
     </p:spTree>
     <p:extLst>
       <p:ext uri="{BB962C8B-B14F-4D97-AF65-F5344CB8AC3E}">
-        <p14:creationId xmlns:p14="http://schemas.microsoft.com/office/powerpoint/2010/main" val="1455570638"/>
+        <p14:creationId xmlns:p14="http://schemas.microsoft.com/office/powerpoint/2010/main" xmlns:p="http://schemas.openxmlformats.org/presentationml/2006/main" xmlns:r="http://schemas.openxmlformats.org/officeDocument/2006/relationships" xmlns:a="http://schemas.openxmlformats.org/drawingml/2006/main" xmlns="" val="1455570638"/>
       </p:ext>
     </p:extLst>
   </p:cSld>
   <p:clrMapOvr>
     <a:masterClrMapping/>
   </p:clrMapOvr>
-  <p:transition xmlns:p14="http://schemas.microsoft.com/office/powerpoint/2010/main"/>
+  <p:transition/>
   <p:timing>
     <p:tnLst>
       <p:par>
-        <p:cTn xmlns:p14="http://schemas.microsoft.com/office/powerpoint/2010/main" id="1" dur="indefinite" restart="never" nodeType="tmRoot"/>
+        <p:cTn id="1" dur="indefinite" restart="never" nodeType="tmRoot"/>
       </p:par>
     </p:tnLst>
   </p:timing>
@@ -18610,7 +18758,7 @@
 </file>
 
 <file path=ppt/slides/slide8.xml><?xml version="1.0" encoding="utf-8"?>
-<p:sld xmlns:a="http://schemas.openxmlformats.org/drawingml/2006/main" xmlns:r="http://schemas.openxmlformats.org/officeDocument/2006/relationships" xmlns:p="http://schemas.openxmlformats.org/presentationml/2006/main">
+<p:sld xmlns:a="http://schemas.openxmlformats.org/drawingml/2006/main" xmlns:r="http://schemas.openxmlformats.org/officeDocument/2006/relationships" xmlns:mc="http://schemas.openxmlformats.org/markup-compatibility/2006" xmlns:mv="urn:schemas-microsoft-com:mac:vml" xmlns:p="http://schemas.openxmlformats.org/presentationml/2006/main" mc:Ignorable="mv" mc:PreserveAttributes="mv:*">
   <p:cSld>
     <p:spTree>
       <p:nvGrpSpPr>
@@ -18717,11 +18865,7 @@
             </a:r>
             <a:r>
               <a:rPr lang="en-US" dirty="0" smtClean="0"/>
-              <a:t>Specifies the name of the job queue to be </a:t>
-            </a:r>
-            <a:r>
-              <a:rPr lang="en-US" dirty="0" smtClean="0"/>
-              <a:t>used</a:t>
+              <a:t>Specifies the name of the job queue to be used</a:t>
             </a:r>
           </a:p>
           <a:p>
@@ -18797,11 +18941,11 @@
   <p:clrMapOvr>
     <a:masterClrMapping/>
   </p:clrMapOvr>
-  <p:transition xmlns:p14="http://schemas.microsoft.com/office/powerpoint/2010/main"/>
+  <p:transition/>
   <p:timing>
     <p:tnLst>
       <p:par>
-        <p:cTn xmlns:p14="http://schemas.microsoft.com/office/powerpoint/2010/main" id="1" dur="indefinite" restart="never" nodeType="tmRoot"/>
+        <p:cTn id="1" dur="indefinite" restart="never" nodeType="tmRoot"/>
       </p:par>
     </p:tnLst>
   </p:timing>
@@ -18809,7 +18953,7 @@
 </file>
 
 <file path=ppt/slides/slide9.xml><?xml version="1.0" encoding="utf-8"?>
-<p:sld xmlns:a="http://schemas.openxmlformats.org/drawingml/2006/main" xmlns:r="http://schemas.openxmlformats.org/officeDocument/2006/relationships" xmlns:p="http://schemas.openxmlformats.org/presentationml/2006/main">
+<p:sld xmlns:a="http://schemas.openxmlformats.org/drawingml/2006/main" xmlns:r="http://schemas.openxmlformats.org/officeDocument/2006/relationships" xmlns:mc="http://schemas.openxmlformats.org/markup-compatibility/2006" xmlns:mv="urn:schemas-microsoft-com:mac:vml" xmlns:p="http://schemas.openxmlformats.org/presentationml/2006/main" mc:Ignorable="mv" mc:PreserveAttributes="mv:*">
   <p:cSld>
     <p:spTree>
       <p:nvGrpSpPr>
@@ -19531,18 +19675,18 @@
     </p:spTree>
     <p:extLst>
       <p:ext uri="{BB962C8B-B14F-4D97-AF65-F5344CB8AC3E}">
-        <p14:creationId xmlns:p14="http://schemas.microsoft.com/office/powerpoint/2010/main" val="829288261"/>
+        <p14:creationId xmlns:p14="http://schemas.microsoft.com/office/powerpoint/2010/main" xmlns:p="http://schemas.openxmlformats.org/presentationml/2006/main" xmlns:r="http://schemas.openxmlformats.org/officeDocument/2006/relationships" xmlns:a="http://schemas.openxmlformats.org/drawingml/2006/main" xmlns="" val="829288261"/>
       </p:ext>
     </p:extLst>
   </p:cSld>
   <p:clrMapOvr>
     <a:masterClrMapping/>
   </p:clrMapOvr>
-  <p:transition xmlns:p14="http://schemas.microsoft.com/office/powerpoint/2010/main"/>
+  <p:transition/>
   <p:timing>
     <p:tnLst>
       <p:par>
-        <p:cTn xmlns:p14="http://schemas.microsoft.com/office/powerpoint/2010/main" id="1" dur="indefinite" restart="never" nodeType="tmRoot"/>
+        <p:cTn id="1" dur="indefinite" restart="never" nodeType="tmRoot"/>
       </p:par>
     </p:tnLst>
   </p:timing>

--- a/Tutorials/2013-XSEDE-BigJob/BigJob-XSEDE-2013.pptx
+++ b/Tutorials/2013-XSEDE-BigJob/BigJob-XSEDE-2013.pptx
@@ -1,6 +1,6 @@
 
 <file path=ppt/presentation.xml><?xml version="1.0" encoding="utf-8"?>
-<p:presentation xmlns:a="http://schemas.openxmlformats.org/drawingml/2006/main" xmlns:r="http://schemas.openxmlformats.org/officeDocument/2006/relationships" xmlns:mc="http://schemas.openxmlformats.org/markup-compatibility/2006" xmlns:mv="urn:schemas-microsoft-com:mac:vml" xmlns:p="http://schemas.openxmlformats.org/presentationml/2006/main" mc:Ignorable="mv" mc:PreserveAttributes="mv:*" saveSubsetFonts="1" autoCompressPictures="0">
+<p:presentation xmlns:a="http://schemas.openxmlformats.org/drawingml/2006/main" xmlns:r="http://schemas.openxmlformats.org/officeDocument/2006/relationships" xmlns:p="http://schemas.openxmlformats.org/presentationml/2006/main" saveSubsetFonts="1" autoCompressPictures="0">
   <p:sldMasterIdLst>
     <p:sldMasterId id="2147483648" r:id="rId1"/>
     <p:sldMasterId id="2147483897" r:id="rId2"/>
@@ -16,28 +16,31 @@
     <p:sldMasterId id="2147484577" r:id="rId12"/>
   </p:sldMasterIdLst>
   <p:notesMasterIdLst>
-    <p:notesMasterId r:id="rId32"/>
+    <p:notesMasterId r:id="rId35"/>
   </p:notesMasterIdLst>
   <p:sldIdLst>
     <p:sldId id="627" r:id="rId13"/>
     <p:sldId id="628" r:id="rId14"/>
-    <p:sldId id="362" r:id="rId15"/>
-    <p:sldId id="629" r:id="rId16"/>
-    <p:sldId id="650" r:id="rId17"/>
-    <p:sldId id="651" r:id="rId18"/>
-    <p:sldId id="630" r:id="rId19"/>
-    <p:sldId id="358" r:id="rId20"/>
-    <p:sldId id="649" r:id="rId21"/>
-    <p:sldId id="632" r:id="rId22"/>
-    <p:sldId id="631" r:id="rId23"/>
-    <p:sldId id="633" r:id="rId24"/>
-    <p:sldId id="653" r:id="rId25"/>
-    <p:sldId id="654" r:id="rId26"/>
-    <p:sldId id="655" r:id="rId27"/>
-    <p:sldId id="656" r:id="rId28"/>
-    <p:sldId id="657" r:id="rId29"/>
-    <p:sldId id="658" r:id="rId30"/>
-    <p:sldId id="652" r:id="rId31"/>
+    <p:sldId id="659" r:id="rId15"/>
+    <p:sldId id="661" r:id="rId16"/>
+    <p:sldId id="660" r:id="rId17"/>
+    <p:sldId id="362" r:id="rId18"/>
+    <p:sldId id="629" r:id="rId19"/>
+    <p:sldId id="650" r:id="rId20"/>
+    <p:sldId id="651" r:id="rId21"/>
+    <p:sldId id="630" r:id="rId22"/>
+    <p:sldId id="358" r:id="rId23"/>
+    <p:sldId id="649" r:id="rId24"/>
+    <p:sldId id="632" r:id="rId25"/>
+    <p:sldId id="631" r:id="rId26"/>
+    <p:sldId id="633" r:id="rId27"/>
+    <p:sldId id="653" r:id="rId28"/>
+    <p:sldId id="654" r:id="rId29"/>
+    <p:sldId id="655" r:id="rId30"/>
+    <p:sldId id="656" r:id="rId31"/>
+    <p:sldId id="657" r:id="rId32"/>
+    <p:sldId id="658" r:id="rId33"/>
+    <p:sldId id="652" r:id="rId34"/>
   </p:sldIdLst>
   <p:sldSz cx="9144000" cy="6858000" type="screen4x3"/>
   <p:notesSz cx="6858000" cy="9144000"/>
@@ -170,7 +173,7 @@
 </file>
 
 <file path=ppt/notesMasters/notesMaster1.xml><?xml version="1.0" encoding="utf-8"?>
-<p:notesMaster xmlns:a="http://schemas.openxmlformats.org/drawingml/2006/main" xmlns:r="http://schemas.openxmlformats.org/officeDocument/2006/relationships" xmlns:mc="http://schemas.openxmlformats.org/markup-compatibility/2006" xmlns:mv="urn:schemas-microsoft-com:mac:vml" xmlns:p="http://schemas.openxmlformats.org/presentationml/2006/main" mc:Ignorable="mv" mc:PreserveAttributes="mv:*">
+<p:notesMaster xmlns:a="http://schemas.openxmlformats.org/drawingml/2006/main" xmlns:r="http://schemas.openxmlformats.org/officeDocument/2006/relationships" xmlns:p="http://schemas.openxmlformats.org/presentationml/2006/main">
   <p:cSld>
     <p:bg>
       <p:bgRef idx="1001">
@@ -446,7 +449,7 @@
     </p:spTree>
     <p:extLst>
       <p:ext uri="{BB962C8B-B14F-4D97-AF65-F5344CB8AC3E}">
-        <p14:creationId xmlns:p14="http://schemas.microsoft.com/office/powerpoint/2010/main" xmlns:p="http://schemas.openxmlformats.org/presentationml/2006/main" xmlns:r="http://schemas.openxmlformats.org/officeDocument/2006/relationships" xmlns:a="http://schemas.openxmlformats.org/drawingml/2006/main" xmlns="" val="2049345630"/>
+        <p14:creationId xmlns:p14="http://schemas.microsoft.com/office/powerpoint/2010/main" val="2049345630"/>
       </p:ext>
     </p:extLst>
   </p:cSld>
@@ -577,7 +580,7 @@
 </file>
 
 <file path=ppt/notesSlides/notesSlide1.xml><?xml version="1.0" encoding="utf-8"?>
-<p:notes xmlns:a="http://schemas.openxmlformats.org/drawingml/2006/main" xmlns:r="http://schemas.openxmlformats.org/officeDocument/2006/relationships" xmlns:mc="http://schemas.openxmlformats.org/markup-compatibility/2006" xmlns:mv="urn:schemas-microsoft-com:mac:vml" xmlns:p="http://schemas.openxmlformats.org/presentationml/2006/main" mc:Ignorable="mv" mc:PreserveAttributes="mv:*">
+<p:notes xmlns:a="http://schemas.openxmlformats.org/drawingml/2006/main" xmlns:r="http://schemas.openxmlformats.org/officeDocument/2006/relationships" xmlns:p="http://schemas.openxmlformats.org/presentationml/2006/main">
   <p:cSld>
     <p:spTree>
       <p:nvGrpSpPr>
@@ -622,32 +625,6 @@
           </a:bodyPr>
           <a:lstStyle/>
           <a:p>
-            <a:r>
-              <a:rPr lang="en-US" dirty="0" smtClean="0"/>
-              <a:t>Let’s have</a:t>
-            </a:r>
-            <a:r>
-              <a:rPr lang="en-US" baseline="0" dirty="0" smtClean="0"/>
-              <a:t> a page about how </a:t>
-            </a:r>
-            <a:r>
-              <a:rPr lang="en-US" baseline="0" dirty="0" err="1" smtClean="0"/>
-              <a:t>BigJob</a:t>
-            </a:r>
-            <a:r>
-              <a:rPr lang="en-US" baseline="0" dirty="0" smtClean="0"/>
-              <a:t> is being used currently (</a:t>
-            </a:r>
-            <a:r>
-              <a:rPr lang="en-US" baseline="0" dirty="0" err="1" smtClean="0"/>
-              <a:t>i</a:t>
-            </a:r>
-            <a:r>
-              <a:rPr lang="en-US" baseline="0" dirty="0" smtClean="0"/>
-              <a:t>) support large-ensemble members/size (ii) run across XSEDE (iii) loosely-coupled workflow ---- in a nutshell how to decouple task execution from resource management!</a:t>
-            </a:r>
-          </a:p>
-          <a:p>
             <a:endParaRPr lang="en-US" baseline="0" dirty="0" smtClean="0"/>
           </a:p>
           <a:p>
@@ -688,7 +665,7 @@
 </file>
 
 <file path=ppt/notesSlides/notesSlide2.xml><?xml version="1.0" encoding="utf-8"?>
-<p:notes xmlns:a="http://schemas.openxmlformats.org/drawingml/2006/main" xmlns:r="http://schemas.openxmlformats.org/officeDocument/2006/relationships" xmlns:mc="http://schemas.openxmlformats.org/markup-compatibility/2006" xmlns:mv="urn:schemas-microsoft-com:mac:vml" xmlns:p="http://schemas.openxmlformats.org/presentationml/2006/main" mc:Ignorable="mv" mc:PreserveAttributes="mv:*">
+<p:notes xmlns:a="http://schemas.openxmlformats.org/drawingml/2006/main" xmlns:r="http://schemas.openxmlformats.org/officeDocument/2006/relationships" xmlns:p="http://schemas.openxmlformats.org/presentationml/2006/main">
   <p:cSld>
     <p:spTree>
       <p:nvGrpSpPr>
@@ -759,7 +736,7 @@
             <a:fld id="{DB33103D-E25F-4175-8F1B-4D3F3D28B1BB}" type="slidenum">
               <a:rPr lang="en-US" smtClean="0"/>
               <a:pPr/>
-              <a:t>3</a:t>
+              <a:t>6</a:t>
             </a:fld>
             <a:endParaRPr lang="en-US"/>
           </a:p>
@@ -774,7 +751,7 @@
 </file>
 
 <file path=ppt/notesSlides/notesSlide3.xml><?xml version="1.0" encoding="utf-8"?>
-<p:notes xmlns:a="http://schemas.openxmlformats.org/drawingml/2006/main" xmlns:r="http://schemas.openxmlformats.org/officeDocument/2006/relationships" xmlns:mc="http://schemas.openxmlformats.org/markup-compatibility/2006" xmlns:mv="urn:schemas-microsoft-com:mac:vml" xmlns:p="http://schemas.openxmlformats.org/presentationml/2006/main" mc:Ignorable="mv" mc:PreserveAttributes="mv:*">
+<p:notes xmlns:a="http://schemas.openxmlformats.org/drawingml/2006/main" xmlns:r="http://schemas.openxmlformats.org/officeDocument/2006/relationships" xmlns:p="http://schemas.openxmlformats.org/presentationml/2006/main">
   <p:cSld>
     <p:spTree>
       <p:nvGrpSpPr>
@@ -847,7 +824,7 @@
             <a:fld id="{DB33103D-E25F-4175-8F1B-4D3F3D28B1BB}" type="slidenum">
               <a:rPr lang="en-US" smtClean="0"/>
               <a:pPr/>
-              <a:t>8</a:t>
+              <a:t>11</a:t>
             </a:fld>
             <a:endParaRPr lang="en-US"/>
           </a:p>
@@ -856,7 +833,7 @@
     </p:spTree>
     <p:extLst>
       <p:ext uri="{BB962C8B-B14F-4D97-AF65-F5344CB8AC3E}">
-        <p14:creationId xmlns:p14="http://schemas.microsoft.com/office/powerpoint/2010/main" xmlns:p="http://schemas.openxmlformats.org/presentationml/2006/main" xmlns:r="http://schemas.openxmlformats.org/officeDocument/2006/relationships" xmlns:a="http://schemas.openxmlformats.org/drawingml/2006/main" xmlns="" val="4279665447"/>
+        <p14:creationId xmlns:p14="http://schemas.microsoft.com/office/powerpoint/2010/main" val="4279665447"/>
       </p:ext>
     </p:extLst>
   </p:cSld>
@@ -867,7 +844,7 @@
 </file>
 
 <file path=ppt/notesSlides/notesSlide4.xml><?xml version="1.0" encoding="utf-8"?>
-<p:notes xmlns:a="http://schemas.openxmlformats.org/drawingml/2006/main" xmlns:r="http://schemas.openxmlformats.org/officeDocument/2006/relationships" xmlns:mc="http://schemas.openxmlformats.org/markup-compatibility/2006" xmlns:mv="urn:schemas-microsoft-com:mac:vml" xmlns:p="http://schemas.openxmlformats.org/presentationml/2006/main" mc:Ignorable="mv" mc:PreserveAttributes="mv:*">
+<p:notes xmlns:a="http://schemas.openxmlformats.org/drawingml/2006/main" xmlns:r="http://schemas.openxmlformats.org/officeDocument/2006/relationships" xmlns:p="http://schemas.openxmlformats.org/presentationml/2006/main">
   <p:cSld>
     <p:spTree>
       <p:nvGrpSpPr>
@@ -944,7 +921,7 @@
             <a:fld id="{DB33103D-E25F-4175-8F1B-4D3F3D28B1BB}" type="slidenum">
               <a:rPr lang="en-US" smtClean="0"/>
               <a:pPr/>
-              <a:t>10</a:t>
+              <a:t>13</a:t>
             </a:fld>
             <a:endParaRPr lang="en-US"/>
           </a:p>
@@ -953,7 +930,7 @@
     </p:spTree>
     <p:extLst>
       <p:ext uri="{BB962C8B-B14F-4D97-AF65-F5344CB8AC3E}">
-        <p14:creationId xmlns:p14="http://schemas.microsoft.com/office/powerpoint/2010/main" xmlns:p="http://schemas.openxmlformats.org/presentationml/2006/main" xmlns:r="http://schemas.openxmlformats.org/officeDocument/2006/relationships" xmlns:a="http://schemas.openxmlformats.org/drawingml/2006/main" xmlns="" val="1765133474"/>
+        <p14:creationId xmlns:p14="http://schemas.microsoft.com/office/powerpoint/2010/main" val="1765133474"/>
       </p:ext>
     </p:extLst>
   </p:cSld>
@@ -964,7 +941,7 @@
 </file>
 
 <file path=ppt/notesSlides/notesSlide5.xml><?xml version="1.0" encoding="utf-8"?>
-<p:notes xmlns:a="http://schemas.openxmlformats.org/drawingml/2006/main" xmlns:r="http://schemas.openxmlformats.org/officeDocument/2006/relationships" xmlns:mc="http://schemas.openxmlformats.org/markup-compatibility/2006" xmlns:mv="urn:schemas-microsoft-com:mac:vml" xmlns:p="http://schemas.openxmlformats.org/presentationml/2006/main" mc:Ignorable="mv" mc:PreserveAttributes="mv:*">
+<p:notes xmlns:a="http://schemas.openxmlformats.org/drawingml/2006/main" xmlns:r="http://schemas.openxmlformats.org/officeDocument/2006/relationships" xmlns:p="http://schemas.openxmlformats.org/presentationml/2006/main">
   <p:cSld>
     <p:spTree>
       <p:nvGrpSpPr>
@@ -1037,7 +1014,7 @@
             <a:fld id="{DB33103D-E25F-4175-8F1B-4D3F3D28B1BB}" type="slidenum">
               <a:rPr lang="en-US" smtClean="0"/>
               <a:pPr/>
-              <a:t>19</a:t>
+              <a:t>22</a:t>
             </a:fld>
             <a:endParaRPr lang="en-US"/>
           </a:p>
@@ -1046,7 +1023,7 @@
     </p:spTree>
     <p:extLst>
       <p:ext uri="{BB962C8B-B14F-4D97-AF65-F5344CB8AC3E}">
-        <p14:creationId xmlns:p14="http://schemas.microsoft.com/office/powerpoint/2010/main" xmlns:p="http://schemas.openxmlformats.org/presentationml/2006/main" xmlns:r="http://schemas.openxmlformats.org/officeDocument/2006/relationships" xmlns:a="http://schemas.openxmlformats.org/drawingml/2006/main" xmlns="" val="903596127"/>
+        <p14:creationId xmlns:p14="http://schemas.microsoft.com/office/powerpoint/2010/main" val="903596127"/>
       </p:ext>
     </p:extLst>
   </p:cSld>
@@ -1057,7 +1034,7 @@
 </file>
 
 <file path=ppt/slideLayouts/slideLayout1.xml><?xml version="1.0" encoding="utf-8"?>
-<p:sldLayout xmlns:a="http://schemas.openxmlformats.org/drawingml/2006/main" xmlns:r="http://schemas.openxmlformats.org/officeDocument/2006/relationships" xmlns:mc="http://schemas.openxmlformats.org/markup-compatibility/2006" xmlns:mv="urn:schemas-microsoft-com:mac:vml" xmlns:p="http://schemas.openxmlformats.org/presentationml/2006/main" mc:Ignorable="mv" mc:PreserveAttributes="mv:*" showMasterSp="0" type="title" preserve="1">
+<p:sldLayout xmlns:a="http://schemas.openxmlformats.org/drawingml/2006/main" xmlns:r="http://schemas.openxmlformats.org/officeDocument/2006/relationships" xmlns:p="http://schemas.openxmlformats.org/presentationml/2006/main" showMasterSp="0" type="title" preserve="1">
   <p:cSld name="Title Slide">
     <p:spTree>
       <p:nvGrpSpPr>
@@ -1186,7 +1163,7 @@
 </file>
 
 <file path=ppt/slideLayouts/slideLayout10.xml><?xml version="1.0" encoding="utf-8"?>
-<p:sldLayout xmlns:a="http://schemas.openxmlformats.org/drawingml/2006/main" xmlns:r="http://schemas.openxmlformats.org/officeDocument/2006/relationships" xmlns:mc="http://schemas.openxmlformats.org/markup-compatibility/2006" xmlns:mv="urn:schemas-microsoft-com:mac:vml" xmlns:p="http://schemas.openxmlformats.org/presentationml/2006/main" mc:Ignorable="mv" mc:PreserveAttributes="mv:*" type="vertTx" preserve="1">
+<p:sldLayout xmlns:a="http://schemas.openxmlformats.org/drawingml/2006/main" xmlns:r="http://schemas.openxmlformats.org/officeDocument/2006/relationships" xmlns:p="http://schemas.openxmlformats.org/presentationml/2006/main" type="vertTx" preserve="1">
   <p:cSld name="Title and Vertical Text">
     <p:spTree>
       <p:nvGrpSpPr>
@@ -1316,7 +1293,7 @@
 </file>
 
 <file path=ppt/slideLayouts/slideLayout11.xml><?xml version="1.0" encoding="utf-8"?>
-<p:sldLayout xmlns:a="http://schemas.openxmlformats.org/drawingml/2006/main" xmlns:r="http://schemas.openxmlformats.org/officeDocument/2006/relationships" xmlns:mc="http://schemas.openxmlformats.org/markup-compatibility/2006" xmlns:mv="urn:schemas-microsoft-com:mac:vml" xmlns:p="http://schemas.openxmlformats.org/presentationml/2006/main" mc:Ignorable="mv" mc:PreserveAttributes="mv:*" type="vertTitleAndTx" preserve="1">
+<p:sldLayout xmlns:a="http://schemas.openxmlformats.org/drawingml/2006/main" xmlns:r="http://schemas.openxmlformats.org/officeDocument/2006/relationships" xmlns:p="http://schemas.openxmlformats.org/presentationml/2006/main" type="vertTitleAndTx" preserve="1">
   <p:cSld name="Vertical Title and Text">
     <p:spTree>
       <p:nvGrpSpPr>
@@ -1456,7 +1433,7 @@
 </file>
 
 <file path=ppt/slideLayouts/slideLayout12.xml><?xml version="1.0" encoding="utf-8"?>
-<p:sldLayout xmlns:a="http://schemas.openxmlformats.org/drawingml/2006/main" xmlns:r="http://schemas.openxmlformats.org/officeDocument/2006/relationships" xmlns:mc="http://schemas.openxmlformats.org/markup-compatibility/2006" xmlns:mv="urn:schemas-microsoft-com:mac:vml" xmlns:p="http://schemas.openxmlformats.org/presentationml/2006/main" mc:Ignorable="mv" mc:PreserveAttributes="mv:*" userDrawn="1">
+<p:sldLayout xmlns:a="http://schemas.openxmlformats.org/drawingml/2006/main" xmlns:r="http://schemas.openxmlformats.org/officeDocument/2006/relationships" xmlns:p="http://schemas.openxmlformats.org/presentationml/2006/main" userDrawn="1">
   <p:cSld name="Base">
     <p:spTree>
       <p:nvGrpSpPr>
@@ -1807,7 +1784,7 @@
 </file>
 
 <file path=ppt/slideLayouts/slideLayout13.xml><?xml version="1.0" encoding="utf-8"?>
-<p:sldLayout xmlns:a="http://schemas.openxmlformats.org/drawingml/2006/main" xmlns:r="http://schemas.openxmlformats.org/officeDocument/2006/relationships" xmlns:mc="http://schemas.openxmlformats.org/markup-compatibility/2006" xmlns:mv="urn:schemas-microsoft-com:mac:vml" xmlns:p="http://schemas.openxmlformats.org/presentationml/2006/main" mc:Ignorable="mv" mc:PreserveAttributes="mv:*" type="twoObj">
+<p:sldLayout xmlns:a="http://schemas.openxmlformats.org/drawingml/2006/main" xmlns:r="http://schemas.openxmlformats.org/officeDocument/2006/relationships" xmlns:p="http://schemas.openxmlformats.org/presentationml/2006/main" type="twoObj">
   <p:cSld name="Two Content">
     <p:spTree>
       <p:nvGrpSpPr>
@@ -2104,12 +2081,12 @@
   <p:clrMapOvr>
     <a:masterClrMapping/>
   </p:clrMapOvr>
-  <p:transition spd="med"/>
+  <p:transition xmlns:p14="http://schemas.microsoft.com/office/powerpoint/2010/main" spd="med"/>
 </p:sldLayout>
 </file>
 
 <file path=ppt/slideLayouts/slideLayout14.xml><?xml version="1.0" encoding="utf-8"?>
-<p:sldLayout xmlns:a="http://schemas.openxmlformats.org/drawingml/2006/main" xmlns:r="http://schemas.openxmlformats.org/officeDocument/2006/relationships" xmlns:mc="http://schemas.openxmlformats.org/markup-compatibility/2006" xmlns:mv="urn:schemas-microsoft-com:mac:vml" xmlns:p="http://schemas.openxmlformats.org/presentationml/2006/main" mc:Ignorable="mv" mc:PreserveAttributes="mv:*" type="titleOnly">
+<p:sldLayout xmlns:a="http://schemas.openxmlformats.org/drawingml/2006/main" xmlns:r="http://schemas.openxmlformats.org/officeDocument/2006/relationships" xmlns:p="http://schemas.openxmlformats.org/presentationml/2006/main" type="titleOnly">
   <p:cSld name="Title Only">
     <p:spTree>
       <p:nvGrpSpPr>
@@ -2236,7 +2213,7 @@
 </file>
 
 <file path=ppt/slideLayouts/slideLayout2.xml><?xml version="1.0" encoding="utf-8"?>
-<p:sldLayout xmlns:a="http://schemas.openxmlformats.org/drawingml/2006/main" xmlns:r="http://schemas.openxmlformats.org/officeDocument/2006/relationships" xmlns:mc="http://schemas.openxmlformats.org/markup-compatibility/2006" xmlns:mv="urn:schemas-microsoft-com:mac:vml" xmlns:p="http://schemas.openxmlformats.org/presentationml/2006/main" mc:Ignorable="mv" mc:PreserveAttributes="mv:*" type="obj" preserve="1">
+<p:sldLayout xmlns:a="http://schemas.openxmlformats.org/drawingml/2006/main" xmlns:r="http://schemas.openxmlformats.org/officeDocument/2006/relationships" xmlns:p="http://schemas.openxmlformats.org/presentationml/2006/main" type="obj" preserve="1">
   <p:cSld name="Title and Content">
     <p:spTree>
       <p:nvGrpSpPr>
@@ -2366,7 +2343,7 @@
 </file>
 
 <file path=ppt/slideLayouts/slideLayout3.xml><?xml version="1.0" encoding="utf-8"?>
-<p:sldLayout xmlns:a="http://schemas.openxmlformats.org/drawingml/2006/main" xmlns:r="http://schemas.openxmlformats.org/officeDocument/2006/relationships" xmlns:mc="http://schemas.openxmlformats.org/markup-compatibility/2006" xmlns:mv="urn:schemas-microsoft-com:mac:vml" xmlns:p="http://schemas.openxmlformats.org/presentationml/2006/main" mc:Ignorable="mv" mc:PreserveAttributes="mv:*" type="secHead" preserve="1">
+<p:sldLayout xmlns:a="http://schemas.openxmlformats.org/drawingml/2006/main" xmlns:r="http://schemas.openxmlformats.org/officeDocument/2006/relationships" xmlns:p="http://schemas.openxmlformats.org/presentationml/2006/main" type="secHead" preserve="1">
   <p:cSld name="Section Header">
     <p:spTree>
       <p:nvGrpSpPr>
@@ -2518,7 +2495,7 @@
 </file>
 
 <file path=ppt/slideLayouts/slideLayout4.xml><?xml version="1.0" encoding="utf-8"?>
-<p:sldLayout xmlns:a="http://schemas.openxmlformats.org/drawingml/2006/main" xmlns:r="http://schemas.openxmlformats.org/officeDocument/2006/relationships" xmlns:mc="http://schemas.openxmlformats.org/markup-compatibility/2006" xmlns:mv="urn:schemas-microsoft-com:mac:vml" xmlns:p="http://schemas.openxmlformats.org/presentationml/2006/main" mc:Ignorable="mv" mc:PreserveAttributes="mv:*" type="twoObj" preserve="1">
+<p:sldLayout xmlns:a="http://schemas.openxmlformats.org/drawingml/2006/main" xmlns:r="http://schemas.openxmlformats.org/officeDocument/2006/relationships" xmlns:p="http://schemas.openxmlformats.org/presentationml/2006/main" type="twoObj" preserve="1">
   <p:cSld name="Two Content">
     <p:spTree>
       <p:nvGrpSpPr>
@@ -2766,7 +2743,7 @@
 </file>
 
 <file path=ppt/slideLayouts/slideLayout5.xml><?xml version="1.0" encoding="utf-8"?>
-<p:sldLayout xmlns:a="http://schemas.openxmlformats.org/drawingml/2006/main" xmlns:r="http://schemas.openxmlformats.org/officeDocument/2006/relationships" xmlns:mc="http://schemas.openxmlformats.org/markup-compatibility/2006" xmlns:mv="urn:schemas-microsoft-com:mac:vml" xmlns:p="http://schemas.openxmlformats.org/presentationml/2006/main" mc:Ignorable="mv" mc:PreserveAttributes="mv:*" type="twoTxTwoObj" preserve="1">
+<p:sldLayout xmlns:a="http://schemas.openxmlformats.org/drawingml/2006/main" xmlns:r="http://schemas.openxmlformats.org/officeDocument/2006/relationships" xmlns:p="http://schemas.openxmlformats.org/presentationml/2006/main" type="twoTxTwoObj" preserve="1">
   <p:cSld name="Comparison">
     <p:spTree>
       <p:nvGrpSpPr>
@@ -3153,7 +3130,7 @@
 </file>
 
 <file path=ppt/slideLayouts/slideLayout6.xml><?xml version="1.0" encoding="utf-8"?>
-<p:sldLayout xmlns:a="http://schemas.openxmlformats.org/drawingml/2006/main" xmlns:r="http://schemas.openxmlformats.org/officeDocument/2006/relationships" xmlns:mc="http://schemas.openxmlformats.org/markup-compatibility/2006" xmlns:mv="urn:schemas-microsoft-com:mac:vml" xmlns:p="http://schemas.openxmlformats.org/presentationml/2006/main" mc:Ignorable="mv" mc:PreserveAttributes="mv:*" type="titleOnly" preserve="1">
+<p:sldLayout xmlns:a="http://schemas.openxmlformats.org/drawingml/2006/main" xmlns:r="http://schemas.openxmlformats.org/officeDocument/2006/relationships" xmlns:p="http://schemas.openxmlformats.org/presentationml/2006/main" type="titleOnly" preserve="1">
   <p:cSld name="Title Only">
     <p:spTree>
       <p:nvGrpSpPr>
@@ -3231,7 +3208,7 @@
 </file>
 
 <file path=ppt/slideLayouts/slideLayout7.xml><?xml version="1.0" encoding="utf-8"?>
-<p:sldLayout xmlns:a="http://schemas.openxmlformats.org/drawingml/2006/main" xmlns:r="http://schemas.openxmlformats.org/officeDocument/2006/relationships" xmlns:mc="http://schemas.openxmlformats.org/markup-compatibility/2006" xmlns:mv="urn:schemas-microsoft-com:mac:vml" xmlns:p="http://schemas.openxmlformats.org/presentationml/2006/main" mc:Ignorable="mv" mc:PreserveAttributes="mv:*" type="blank" preserve="1">
+<p:sldLayout xmlns:a="http://schemas.openxmlformats.org/drawingml/2006/main" xmlns:r="http://schemas.openxmlformats.org/officeDocument/2006/relationships" xmlns:p="http://schemas.openxmlformats.org/presentationml/2006/main" type="blank" preserve="1">
   <p:cSld name="Blank">
     <p:spTree>
       <p:nvGrpSpPr>
@@ -3286,7 +3263,7 @@
 </file>
 
 <file path=ppt/slideLayouts/slideLayout8.xml><?xml version="1.0" encoding="utf-8"?>
-<p:sldLayout xmlns:a="http://schemas.openxmlformats.org/drawingml/2006/main" xmlns:r="http://schemas.openxmlformats.org/officeDocument/2006/relationships" xmlns:mc="http://schemas.openxmlformats.org/markup-compatibility/2006" xmlns:mv="urn:schemas-microsoft-com:mac:vml" xmlns:p="http://schemas.openxmlformats.org/presentationml/2006/main" mc:Ignorable="mv" mc:PreserveAttributes="mv:*" type="objTx" preserve="1">
+<p:sldLayout xmlns:a="http://schemas.openxmlformats.org/drawingml/2006/main" xmlns:r="http://schemas.openxmlformats.org/officeDocument/2006/relationships" xmlns:p="http://schemas.openxmlformats.org/presentationml/2006/main" type="objTx" preserve="1">
   <p:cSld name="Content with Caption">
     <p:spTree>
       <p:nvGrpSpPr>
@@ -3523,7 +3500,7 @@
 </file>
 
 <file path=ppt/slideLayouts/slideLayout9.xml><?xml version="1.0" encoding="utf-8"?>
-<p:sldLayout xmlns:a="http://schemas.openxmlformats.org/drawingml/2006/main" xmlns:r="http://schemas.openxmlformats.org/officeDocument/2006/relationships" xmlns:mc="http://schemas.openxmlformats.org/markup-compatibility/2006" xmlns:mv="urn:schemas-microsoft-com:mac:vml" xmlns:p="http://schemas.openxmlformats.org/presentationml/2006/main" mc:Ignorable="mv" mc:PreserveAttributes="mv:*" type="picTx" preserve="1">
+<p:sldLayout xmlns:a="http://schemas.openxmlformats.org/drawingml/2006/main" xmlns:r="http://schemas.openxmlformats.org/officeDocument/2006/relationships" xmlns:p="http://schemas.openxmlformats.org/presentationml/2006/main" type="picTx" preserve="1">
   <p:cSld name="Picture with Caption">
     <p:spTree>
       <p:nvGrpSpPr>
@@ -3737,7 +3714,7 @@
 </file>
 
 <file path=ppt/slideMasters/slideMaster1.xml><?xml version="1.0" encoding="utf-8"?>
-<p:sldMaster xmlns:a="http://schemas.openxmlformats.org/drawingml/2006/main" xmlns:r="http://schemas.openxmlformats.org/officeDocument/2006/relationships" xmlns:mc="http://schemas.openxmlformats.org/markup-compatibility/2006" xmlns:mv="urn:schemas-microsoft-com:mac:vml" xmlns:p="http://schemas.openxmlformats.org/presentationml/2006/main" mc:Ignorable="mv" mc:PreserveAttributes="mv:*">
+<p:sldMaster xmlns:a="http://schemas.openxmlformats.org/drawingml/2006/main" xmlns:r="http://schemas.openxmlformats.org/officeDocument/2006/relationships" xmlns:p="http://schemas.openxmlformats.org/presentationml/2006/main">
   <p:cSld>
     <p:bg>
       <p:bgPr>
@@ -4392,7 +4369,7 @@
 </file>
 
 <file path=ppt/slideMasters/slideMaster10.xml><?xml version="1.0" encoding="utf-8"?>
-<p:sldMaster xmlns:a="http://schemas.openxmlformats.org/drawingml/2006/main" xmlns:r="http://schemas.openxmlformats.org/officeDocument/2006/relationships" xmlns:mc="http://schemas.openxmlformats.org/markup-compatibility/2006" xmlns:mv="urn:schemas-microsoft-com:mac:vml" xmlns:p="http://schemas.openxmlformats.org/presentationml/2006/main" mc:Ignorable="mv" mc:PreserveAttributes="mv:*" preserve="1">
+<p:sldMaster xmlns:a="http://schemas.openxmlformats.org/drawingml/2006/main" xmlns:r="http://schemas.openxmlformats.org/officeDocument/2006/relationships" xmlns:p="http://schemas.openxmlformats.org/presentationml/2006/main" preserve="1">
   <p:cSld>
     <p:bg>
       <p:bgRef idx="1001">
@@ -4997,7 +4974,7 @@
 </file>
 
 <file path=ppt/slideMasters/slideMaster11.xml><?xml version="1.0" encoding="utf-8"?>
-<p:sldMaster xmlns:a="http://schemas.openxmlformats.org/drawingml/2006/main" xmlns:r="http://schemas.openxmlformats.org/officeDocument/2006/relationships" xmlns:mc="http://schemas.openxmlformats.org/markup-compatibility/2006" xmlns:mv="urn:schemas-microsoft-com:mac:vml" xmlns:p="http://schemas.openxmlformats.org/presentationml/2006/main" mc:Ignorable="mv" mc:PreserveAttributes="mv:*" preserve="1">
+<p:sldMaster xmlns:a="http://schemas.openxmlformats.org/drawingml/2006/main" xmlns:r="http://schemas.openxmlformats.org/officeDocument/2006/relationships" xmlns:p="http://schemas.openxmlformats.org/presentationml/2006/main" preserve="1">
   <p:cSld>
     <p:bg>
       <p:bgPr>
@@ -5245,7 +5222,7 @@
     </p:spTree>
   </p:cSld>
   <p:clrMap bg1="lt1" tx1="dk1" bg2="lt2" tx2="dk2" accent1="accent1" accent2="accent2" accent3="accent3" accent4="accent4" accent5="accent5" accent6="accent6" hlink="hlink" folHlink="folHlink"/>
-  <p:transition spd="med">
+  <p:transition xmlns:p14="http://schemas.microsoft.com/office/powerpoint/2010/main" spd="med">
     <p:fade/>
   </p:transition>
   <p:hf hdr="0"/>
@@ -5662,7 +5639,7 @@
 </file>
 
 <file path=ppt/slideMasters/slideMaster12.xml><?xml version="1.0" encoding="utf-8"?>
-<p:sldMaster xmlns:a="http://schemas.openxmlformats.org/drawingml/2006/main" xmlns:r="http://schemas.openxmlformats.org/officeDocument/2006/relationships" xmlns:mc="http://schemas.openxmlformats.org/markup-compatibility/2006" xmlns:mv="urn:schemas-microsoft-com:mac:vml" xmlns:p="http://schemas.openxmlformats.org/presentationml/2006/main" mc:Ignorable="mv" mc:PreserveAttributes="mv:*">
+<p:sldMaster xmlns:a="http://schemas.openxmlformats.org/drawingml/2006/main" xmlns:r="http://schemas.openxmlformats.org/officeDocument/2006/relationships" xmlns:p="http://schemas.openxmlformats.org/presentationml/2006/main">
   <p:cSld>
     <p:bg>
       <p:bgRef idx="1001">
@@ -6484,7 +6461,7 @@
 </file>
 
 <file path=ppt/slideMasters/slideMaster2.xml><?xml version="1.0" encoding="utf-8"?>
-<p:sldMaster xmlns:a="http://schemas.openxmlformats.org/drawingml/2006/main" xmlns:r="http://schemas.openxmlformats.org/officeDocument/2006/relationships" xmlns:mc="http://schemas.openxmlformats.org/markup-compatibility/2006" xmlns:mv="urn:schemas-microsoft-com:mac:vml" xmlns:p="http://schemas.openxmlformats.org/presentationml/2006/main" mc:Ignorable="mv" mc:PreserveAttributes="mv:*" preserve="1">
+<p:sldMaster xmlns:a="http://schemas.openxmlformats.org/drawingml/2006/main" xmlns:r="http://schemas.openxmlformats.org/officeDocument/2006/relationships" xmlns:p="http://schemas.openxmlformats.org/presentationml/2006/main" preserve="1">
   <p:cSld>
     <p:bg>
       <p:bgRef idx="1001">
@@ -7089,7 +7066,7 @@
 </file>
 
 <file path=ppt/slideMasters/slideMaster3.xml><?xml version="1.0" encoding="utf-8"?>
-<p:sldMaster xmlns:a="http://schemas.openxmlformats.org/drawingml/2006/main" xmlns:r="http://schemas.openxmlformats.org/officeDocument/2006/relationships" xmlns:mc="http://schemas.openxmlformats.org/markup-compatibility/2006" xmlns:mv="urn:schemas-microsoft-com:mac:vml" xmlns:p="http://schemas.openxmlformats.org/presentationml/2006/main" mc:Ignorable="mv" mc:PreserveAttributes="mv:*" preserve="1">
+<p:sldMaster xmlns:a="http://schemas.openxmlformats.org/drawingml/2006/main" xmlns:r="http://schemas.openxmlformats.org/officeDocument/2006/relationships" xmlns:p="http://schemas.openxmlformats.org/presentationml/2006/main" preserve="1">
   <p:cSld>
     <p:bg>
       <p:bgPr>
@@ -7467,7 +7444,7 @@
   <p:timing>
     <p:tnLst>
       <p:par>
-        <p:cTn id="1" dur="indefinite" restart="never" nodeType="tmRoot"/>
+        <p:cTn xmlns:p14="http://schemas.microsoft.com/office/powerpoint/2010/main" id="1" dur="indefinite" restart="never" nodeType="tmRoot"/>
       </p:par>
     </p:tnLst>
   </p:timing>
@@ -7880,7 +7857,7 @@
 </file>
 
 <file path=ppt/slideMasters/slideMaster4.xml><?xml version="1.0" encoding="utf-8"?>
-<p:sldMaster xmlns:a="http://schemas.openxmlformats.org/drawingml/2006/main" xmlns:r="http://schemas.openxmlformats.org/officeDocument/2006/relationships" xmlns:mc="http://schemas.openxmlformats.org/markup-compatibility/2006" xmlns:mv="urn:schemas-microsoft-com:mac:vml" xmlns:p="http://schemas.openxmlformats.org/presentationml/2006/main" mc:Ignorable="mv" mc:PreserveAttributes="mv:*" preserve="1">
+<p:sldMaster xmlns:a="http://schemas.openxmlformats.org/drawingml/2006/main" xmlns:r="http://schemas.openxmlformats.org/officeDocument/2006/relationships" xmlns:p="http://schemas.openxmlformats.org/presentationml/2006/main" preserve="1">
   <p:cSld>
     <p:bg>
       <p:bgPr>
@@ -8258,7 +8235,7 @@
   <p:timing>
     <p:tnLst>
       <p:par>
-        <p:cTn id="1" dur="indefinite" restart="never" nodeType="tmRoot"/>
+        <p:cTn xmlns:p14="http://schemas.microsoft.com/office/powerpoint/2010/main" id="1" dur="indefinite" restart="never" nodeType="tmRoot"/>
       </p:par>
     </p:tnLst>
   </p:timing>
@@ -8671,7 +8648,7 @@
 </file>
 
 <file path=ppt/slideMasters/slideMaster5.xml><?xml version="1.0" encoding="utf-8"?>
-<p:sldMaster xmlns:a="http://schemas.openxmlformats.org/drawingml/2006/main" xmlns:r="http://schemas.openxmlformats.org/officeDocument/2006/relationships" xmlns:mc="http://schemas.openxmlformats.org/markup-compatibility/2006" xmlns:mv="urn:schemas-microsoft-com:mac:vml" xmlns:p="http://schemas.openxmlformats.org/presentationml/2006/main" mc:Ignorable="mv" mc:PreserveAttributes="mv:*" preserve="1">
+<p:sldMaster xmlns:a="http://schemas.openxmlformats.org/drawingml/2006/main" xmlns:r="http://schemas.openxmlformats.org/officeDocument/2006/relationships" xmlns:p="http://schemas.openxmlformats.org/presentationml/2006/main" preserve="1">
   <p:cSld>
     <p:bg>
       <p:bgRef idx="1001">
@@ -9276,7 +9253,7 @@
 </file>
 
 <file path=ppt/slideMasters/slideMaster6.xml><?xml version="1.0" encoding="utf-8"?>
-<p:sldMaster xmlns:a="http://schemas.openxmlformats.org/drawingml/2006/main" xmlns:r="http://schemas.openxmlformats.org/officeDocument/2006/relationships" xmlns:mc="http://schemas.openxmlformats.org/markup-compatibility/2006" xmlns:mv="urn:schemas-microsoft-com:mac:vml" xmlns:p="http://schemas.openxmlformats.org/presentationml/2006/main" mc:Ignorable="mv" mc:PreserveAttributes="mv:*" preserve="1">
+<p:sldMaster xmlns:a="http://schemas.openxmlformats.org/drawingml/2006/main" xmlns:r="http://schemas.openxmlformats.org/officeDocument/2006/relationships" xmlns:p="http://schemas.openxmlformats.org/presentationml/2006/main" preserve="1">
   <p:cSld>
     <p:bg>
       <p:bgPr>
@@ -9654,7 +9631,7 @@
   <p:timing>
     <p:tnLst>
       <p:par>
-        <p:cTn id="1" dur="indefinite" restart="never" nodeType="tmRoot"/>
+        <p:cTn xmlns:p14="http://schemas.microsoft.com/office/powerpoint/2010/main" id="1" dur="indefinite" restart="never" nodeType="tmRoot"/>
       </p:par>
     </p:tnLst>
   </p:timing>
@@ -10067,7 +10044,7 @@
 </file>
 
 <file path=ppt/slideMasters/slideMaster7.xml><?xml version="1.0" encoding="utf-8"?>
-<p:sldMaster xmlns:a="http://schemas.openxmlformats.org/drawingml/2006/main" xmlns:r="http://schemas.openxmlformats.org/officeDocument/2006/relationships" xmlns:mc="http://schemas.openxmlformats.org/markup-compatibility/2006" xmlns:mv="urn:schemas-microsoft-com:mac:vml" xmlns:p="http://schemas.openxmlformats.org/presentationml/2006/main" mc:Ignorable="mv" mc:PreserveAttributes="mv:*" preserve="1">
+<p:sldMaster xmlns:a="http://schemas.openxmlformats.org/drawingml/2006/main" xmlns:r="http://schemas.openxmlformats.org/officeDocument/2006/relationships" xmlns:p="http://schemas.openxmlformats.org/presentationml/2006/main" preserve="1">
   <p:cSld>
     <p:bg>
       <p:bgRef idx="1001">
@@ -10672,7 +10649,7 @@
 </file>
 
 <file path=ppt/slideMasters/slideMaster8.xml><?xml version="1.0" encoding="utf-8"?>
-<p:sldMaster xmlns:a="http://schemas.openxmlformats.org/drawingml/2006/main" xmlns:r="http://schemas.openxmlformats.org/officeDocument/2006/relationships" xmlns:mc="http://schemas.openxmlformats.org/markup-compatibility/2006" xmlns:mv="urn:schemas-microsoft-com:mac:vml" xmlns:p="http://schemas.openxmlformats.org/presentationml/2006/main" mc:Ignorable="mv" mc:PreserveAttributes="mv:*">
+<p:sldMaster xmlns:a="http://schemas.openxmlformats.org/drawingml/2006/main" xmlns:r="http://schemas.openxmlformats.org/officeDocument/2006/relationships" xmlns:p="http://schemas.openxmlformats.org/presentationml/2006/main">
   <p:cSld>
     <p:bg>
       <p:bgRef idx="1001">
@@ -11494,7 +11471,7 @@
 </file>
 
 <file path=ppt/slideMasters/slideMaster9.xml><?xml version="1.0" encoding="utf-8"?>
-<p:sldMaster xmlns:a="http://schemas.openxmlformats.org/drawingml/2006/main" xmlns:r="http://schemas.openxmlformats.org/officeDocument/2006/relationships" xmlns:mc="http://schemas.openxmlformats.org/markup-compatibility/2006" xmlns:mv="urn:schemas-microsoft-com:mac:vml" xmlns:p="http://schemas.openxmlformats.org/presentationml/2006/main" mc:Ignorable="mv" mc:PreserveAttributes="mv:*" preserve="1">
+<p:sldMaster xmlns:a="http://schemas.openxmlformats.org/drawingml/2006/main" xmlns:r="http://schemas.openxmlformats.org/officeDocument/2006/relationships" xmlns:p="http://schemas.openxmlformats.org/presentationml/2006/main" preserve="1">
   <p:cSld>
     <p:bg>
       <p:bgPr>
@@ -11742,7 +11719,7 @@
     </p:spTree>
   </p:cSld>
   <p:clrMap bg1="lt1" tx1="dk1" bg2="lt2" tx2="dk2" accent1="accent1" accent2="accent2" accent3="accent3" accent4="accent4" accent5="accent5" accent6="accent6" hlink="hlink" folHlink="folHlink"/>
-  <p:transition spd="med">
+  <p:transition xmlns:p14="http://schemas.microsoft.com/office/powerpoint/2010/main" spd="med">
     <p:fade/>
   </p:transition>
   <p:hf hdr="0"/>
@@ -12159,7 +12136,7 @@
 </file>
 
 <file path=ppt/slides/slide1.xml><?xml version="1.0" encoding="utf-8"?>
-<p:sld xmlns:a="http://schemas.openxmlformats.org/drawingml/2006/main" xmlns:r="http://schemas.openxmlformats.org/officeDocument/2006/relationships" xmlns:mc="http://schemas.openxmlformats.org/markup-compatibility/2006" xmlns:mv="urn:schemas-microsoft-com:mac:vml" xmlns:p="http://schemas.openxmlformats.org/presentationml/2006/main" mc:Ignorable="mv" mc:PreserveAttributes="mv:*">
+<p:sld xmlns:a="http://schemas.openxmlformats.org/drawingml/2006/main" xmlns:r="http://schemas.openxmlformats.org/officeDocument/2006/relationships" xmlns:p="http://schemas.openxmlformats.org/presentationml/2006/main">
   <p:cSld>
     <p:spTree>
       <p:nvGrpSpPr>
@@ -12291,7 +12268,7 @@
   <p:timing>
     <p:tnLst>
       <p:par>
-        <p:cTn id="1" dur="indefinite" restart="never" nodeType="tmRoot"/>
+        <p:cTn xmlns:p14="http://schemas.microsoft.com/office/powerpoint/2010/main" id="1" dur="indefinite" restart="never" nodeType="tmRoot"/>
       </p:par>
     </p:tnLst>
   </p:timing>
@@ -12299,7 +12276,7 @@
 </file>
 
 <file path=ppt/slides/slide10.xml><?xml version="1.0" encoding="utf-8"?>
-<p:sld xmlns:a="http://schemas.openxmlformats.org/drawingml/2006/main" xmlns:r="http://schemas.openxmlformats.org/officeDocument/2006/relationships" xmlns:mc="http://schemas.openxmlformats.org/markup-compatibility/2006" xmlns:mv="urn:schemas-microsoft-com:mac:vml" xmlns:p="http://schemas.openxmlformats.org/presentationml/2006/main" mc:Ignorable="mv" mc:PreserveAttributes="mv:*">
+<p:sld xmlns:a="http://schemas.openxmlformats.org/drawingml/2006/main" xmlns:r="http://schemas.openxmlformats.org/officeDocument/2006/relationships" xmlns:p="http://schemas.openxmlformats.org/presentationml/2006/main">
   <p:cSld>
     <p:spTree>
       <p:nvGrpSpPr>
@@ -12331,10 +12308,16 @@
           <a:lstStyle/>
           <a:p>
             <a:r>
+              <a:rPr lang="en-US" sz="2800" dirty="0" err="1" smtClean="0">
+                <a:ea typeface="ＭＳ Ｐゴシック" pitchFamily="34" charset="-128"/>
+              </a:rPr>
+              <a:t>BigJob</a:t>
+            </a:r>
+            <a:r>
               <a:rPr lang="en-US" sz="2800" dirty="0" smtClean="0">
                 <a:ea typeface="ＭＳ Ｐゴシック" pitchFamily="34" charset="-128"/>
               </a:rPr>
-              <a:t>Compute Unit Description</a:t>
+              <a:t> Components</a:t>
             </a:r>
           </a:p>
         </p:txBody>
@@ -12351,8 +12334,8 @@
         </p:nvSpPr>
         <p:spPr>
           <a:xfrm>
-            <a:off x="348808" y="1372414"/>
-            <a:ext cx="8229600" cy="5277767"/>
+            <a:off x="493058" y="1416423"/>
+            <a:ext cx="8229600" cy="2137268"/>
           </a:xfrm>
         </p:spPr>
         <p:txBody>
@@ -12360,159 +12343,108 @@
           <a:lstStyle/>
           <a:p>
             <a:r>
-              <a:rPr lang="en-US" dirty="0" smtClean="0"/>
-              <a:t>CU Requirements (job description, </a:t>
-            </a:r>
-            <a:r>
-              <a:rPr lang="en-US" dirty="0" err="1" smtClean="0"/>
-              <a:t>etc</a:t>
-            </a:r>
-            <a:r>
-              <a:rPr lang="en-US" dirty="0" smtClean="0"/>
-              <a:t>):</a:t>
+              <a:rPr lang="en-US" sz="2400" dirty="0" smtClean="0"/>
+              <a:t>There are two main components of concern when writing </a:t>
+            </a:r>
+            <a:r>
+              <a:rPr lang="en-US" sz="2400" dirty="0" err="1" smtClean="0"/>
+              <a:t>BigJob</a:t>
+            </a:r>
+            <a:r>
+              <a:rPr lang="en-US" sz="2400" dirty="0" smtClean="0"/>
+              <a:t> scripts.</a:t>
             </a:r>
           </a:p>
           <a:p>
             <a:pPr lvl="1"/>
             <a:r>
-              <a:rPr lang="en-US" b="1" dirty="0" smtClean="0"/>
-              <a:t>executable: </a:t>
-            </a:r>
-            <a:r>
-              <a:rPr lang="en-US" dirty="0"/>
-              <a:t> </a:t>
-            </a:r>
-            <a:r>
-              <a:rPr lang="en-US" dirty="0" smtClean="0"/>
-              <a:t>The code or software that you are trying to run/execute</a:t>
+              <a:rPr lang="en-US" sz="2000" b="1" dirty="0" smtClean="0"/>
+              <a:t>Pilot Description</a:t>
+            </a:r>
+            <a:r>
+              <a:rPr lang="en-US" sz="2000" dirty="0" smtClean="0"/>
+              <a:t>: Defines the resource specification for managing jobs on each resource</a:t>
             </a:r>
           </a:p>
           <a:p>
             <a:pPr lvl="1"/>
             <a:r>
-              <a:rPr lang="en-US" b="1" dirty="0" smtClean="0"/>
-              <a:t>arguments: </a:t>
-            </a:r>
-            <a:r>
-              <a:rPr lang="en-US" dirty="0" smtClean="0"/>
-              <a:t> The list of arguments that will be passed to the executable (i.e. command line arguments)</a:t>
-            </a:r>
-          </a:p>
-          <a:p>
-            <a:pPr lvl="1"/>
-            <a:r>
-              <a:rPr lang="en-US" b="1" dirty="0" smtClean="0"/>
-              <a:t>environment: </a:t>
-            </a:r>
-            <a:r>
-              <a:rPr lang="en-US" dirty="0" smtClean="0"/>
-              <a:t>specifies the list of environment variables to be set for successful job execution</a:t>
-            </a:r>
-          </a:p>
-          <a:p>
-            <a:pPr lvl="1"/>
-            <a:r>
-              <a:rPr lang="en-US" b="1" dirty="0" err="1" smtClean="0"/>
-              <a:t>working_directory</a:t>
-            </a:r>
-            <a:r>
-              <a:rPr lang="en-US" b="1" dirty="0" smtClean="0"/>
-              <a:t>:  </a:t>
-            </a:r>
-            <a:r>
-              <a:rPr lang="en-US" dirty="0" smtClean="0"/>
-              <a:t>The directory in which the job has to execute. If left unspecified, the Pilot-Job creates a default directory</a:t>
-            </a:r>
-          </a:p>
-          <a:p>
-            <a:pPr lvl="1"/>
-            <a:r>
-              <a:rPr lang="en-US" b="1" dirty="0" err="1" smtClean="0"/>
-              <a:t>number_of_processes</a:t>
-            </a:r>
-            <a:r>
-              <a:rPr lang="en-US" b="1" dirty="0" smtClean="0"/>
-              <a:t>:  </a:t>
-            </a:r>
-            <a:r>
-              <a:rPr lang="en-US" dirty="0" smtClean="0"/>
-              <a:t>specifies the number of processes to be assigned for the job execution</a:t>
-            </a:r>
-          </a:p>
-          <a:p>
-            <a:pPr lvl="1"/>
-            <a:r>
-              <a:rPr lang="en-US" b="1" dirty="0" err="1" smtClean="0"/>
-              <a:t>spmd_variation</a:t>
-            </a:r>
-            <a:r>
-              <a:rPr lang="en-US" b="1" dirty="0" smtClean="0"/>
-              <a:t>: </a:t>
-            </a:r>
-            <a:r>
-              <a:rPr lang="en-US" dirty="0" smtClean="0"/>
-              <a:t>specifies the type of job. By default, it is single job.</a:t>
-            </a:r>
-          </a:p>
-          <a:p>
-            <a:pPr lvl="1"/>
-            <a:r>
-              <a:rPr lang="en-US" b="1" dirty="0" smtClean="0"/>
-              <a:t>output: </a:t>
-            </a:r>
-            <a:r>
-              <a:rPr lang="en-US" dirty="0" smtClean="0"/>
-              <a:t>The file in which the standard output of the job execution will be stored</a:t>
-            </a:r>
-          </a:p>
-          <a:p>
-            <a:pPr lvl="1"/>
-            <a:r>
-              <a:rPr lang="en-US" b="1" dirty="0" smtClean="0"/>
-              <a:t>error: </a:t>
-            </a:r>
-            <a:r>
-              <a:rPr lang="en-US" dirty="0" smtClean="0"/>
-              <a:t> The file in which the standard error of the job execution will be stored (will be a blank file if no errors)</a:t>
-            </a:r>
-          </a:p>
-          <a:p>
-            <a:pPr lvl="1"/>
-            <a:r>
-              <a:rPr lang="en-US" b="1" dirty="0" err="1" smtClean="0"/>
-              <a:t>file_transfers</a:t>
-            </a:r>
-            <a:r>
-              <a:rPr lang="en-US" b="1" dirty="0" smtClean="0"/>
-              <a:t>:  </a:t>
-            </a:r>
-            <a:r>
-              <a:rPr lang="en-US" dirty="0" smtClean="0"/>
-              <a:t>The files that need to be transferred in order to execute the job successfully.</a:t>
-            </a:r>
-            <a:endParaRPr lang="en-US" b="1" dirty="0" smtClean="0"/>
-          </a:p>
-          <a:p>
-            <a:pPr lvl="1"/>
-            <a:endParaRPr lang="en-US" b="1" dirty="0"/>
+              <a:rPr lang="en-US" sz="2000" b="1" dirty="0" smtClean="0"/>
+              <a:t>Compute Unit Description</a:t>
+            </a:r>
+            <a:r>
+              <a:rPr lang="en-US" sz="2000" dirty="0" smtClean="0"/>
+              <a:t>: Defines the actual job description and data for movement</a:t>
+            </a:r>
+          </a:p>
+          <a:p>
+            <a:endParaRPr lang="en-US" dirty="0"/>
+          </a:p>
+        </p:txBody>
+      </p:sp>
+      <p:sp>
+        <p:nvSpPr>
+          <p:cNvPr id="7" name="Rectangle 6"/>
+          <p:cNvSpPr/>
+          <p:nvPr/>
+        </p:nvSpPr>
+        <p:spPr>
+          <a:xfrm>
+            <a:off x="642094" y="4426636"/>
+            <a:ext cx="8229599" cy="709107"/>
+          </a:xfrm>
+          <a:prstGeom prst="rect">
+            <a:avLst/>
+          </a:prstGeom>
+        </p:spPr>
+        <p:style>
+          <a:lnRef idx="1">
+            <a:schemeClr val="dk1"/>
+          </a:lnRef>
+          <a:fillRef idx="3">
+            <a:schemeClr val="dk1"/>
+          </a:fillRef>
+          <a:effectRef idx="2">
+            <a:schemeClr val="dk1"/>
+          </a:effectRef>
+          <a:fontRef idx="minor">
+            <a:schemeClr val="lt1"/>
+          </a:fontRef>
+        </p:style>
+        <p:txBody>
+          <a:bodyPr rtlCol="0" anchor="ctr"/>
+          <a:lstStyle/>
+          <a:p>
+            <a:pPr algn="ctr"/>
+            <a:r>
+              <a:rPr lang="en-US" sz="2400" b="1" dirty="0" smtClean="0">
+                <a:latin typeface="Courier New" pitchFamily="49" charset="0"/>
+                <a:cs typeface="Courier New" pitchFamily="49" charset="0"/>
+              </a:rPr>
+              <a:t>cd $HOME</a:t>
+            </a:r>
+            <a:endParaRPr lang="en-US" sz="2400" b="1" dirty="0">
+              <a:latin typeface="Courier New" pitchFamily="49" charset="0"/>
+              <a:cs typeface="Courier New" pitchFamily="49" charset="0"/>
+            </a:endParaRPr>
           </a:p>
         </p:txBody>
       </p:sp>
     </p:spTree>
     <p:extLst>
       <p:ext uri="{BB962C8B-B14F-4D97-AF65-F5344CB8AC3E}">
-        <p14:creationId xmlns:p14="http://schemas.microsoft.com/office/powerpoint/2010/main" xmlns:p="http://schemas.openxmlformats.org/presentationml/2006/main" xmlns:r="http://schemas.openxmlformats.org/officeDocument/2006/relationships" xmlns:a="http://schemas.openxmlformats.org/drawingml/2006/main" xmlns="" val="3930915092"/>
+        <p14:creationId xmlns:p14="http://schemas.microsoft.com/office/powerpoint/2010/main" val="1455570638"/>
       </p:ext>
     </p:extLst>
   </p:cSld>
   <p:clrMapOvr>
     <a:masterClrMapping/>
   </p:clrMapOvr>
-  <p:transition/>
+  <p:transition xmlns:p14="http://schemas.microsoft.com/office/powerpoint/2010/main"/>
   <p:timing>
     <p:tnLst>
       <p:par>
-        <p:cTn id="1" dur="indefinite" restart="never" nodeType="tmRoot"/>
+        <p:cTn xmlns:p14="http://schemas.microsoft.com/office/powerpoint/2010/main" id="1" dur="indefinite" restart="never" nodeType="tmRoot"/>
       </p:par>
     </p:tnLst>
   </p:timing>
@@ -12520,7 +12452,7 @@
 </file>
 
 <file path=ppt/slides/slide11.xml><?xml version="1.0" encoding="utf-8"?>
-<p:sld xmlns:a="http://schemas.openxmlformats.org/drawingml/2006/main" xmlns:r="http://schemas.openxmlformats.org/officeDocument/2006/relationships" xmlns:mc="http://schemas.openxmlformats.org/markup-compatibility/2006" xmlns:mv="urn:schemas-microsoft-com:mac:vml" xmlns:p="http://schemas.openxmlformats.org/presentationml/2006/main" mc:Ignorable="mv" mc:PreserveAttributes="mv:*">
+<p:sld xmlns:a="http://schemas.openxmlformats.org/drawingml/2006/main" xmlns:r="http://schemas.openxmlformats.org/officeDocument/2006/relationships" xmlns:p="http://schemas.openxmlformats.org/presentationml/2006/main">
   <p:cSld>
     <p:spTree>
       <p:nvGrpSpPr>
@@ -12555,7 +12487,202 @@
               <a:rPr lang="en-US" sz="2800" dirty="0" smtClean="0">
                 <a:ea typeface="ＭＳ Ｐゴシック" pitchFamily="34" charset="-128"/>
               </a:rPr>
-              <a:t>Compute Unit Description Code</a:t>
+              <a:t>Pilot Description</a:t>
+            </a:r>
+          </a:p>
+        </p:txBody>
+      </p:sp>
+      <p:sp>
+        <p:nvSpPr>
+          <p:cNvPr id="5" name="Content Placeholder 4"/>
+          <p:cNvSpPr>
+            <a:spLocks noGrp="1"/>
+          </p:cNvSpPr>
+          <p:nvPr>
+            <p:ph idx="1"/>
+          </p:nvPr>
+        </p:nvSpPr>
+        <p:spPr>
+          <a:xfrm>
+            <a:off x="472277" y="1561896"/>
+            <a:ext cx="8229600" cy="4444050"/>
+          </a:xfrm>
+        </p:spPr>
+        <p:txBody>
+          <a:bodyPr/>
+          <a:lstStyle/>
+          <a:p>
+            <a:r>
+              <a:rPr lang="en-US" dirty="0" smtClean="0"/>
+              <a:t>Resource specification requirements</a:t>
+            </a:r>
+          </a:p>
+          <a:p>
+            <a:pPr lvl="1"/>
+            <a:r>
+              <a:rPr lang="en-US" b="1" dirty="0" err="1"/>
+              <a:t>s</a:t>
+            </a:r>
+            <a:r>
+              <a:rPr lang="en-US" b="1" dirty="0" err="1" smtClean="0"/>
+              <a:t>ervice_url</a:t>
+            </a:r>
+            <a:r>
+              <a:rPr lang="en-US" b="1" dirty="0" smtClean="0"/>
+              <a:t>: </a:t>
+            </a:r>
+            <a:r>
+              <a:rPr lang="en-US" dirty="0" smtClean="0"/>
+              <a:t>Specifies the SAGA Bliss job adaptor and resource hostname on which jobs can be executed. For remote hosts, password-less  login must be enabled.   </a:t>
+            </a:r>
+          </a:p>
+          <a:p>
+            <a:pPr lvl="1"/>
+            <a:r>
+              <a:rPr lang="en-US" b="1" dirty="0" err="1" smtClean="0"/>
+              <a:t>number_of_processes</a:t>
+            </a:r>
+            <a:r>
+              <a:rPr lang="en-US" b="1" dirty="0" smtClean="0"/>
+              <a:t>: </a:t>
+            </a:r>
+            <a:r>
+              <a:rPr lang="en-US" dirty="0" smtClean="0"/>
+              <a:t>specifies the total number of processes that need to be allocated to run the jobs</a:t>
+            </a:r>
+          </a:p>
+          <a:p>
+            <a:pPr lvl="1"/>
+            <a:r>
+              <a:rPr lang="en-US" b="1" dirty="0" smtClean="0"/>
+              <a:t>queue:  </a:t>
+            </a:r>
+            <a:r>
+              <a:rPr lang="en-US" dirty="0" smtClean="0"/>
+              <a:t>Specifies the name of the job queue to be used</a:t>
+            </a:r>
+          </a:p>
+          <a:p>
+            <a:pPr lvl="1"/>
+            <a:r>
+              <a:rPr lang="en-US" b="1" dirty="0"/>
+              <a:t>p</a:t>
+            </a:r>
+            <a:r>
+              <a:rPr lang="en-US" b="1" dirty="0" smtClean="0"/>
+              <a:t>roject:</a:t>
+            </a:r>
+            <a:r>
+              <a:rPr lang="en-US" dirty="0" smtClean="0"/>
+              <a:t> Specifies the allocation for your project to charge</a:t>
+            </a:r>
+            <a:endParaRPr lang="en-US" b="1" dirty="0" smtClean="0"/>
+          </a:p>
+          <a:p>
+            <a:pPr lvl="1"/>
+            <a:r>
+              <a:rPr lang="en-US" b="1" dirty="0" err="1" smtClean="0"/>
+              <a:t>working_directory</a:t>
+            </a:r>
+            <a:r>
+              <a:rPr lang="en-US" b="1" dirty="0" smtClean="0"/>
+              <a:t>: </a:t>
+            </a:r>
+            <a:r>
+              <a:rPr lang="en-US" dirty="0" smtClean="0"/>
+              <a:t>specifies the directory in which the Pilot-Job agent executes</a:t>
+            </a:r>
+          </a:p>
+          <a:p>
+            <a:pPr lvl="1"/>
+            <a:r>
+              <a:rPr lang="en-US" b="1" dirty="0" err="1" smtClean="0"/>
+              <a:t>walltime</a:t>
+            </a:r>
+            <a:r>
+              <a:rPr lang="en-US" b="1" dirty="0" smtClean="0"/>
+              <a:t>: </a:t>
+            </a:r>
+            <a:r>
+              <a:rPr lang="en-US" dirty="0" smtClean="0"/>
+              <a:t>Specifies the number of minutes that the resources are requested</a:t>
+            </a:r>
+          </a:p>
+          <a:p>
+            <a:pPr lvl="1"/>
+            <a:r>
+              <a:rPr lang="en-US" b="1" dirty="0" err="1" smtClean="0"/>
+              <a:t>file_transfers</a:t>
+            </a:r>
+            <a:r>
+              <a:rPr lang="en-US" b="1" dirty="0" smtClean="0"/>
+              <a:t>:  </a:t>
+            </a:r>
+            <a:r>
+              <a:rPr lang="en-US" dirty="0" smtClean="0"/>
+              <a:t>specifies the files that need to be transferred in order to execute the jobs successfully. Generally files common to all jobs are listed here.</a:t>
+            </a:r>
+            <a:endParaRPr lang="en-US" b="1" dirty="0" smtClean="0"/>
+          </a:p>
+          <a:p>
+            <a:pPr lvl="1"/>
+            <a:endParaRPr lang="en-US" b="1" dirty="0"/>
+          </a:p>
+        </p:txBody>
+      </p:sp>
+    </p:spTree>
+  </p:cSld>
+  <p:clrMapOvr>
+    <a:masterClrMapping/>
+  </p:clrMapOvr>
+  <p:transition xmlns:p14="http://schemas.microsoft.com/office/powerpoint/2010/main"/>
+  <p:timing>
+    <p:tnLst>
+      <p:par>
+        <p:cTn xmlns:p14="http://schemas.microsoft.com/office/powerpoint/2010/main" id="1" dur="indefinite" restart="never" nodeType="tmRoot"/>
+      </p:par>
+    </p:tnLst>
+  </p:timing>
+</p:sld>
+</file>
+
+<file path=ppt/slides/slide12.xml><?xml version="1.0" encoding="utf-8"?>
+<p:sld xmlns:a="http://schemas.openxmlformats.org/drawingml/2006/main" xmlns:r="http://schemas.openxmlformats.org/officeDocument/2006/relationships" xmlns:p="http://schemas.openxmlformats.org/presentationml/2006/main">
+  <p:cSld>
+    <p:spTree>
+      <p:nvGrpSpPr>
+        <p:cNvPr id="1" name=""/>
+        <p:cNvGrpSpPr/>
+        <p:nvPr/>
+      </p:nvGrpSpPr>
+      <p:grpSpPr>
+        <a:xfrm>
+          <a:off x="0" y="0"/>
+          <a:ext cx="0" cy="0"/>
+          <a:chOff x="0" y="0"/>
+          <a:chExt cx="0" cy="0"/>
+        </a:xfrm>
+      </p:grpSpPr>
+      <p:sp>
+        <p:nvSpPr>
+          <p:cNvPr id="30722" name="Title 1"/>
+          <p:cNvSpPr>
+            <a:spLocks noGrp="1"/>
+          </p:cNvSpPr>
+          <p:nvPr>
+            <p:ph type="title"/>
+          </p:nvPr>
+        </p:nvSpPr>
+        <p:spPr/>
+        <p:txBody>
+          <a:bodyPr/>
+          <a:lstStyle/>
+          <a:p>
+            <a:r>
+              <a:rPr lang="en-US" sz="2800" dirty="0" smtClean="0">
+                <a:ea typeface="ＭＳ Ｐゴシック" pitchFamily="34" charset="-128"/>
+              </a:rPr>
+              <a:t>Pilot Description Code</a:t>
             </a:r>
           </a:p>
         </p:txBody>
@@ -12568,8 +12695,8 @@
         </p:nvSpPr>
         <p:spPr>
           <a:xfrm>
-            <a:off x="215153" y="2161309"/>
-            <a:ext cx="8695764" cy="2078181"/>
+            <a:off x="215153" y="2161310"/>
+            <a:ext cx="8695764" cy="2888672"/>
           </a:xfrm>
           <a:prstGeom prst="rect">
             <a:avLst/>
@@ -12601,14 +12728,14 @@
                 <a:latin typeface="Courier New" pitchFamily="49" charset="0"/>
                 <a:cs typeface="Courier New" pitchFamily="49" charset="0"/>
               </a:rPr>
-              <a:t>compute_unit_description</a:t>
+              <a:t>pilot_compute_description.append</a:t>
             </a:r>
             <a:r>
               <a:rPr lang="en-US" dirty="0">
                 <a:latin typeface="Courier New" pitchFamily="49" charset="0"/>
                 <a:cs typeface="Courier New" pitchFamily="49" charset="0"/>
               </a:rPr>
-              <a:t> = { </a:t>
+              <a:t>({ </a:t>
             </a:r>
             <a:r>
               <a:rPr lang="en-US" dirty="0">
@@ -12618,57 +12745,18 @@
                 <a:latin typeface="Courier New" pitchFamily="49" charset="0"/>
                 <a:cs typeface="Courier New" pitchFamily="49" charset="0"/>
               </a:rPr>
-              <a:t>"executable"</a:t>
-            </a:r>
-            <a:r>
-              <a:rPr lang="en-US" dirty="0">
-                <a:solidFill>
-                  <a:schemeClr val="bg1"/>
-                </a:solidFill>
-                <a:latin typeface="Courier New" pitchFamily="49" charset="0"/>
-                <a:cs typeface="Courier New" pitchFamily="49" charset="0"/>
-              </a:rPr>
-              <a:t>:</a:t>
-            </a:r>
-            <a:r>
-              <a:rPr lang="en-US" dirty="0">
+              <a:t>"</a:t>
+            </a:r>
+            <a:r>
+              <a:rPr lang="en-US" dirty="0" err="1" smtClean="0">
                 <a:solidFill>
                   <a:srgbClr val="FF33CC"/>
                 </a:solidFill>
                 <a:latin typeface="Courier New" pitchFamily="49" charset="0"/>
                 <a:cs typeface="Courier New" pitchFamily="49" charset="0"/>
               </a:rPr>
-              <a:t> "/bin/echo"</a:t>
-            </a:r>
-            <a:r>
-              <a:rPr lang="en-US" dirty="0">
-                <a:solidFill>
-                  <a:schemeClr val="bg1"/>
-                </a:solidFill>
-                <a:latin typeface="Courier New" pitchFamily="49" charset="0"/>
-                <a:cs typeface="Courier New" pitchFamily="49" charset="0"/>
-              </a:rPr>
-              <a:t>,</a:t>
-            </a:r>
-            <a:r>
-              <a:rPr lang="en-US" dirty="0">
-                <a:solidFill>
-                  <a:srgbClr val="FF33CC"/>
-                </a:solidFill>
-                <a:latin typeface="Courier New" pitchFamily="49" charset="0"/>
-                <a:cs typeface="Courier New" pitchFamily="49" charset="0"/>
-              </a:rPr>
-              <a:t> </a:t>
-            </a:r>
-            <a:endParaRPr lang="en-US" dirty="0" smtClean="0">
-              <a:solidFill>
-                <a:srgbClr val="FF33CC"/>
-              </a:solidFill>
-              <a:latin typeface="Courier New" pitchFamily="49" charset="0"/>
-              <a:cs typeface="Courier New" pitchFamily="49" charset="0"/>
-            </a:endParaRPr>
-          </a:p>
-          <a:p>
+              <a:t>service_url</a:t>
+            </a:r>
             <a:r>
               <a:rPr lang="en-US" dirty="0" smtClean="0">
                 <a:solidFill>
@@ -12680,6 +12768,13 @@
               <a:t>"</a:t>
             </a:r>
             <a:r>
+              <a:rPr lang="en-US" dirty="0" smtClean="0">
+                <a:latin typeface="Courier New" pitchFamily="49" charset="0"/>
+                <a:cs typeface="Courier New" pitchFamily="49" charset="0"/>
+              </a:rPr>
+              <a:t>: </a:t>
+            </a:r>
+            <a:r>
               <a:rPr lang="en-US" dirty="0">
                 <a:solidFill>
                   <a:srgbClr val="FF33CC"/>
@@ -12687,17 +12782,17 @@
                 <a:latin typeface="Courier New" pitchFamily="49" charset="0"/>
                 <a:cs typeface="Courier New" pitchFamily="49" charset="0"/>
               </a:rPr>
-              <a:t>arguments"</a:t>
-            </a:r>
-            <a:r>
-              <a:rPr lang="en-US" dirty="0">
+              <a:t>"</a:t>
+            </a:r>
+            <a:r>
+              <a:rPr lang="en-US" dirty="0" err="1">
                 <a:solidFill>
-                  <a:schemeClr val="bg1"/>
+                  <a:srgbClr val="FF33CC"/>
                 </a:solidFill>
                 <a:latin typeface="Courier New" pitchFamily="49" charset="0"/>
                 <a:cs typeface="Courier New" pitchFamily="49" charset="0"/>
               </a:rPr>
-              <a:t>: [</a:t>
+              <a:t>sge+ssh</a:t>
             </a:r>
             <a:r>
               <a:rPr lang="en-US" dirty="0">
@@ -12707,77 +12802,18 @@
                 <a:latin typeface="Courier New" pitchFamily="49" charset="0"/>
                 <a:cs typeface="Courier New" pitchFamily="49" charset="0"/>
               </a:rPr>
-              <a:t>"Hello"</a:t>
-            </a:r>
-            <a:r>
-              <a:rPr lang="en-US" dirty="0">
-                <a:solidFill>
-                  <a:schemeClr val="bg1"/>
-                </a:solidFill>
-                <a:latin typeface="Courier New" pitchFamily="49" charset="0"/>
-                <a:cs typeface="Courier New" pitchFamily="49" charset="0"/>
-              </a:rPr>
-              <a:t>,</a:t>
-            </a:r>
-            <a:r>
-              <a:rPr lang="en-US" dirty="0">
+              <a:t>://</a:t>
+            </a:r>
+            <a:r>
+              <a:rPr lang="en-US" dirty="0" err="1">
                 <a:solidFill>
                   <a:srgbClr val="FF33CC"/>
                 </a:solidFill>
                 <a:latin typeface="Courier New" pitchFamily="49" charset="0"/>
                 <a:cs typeface="Courier New" pitchFamily="49" charset="0"/>
               </a:rPr>
-              <a:t>"$ENV1"</a:t>
-            </a:r>
-            <a:r>
-              <a:rPr lang="en-US" dirty="0">
-                <a:solidFill>
-                  <a:schemeClr val="bg1"/>
-                </a:solidFill>
-                <a:latin typeface="Courier New" pitchFamily="49" charset="0"/>
-                <a:cs typeface="Courier New" pitchFamily="49" charset="0"/>
-              </a:rPr>
-              <a:t>,</a:t>
-            </a:r>
-            <a:r>
-              <a:rPr lang="en-US" dirty="0">
-                <a:solidFill>
-                  <a:srgbClr val="FF33CC"/>
-                </a:solidFill>
-                <a:latin typeface="Courier New" pitchFamily="49" charset="0"/>
-                <a:cs typeface="Courier New" pitchFamily="49" charset="0"/>
-              </a:rPr>
-              <a:t>"$ENV2"</a:t>
-            </a:r>
-            <a:r>
-              <a:rPr lang="en-US" dirty="0">
-                <a:solidFill>
-                  <a:schemeClr val="bg1"/>
-                </a:solidFill>
-                <a:latin typeface="Courier New" pitchFamily="49" charset="0"/>
-                <a:cs typeface="Courier New" pitchFamily="49" charset="0"/>
-              </a:rPr>
-              <a:t>],</a:t>
-            </a:r>
-            <a:r>
-              <a:rPr lang="en-US" dirty="0">
-                <a:solidFill>
-                  <a:srgbClr val="FF33CC"/>
-                </a:solidFill>
-                <a:latin typeface="Courier New" pitchFamily="49" charset="0"/>
-                <a:cs typeface="Courier New" pitchFamily="49" charset="0"/>
-              </a:rPr>
-              <a:t> </a:t>
-            </a:r>
-            <a:endParaRPr lang="en-US" dirty="0" smtClean="0">
-              <a:solidFill>
-                <a:srgbClr val="FF33CC"/>
-              </a:solidFill>
-              <a:latin typeface="Courier New" pitchFamily="49" charset="0"/>
-              <a:cs typeface="Courier New" pitchFamily="49" charset="0"/>
-            </a:endParaRPr>
-          </a:p>
-          <a:p>
+              <a:t>localhost</a:t>
+            </a:r>
             <a:r>
               <a:rPr lang="en-US" dirty="0" smtClean="0">
                 <a:solidFill>
@@ -12789,102 +12825,12 @@
               <a:t>"</a:t>
             </a:r>
             <a:r>
-              <a:rPr lang="en-US" dirty="0">
-                <a:solidFill>
-                  <a:srgbClr val="FF33CC"/>
-                </a:solidFill>
-                <a:latin typeface="Courier New" pitchFamily="49" charset="0"/>
-                <a:cs typeface="Courier New" pitchFamily="49" charset="0"/>
-              </a:rPr>
-              <a:t>environment"</a:t>
-            </a:r>
-            <a:r>
-              <a:rPr lang="en-US" dirty="0">
-                <a:solidFill>
-                  <a:schemeClr val="bg1"/>
-                </a:solidFill>
-                <a:latin typeface="Courier New" pitchFamily="49" charset="0"/>
-                <a:cs typeface="Courier New" pitchFamily="49" charset="0"/>
-              </a:rPr>
-              <a:t>:</a:t>
-            </a:r>
-            <a:r>
-              <a:rPr lang="en-US" dirty="0">
-                <a:solidFill>
-                  <a:srgbClr val="FF33CC"/>
-                </a:solidFill>
-                <a:latin typeface="Courier New" pitchFamily="49" charset="0"/>
-                <a:cs typeface="Courier New" pitchFamily="49" charset="0"/>
-              </a:rPr>
-              <a:t> </a:t>
-            </a:r>
-            <a:r>
-              <a:rPr lang="en-US" dirty="0">
-                <a:solidFill>
-                  <a:schemeClr val="bg1"/>
-                </a:solidFill>
-                <a:latin typeface="Courier New" pitchFamily="49" charset="0"/>
-                <a:cs typeface="Courier New" pitchFamily="49" charset="0"/>
-              </a:rPr>
-              <a:t>[</a:t>
-            </a:r>
-            <a:r>
-              <a:rPr lang="en-US" dirty="0">
-                <a:solidFill>
-                  <a:srgbClr val="FF33CC"/>
-                </a:solidFill>
-                <a:latin typeface="Courier New" pitchFamily="49" charset="0"/>
-                <a:cs typeface="Courier New" pitchFamily="49" charset="0"/>
-              </a:rPr>
-              <a:t>'ENV1=env_arg1'</a:t>
-            </a:r>
-            <a:r>
-              <a:rPr lang="en-US" dirty="0">
-                <a:solidFill>
-                  <a:schemeClr val="bg1"/>
-                </a:solidFill>
+              <a:rPr lang="en-US" dirty="0" smtClean="0">
                 <a:latin typeface="Courier New" pitchFamily="49" charset="0"/>
                 <a:cs typeface="Courier New" pitchFamily="49" charset="0"/>
               </a:rPr>
               <a:t>,</a:t>
             </a:r>
-            <a:r>
-              <a:rPr lang="en-US" dirty="0">
-                <a:solidFill>
-                  <a:srgbClr val="FF33CC"/>
-                </a:solidFill>
-                <a:latin typeface="Courier New" pitchFamily="49" charset="0"/>
-                <a:cs typeface="Courier New" pitchFamily="49" charset="0"/>
-              </a:rPr>
-              <a:t>'ENV2=env_arg2'</a:t>
-            </a:r>
-            <a:r>
-              <a:rPr lang="en-US" dirty="0">
-                <a:solidFill>
-                  <a:schemeClr val="bg1"/>
-                </a:solidFill>
-                <a:latin typeface="Courier New" pitchFamily="49" charset="0"/>
-                <a:cs typeface="Courier New" pitchFamily="49" charset="0"/>
-              </a:rPr>
-              <a:t>],</a:t>
-            </a:r>
-            <a:r>
-              <a:rPr lang="en-US" dirty="0">
-                <a:solidFill>
-                  <a:srgbClr val="FF33CC"/>
-                </a:solidFill>
-                <a:latin typeface="Courier New" pitchFamily="49" charset="0"/>
-                <a:cs typeface="Courier New" pitchFamily="49" charset="0"/>
-              </a:rPr>
-              <a:t> </a:t>
-            </a:r>
-            <a:endParaRPr lang="en-US" dirty="0" smtClean="0">
-              <a:solidFill>
-                <a:srgbClr val="FF33CC"/>
-              </a:solidFill>
-              <a:latin typeface="Courier New" pitchFamily="49" charset="0"/>
-              <a:cs typeface="Courier New" pitchFamily="49" charset="0"/>
-            </a:endParaRPr>
           </a:p>
           <a:p>
             <a:r>
@@ -12898,7 +12844,7 @@
               <a:t>"</a:t>
             </a:r>
             <a:r>
-              <a:rPr lang="en-US" dirty="0" err="1">
+              <a:rPr lang="en-US" dirty="0" err="1" smtClean="0">
                 <a:solidFill>
                   <a:srgbClr val="FF33CC"/>
                 </a:solidFill>
@@ -12918,14 +12864,51 @@
               <a:t>"</a:t>
             </a:r>
             <a:r>
+              <a:rPr lang="en-US" dirty="0" smtClean="0">
+                <a:latin typeface="Courier New" pitchFamily="49" charset="0"/>
+                <a:cs typeface="Courier New" pitchFamily="49" charset="0"/>
+              </a:rPr>
+              <a:t>: </a:t>
+            </a:r>
+            <a:r>
               <a:rPr lang="en-US" dirty="0">
                 <a:solidFill>
-                  <a:schemeClr val="bg1"/>
+                  <a:schemeClr val="accent1"/>
                 </a:solidFill>
                 <a:latin typeface="Courier New" pitchFamily="49" charset="0"/>
                 <a:cs typeface="Courier New" pitchFamily="49" charset="0"/>
               </a:rPr>
-              <a:t>:</a:t>
+              <a:t>12</a:t>
+            </a:r>
+            <a:r>
+              <a:rPr lang="en-US" dirty="0">
+                <a:latin typeface="Courier New" pitchFamily="49" charset="0"/>
+                <a:cs typeface="Courier New" pitchFamily="49" charset="0"/>
+              </a:rPr>
+              <a:t>, </a:t>
+            </a:r>
+            <a:endParaRPr lang="en-US" dirty="0" smtClean="0">
+              <a:latin typeface="Courier New" pitchFamily="49" charset="0"/>
+              <a:cs typeface="Courier New" pitchFamily="49" charset="0"/>
+            </a:endParaRPr>
+          </a:p>
+          <a:p>
+            <a:r>
+              <a:rPr lang="en-US" dirty="0" smtClean="0">
+                <a:solidFill>
+                  <a:srgbClr val="FF33CC"/>
+                </a:solidFill>
+                <a:latin typeface="Courier New" pitchFamily="49" charset="0"/>
+                <a:cs typeface="Courier New" pitchFamily="49" charset="0"/>
+              </a:rPr>
+              <a:t>”project"</a:t>
+            </a:r>
+            <a:r>
+              <a:rPr lang="en-US" dirty="0" smtClean="0">
+                <a:latin typeface="Courier New" pitchFamily="49" charset="0"/>
+                <a:cs typeface="Courier New" pitchFamily="49" charset="0"/>
+              </a:rPr>
+              <a:t>: </a:t>
             </a:r>
             <a:r>
               <a:rPr lang="en-US" dirty="0">
@@ -12935,27 +12918,36 @@
                 <a:latin typeface="Courier New" pitchFamily="49" charset="0"/>
                 <a:cs typeface="Courier New" pitchFamily="49" charset="0"/>
               </a:rPr>
-              <a:t> </a:t>
-            </a:r>
-            <a:r>
-              <a:rPr lang="en-US" dirty="0">
+              <a:t>"</a:t>
+            </a:r>
+            <a:r>
+              <a:rPr lang="en-US" dirty="0" smtClean="0">
                 <a:solidFill>
-                  <a:schemeClr val="accent1"/>
+                  <a:srgbClr val="FF33CC"/>
                 </a:solidFill>
                 <a:latin typeface="Courier New" pitchFamily="49" charset="0"/>
                 <a:cs typeface="Courier New" pitchFamily="49" charset="0"/>
               </a:rPr>
-              <a:t>4</a:t>
-            </a:r>
-            <a:r>
-              <a:rPr lang="en-US" dirty="0">
+              <a:t>XSEDE12-SAGA"</a:t>
+            </a:r>
+            <a:r>
+              <a:rPr lang="en-US" dirty="0" smtClean="0">
+                <a:latin typeface="Courier New" pitchFamily="49" charset="0"/>
+                <a:cs typeface="Courier New" pitchFamily="49" charset="0"/>
+              </a:rPr>
+              <a:t>, </a:t>
+            </a:r>
+          </a:p>
+          <a:p>
+            <a:r>
+              <a:rPr lang="en-US" dirty="0" smtClean="0">
                 <a:solidFill>
-                  <a:schemeClr val="bg1"/>
+                  <a:srgbClr val="FF33CC"/>
                 </a:solidFill>
                 <a:latin typeface="Courier New" pitchFamily="49" charset="0"/>
                 <a:cs typeface="Courier New" pitchFamily="49" charset="0"/>
               </a:rPr>
-              <a:t>,</a:t>
+              <a:t>"queue</a:t>
             </a:r>
             <a:r>
               <a:rPr lang="en-US" dirty="0">
@@ -12965,15 +12957,62 @@
                 <a:latin typeface="Courier New" pitchFamily="49" charset="0"/>
                 <a:cs typeface="Courier New" pitchFamily="49" charset="0"/>
               </a:rPr>
+              <a:t>"</a:t>
+            </a:r>
+            <a:r>
+              <a:rPr lang="en-US" dirty="0" smtClean="0">
+                <a:solidFill>
+                  <a:srgbClr val="FF33CC"/>
+                </a:solidFill>
+                <a:latin typeface="Courier New" pitchFamily="49" charset="0"/>
+                <a:cs typeface="Courier New" pitchFamily="49" charset="0"/>
+              </a:rPr>
               <a:t> </a:t>
             </a:r>
-            <a:endParaRPr lang="en-US" dirty="0" smtClean="0">
-              <a:solidFill>
-                <a:srgbClr val="FF33CC"/>
-              </a:solidFill>
-              <a:latin typeface="Courier New" pitchFamily="49" charset="0"/>
-              <a:cs typeface="Courier New" pitchFamily="49" charset="0"/>
-            </a:endParaRPr>
+            <a:r>
+              <a:rPr lang="en-US" dirty="0" smtClean="0">
+                <a:latin typeface="Courier New" pitchFamily="49" charset="0"/>
+                <a:cs typeface="Courier New" pitchFamily="49" charset="0"/>
+              </a:rPr>
+              <a:t>: </a:t>
+            </a:r>
+            <a:r>
+              <a:rPr lang="en-US" dirty="0">
+                <a:solidFill>
+                  <a:srgbClr val="FF33CC"/>
+                </a:solidFill>
+                <a:latin typeface="Courier New" pitchFamily="49" charset="0"/>
+                <a:cs typeface="Courier New" pitchFamily="49" charset="0"/>
+              </a:rPr>
+              <a:t>"</a:t>
+            </a:r>
+            <a:r>
+              <a:rPr lang="en-US" dirty="0" smtClean="0">
+                <a:solidFill>
+                  <a:srgbClr val="FF33CC"/>
+                </a:solidFill>
+                <a:latin typeface="Courier New" pitchFamily="49" charset="0"/>
+                <a:cs typeface="Courier New" pitchFamily="49" charset="0"/>
+              </a:rPr>
+              <a:t>development</a:t>
+            </a:r>
+            <a:r>
+              <a:rPr lang="en-US" dirty="0">
+                <a:solidFill>
+                  <a:srgbClr val="FF33CC"/>
+                </a:solidFill>
+                <a:latin typeface="Courier New" pitchFamily="49" charset="0"/>
+                <a:cs typeface="Courier New" pitchFamily="49" charset="0"/>
+              </a:rPr>
+              <a:t>"</a:t>
+            </a:r>
+            <a:r>
+              <a:rPr lang="en-US" dirty="0" smtClean="0">
+                <a:latin typeface="Courier New" pitchFamily="49" charset="0"/>
+                <a:cs typeface="Courier New" pitchFamily="49" charset="0"/>
+              </a:rPr>
+              <a:t>, </a:t>
+            </a:r>
           </a:p>
           <a:p>
             <a:r>
@@ -12987,24 +13026,14 @@
               <a:t>"</a:t>
             </a:r>
             <a:r>
-              <a:rPr lang="en-US" dirty="0">
+              <a:rPr lang="en-US" dirty="0" err="1" smtClean="0">
                 <a:solidFill>
                   <a:srgbClr val="FF33CC"/>
                 </a:solidFill>
                 <a:latin typeface="Courier New" pitchFamily="49" charset="0"/>
                 <a:cs typeface="Courier New" pitchFamily="49" charset="0"/>
               </a:rPr>
-              <a:t>spmd_variation"</a:t>
-            </a:r>
-            <a:r>
-              <a:rPr lang="en-US" dirty="0">
-                <a:solidFill>
-                  <a:schemeClr val="bg1"/>
-                </a:solidFill>
-                <a:latin typeface="Courier New" pitchFamily="49" charset="0"/>
-                <a:cs typeface="Courier New" pitchFamily="49" charset="0"/>
-              </a:rPr>
-              <a:t>:</a:t>
+              <a:t>working_directory</a:t>
             </a:r>
             <a:r>
               <a:rPr lang="en-US" dirty="0">
@@ -13017,14 +13046,35 @@
               <a:t>"</a:t>
             </a:r>
             <a:r>
+              <a:rPr lang="en-US" dirty="0" smtClean="0">
+                <a:latin typeface="Courier New" pitchFamily="49" charset="0"/>
+                <a:cs typeface="Courier New" pitchFamily="49" charset="0"/>
+              </a:rPr>
+              <a:t>: </a:t>
+            </a:r>
+            <a:r>
               <a:rPr lang="en-US" dirty="0" err="1">
+                <a:latin typeface="Courier New" pitchFamily="49" charset="0"/>
+                <a:cs typeface="Courier New" pitchFamily="49" charset="0"/>
+              </a:rPr>
+              <a:t>os.getenv</a:t>
+            </a:r>
+            <a:r>
+              <a:rPr lang="en-US" dirty="0" smtClean="0">
+                <a:latin typeface="Courier New" pitchFamily="49" charset="0"/>
+                <a:cs typeface="Courier New" pitchFamily="49" charset="0"/>
+              </a:rPr>
+              <a:t>( </a:t>
+            </a:r>
+            <a:r>
+              <a:rPr lang="en-US" dirty="0" smtClean="0">
                 <a:solidFill>
                   <a:srgbClr val="FF33CC"/>
                 </a:solidFill>
                 <a:latin typeface="Courier New" pitchFamily="49" charset="0"/>
                 <a:cs typeface="Courier New" pitchFamily="49" charset="0"/>
               </a:rPr>
-              <a:t>mpi</a:t>
+              <a:t>"HOME</a:t>
             </a:r>
             <a:r>
               <a:rPr lang="en-US" dirty="0">
@@ -13037,14 +13087,21 @@
               <a:t>"</a:t>
             </a:r>
             <a:r>
-              <a:rPr lang="en-US" dirty="0">
+              <a:rPr lang="en-US" dirty="0" smtClean="0">
+                <a:latin typeface="Courier New" pitchFamily="49" charset="0"/>
+                <a:cs typeface="Courier New" pitchFamily="49" charset="0"/>
+              </a:rPr>
+              <a:t>)+ </a:t>
+            </a:r>
+            <a:r>
+              <a:rPr lang="en-US" dirty="0" smtClean="0">
                 <a:solidFill>
-                  <a:schemeClr val="bg1"/>
+                  <a:srgbClr val="FF33CC"/>
                 </a:solidFill>
                 <a:latin typeface="Courier New" pitchFamily="49" charset="0"/>
                 <a:cs typeface="Courier New" pitchFamily="49" charset="0"/>
               </a:rPr>
-              <a:t>,</a:t>
+              <a:t>"/agent</a:t>
             </a:r>
             <a:r>
               <a:rPr lang="en-US" dirty="0">
@@ -13054,15 +13111,15 @@
                 <a:latin typeface="Courier New" pitchFamily="49" charset="0"/>
                 <a:cs typeface="Courier New" pitchFamily="49" charset="0"/>
               </a:rPr>
-              <a:t> </a:t>
-            </a:r>
-            <a:endParaRPr lang="en-US" dirty="0" smtClean="0">
-              <a:solidFill>
-                <a:srgbClr val="FF33CC"/>
-              </a:solidFill>
-              <a:latin typeface="Courier New" pitchFamily="49" charset="0"/>
-              <a:cs typeface="Courier New" pitchFamily="49" charset="0"/>
-            </a:endParaRPr>
+              <a:t>"</a:t>
+            </a:r>
+            <a:r>
+              <a:rPr lang="en-US" dirty="0" smtClean="0">
+                <a:latin typeface="Courier New" pitchFamily="49" charset="0"/>
+                <a:cs typeface="Courier New" pitchFamily="49" charset="0"/>
+              </a:rPr>
+              <a:t>, </a:t>
+            </a:r>
           </a:p>
           <a:p>
             <a:r>
@@ -13073,7 +13130,7 @@
                 <a:latin typeface="Courier New" pitchFamily="49" charset="0"/>
                 <a:cs typeface="Courier New" pitchFamily="49" charset="0"/>
               </a:rPr>
-              <a:t>"</a:t>
+              <a:t>"walltime</a:t>
             </a:r>
             <a:r>
               <a:rPr lang="en-US" dirty="0">
@@ -13083,103 +13140,38 @@
                 <a:latin typeface="Courier New" pitchFamily="49" charset="0"/>
                 <a:cs typeface="Courier New" pitchFamily="49" charset="0"/>
               </a:rPr>
-              <a:t>output"</a:t>
-            </a:r>
-            <a:r>
-              <a:rPr lang="en-US" dirty="0">
+              <a:t>"</a:t>
+            </a:r>
+            <a:r>
+              <a:rPr lang="en-US" dirty="0" smtClean="0">
+                <a:latin typeface="Courier New" pitchFamily="49" charset="0"/>
+                <a:cs typeface="Courier New" pitchFamily="49" charset="0"/>
+              </a:rPr>
+              <a:t>:</a:t>
+            </a:r>
+            <a:r>
+              <a:rPr lang="en-US" dirty="0" smtClean="0">
                 <a:solidFill>
-                  <a:schemeClr val="bg1"/>
+                  <a:schemeClr val="accent1"/>
                 </a:solidFill>
                 <a:latin typeface="Courier New" pitchFamily="49" charset="0"/>
                 <a:cs typeface="Courier New" pitchFamily="49" charset="0"/>
               </a:rPr>
-              <a:t>:</a:t>
-            </a:r>
-            <a:r>
-              <a:rPr lang="en-US" dirty="0">
-                <a:solidFill>
-                  <a:srgbClr val="FF33CC"/>
-                </a:solidFill>
-                <a:latin typeface="Courier New" pitchFamily="49" charset="0"/>
-                <a:cs typeface="Courier New" pitchFamily="49" charset="0"/>
-              </a:rPr>
-              <a:t> "stdout.txt"</a:t>
-            </a:r>
-            <a:r>
-              <a:rPr lang="en-US" dirty="0">
-                <a:solidFill>
-                  <a:schemeClr val="bg1"/>
-                </a:solidFill>
-                <a:latin typeface="Courier New" pitchFamily="49" charset="0"/>
-                <a:cs typeface="Courier New" pitchFamily="49" charset="0"/>
-              </a:rPr>
-              <a:t>,</a:t>
-            </a:r>
-            <a:r>
-              <a:rPr lang="en-US" dirty="0">
-                <a:solidFill>
-                  <a:srgbClr val="FF33CC"/>
-                </a:solidFill>
+              <a:t>10</a:t>
+            </a:r>
+            <a:r>
+              <a:rPr lang="en-US" dirty="0" smtClean="0">
                 <a:latin typeface="Courier New" pitchFamily="49" charset="0"/>
                 <a:cs typeface="Courier New" pitchFamily="49" charset="0"/>
               </a:rPr>
               <a:t> </a:t>
             </a:r>
-            <a:endParaRPr lang="en-US" dirty="0" smtClean="0">
-              <a:solidFill>
-                <a:srgbClr val="FF33CC"/>
-              </a:solidFill>
-              <a:latin typeface="Courier New" pitchFamily="49" charset="0"/>
-              <a:cs typeface="Courier New" pitchFamily="49" charset="0"/>
-            </a:endParaRPr>
-          </a:p>
-          <a:p>
-            <a:r>
-              <a:rPr lang="en-US" dirty="0" smtClean="0">
-                <a:solidFill>
-                  <a:srgbClr val="FF33CC"/>
-                </a:solidFill>
-                <a:latin typeface="Courier New" pitchFamily="49" charset="0"/>
-                <a:cs typeface="Courier New" pitchFamily="49" charset="0"/>
-              </a:rPr>
-              <a:t>"</a:t>
-            </a:r>
-            <a:r>
-              <a:rPr lang="en-US" dirty="0">
-                <a:solidFill>
-                  <a:srgbClr val="FF33CC"/>
-                </a:solidFill>
-                <a:latin typeface="Courier New" pitchFamily="49" charset="0"/>
-                <a:cs typeface="Courier New" pitchFamily="49" charset="0"/>
-              </a:rPr>
-              <a:t>error"</a:t>
-            </a:r>
-            <a:r>
-              <a:rPr lang="en-US" dirty="0">
-                <a:solidFill>
-                  <a:schemeClr val="bg1"/>
-                </a:solidFill>
-                <a:latin typeface="Courier New" pitchFamily="49" charset="0"/>
-                <a:cs typeface="Courier New" pitchFamily="49" charset="0"/>
-              </a:rPr>
-              <a:t>:</a:t>
-            </a:r>
-            <a:r>
-              <a:rPr lang="en-US" dirty="0">
-                <a:solidFill>
-                  <a:srgbClr val="FF33CC"/>
-                </a:solidFill>
-                <a:latin typeface="Courier New" pitchFamily="49" charset="0"/>
-                <a:cs typeface="Courier New" pitchFamily="49" charset="0"/>
-              </a:rPr>
-              <a:t> "stderr.txt"</a:t>
-            </a:r>
             <a:r>
               <a:rPr lang="en-US" dirty="0">
                 <a:latin typeface="Courier New" pitchFamily="49" charset="0"/>
                 <a:cs typeface="Courier New" pitchFamily="49" charset="0"/>
               </a:rPr>
-              <a:t> } </a:t>
+              <a:t>})</a:t>
             </a:r>
             <a:endParaRPr lang="en-US" b="1" dirty="0">
               <a:latin typeface="Courier New" pitchFamily="49" charset="0"/>
@@ -13377,26 +13369,1123 @@
     </p:spTree>
     <p:extLst>
       <p:ext uri="{BB962C8B-B14F-4D97-AF65-F5344CB8AC3E}">
-        <p14:creationId xmlns:p14="http://schemas.microsoft.com/office/powerpoint/2010/main" xmlns:p="http://schemas.openxmlformats.org/presentationml/2006/main" xmlns:r="http://schemas.openxmlformats.org/officeDocument/2006/relationships" xmlns:a="http://schemas.openxmlformats.org/drawingml/2006/main" xmlns="" val="2385870330"/>
+        <p14:creationId xmlns:p14="http://schemas.microsoft.com/office/powerpoint/2010/main" val="829288261"/>
       </p:ext>
     </p:extLst>
   </p:cSld>
   <p:clrMapOvr>
     <a:masterClrMapping/>
   </p:clrMapOvr>
-  <p:transition/>
+  <p:transition xmlns:p14="http://schemas.microsoft.com/office/powerpoint/2010/main"/>
   <p:timing>
     <p:tnLst>
       <p:par>
-        <p:cTn id="1" dur="indefinite" restart="never" nodeType="tmRoot"/>
+        <p:cTn xmlns:p14="http://schemas.microsoft.com/office/powerpoint/2010/main" id="1" dur="indefinite" restart="never" nodeType="tmRoot"/>
       </p:par>
     </p:tnLst>
   </p:timing>
 </p:sld>
 </file>
 
-<file path=ppt/slides/slide12.xml><?xml version="1.0" encoding="utf-8"?>
-<p:sld xmlns:a="http://schemas.openxmlformats.org/drawingml/2006/main" xmlns:r="http://schemas.openxmlformats.org/officeDocument/2006/relationships" xmlns:mc="http://schemas.openxmlformats.org/markup-compatibility/2006" xmlns:mv="urn:schemas-microsoft-com:mac:vml" xmlns:p="http://schemas.openxmlformats.org/presentationml/2006/main" mc:Ignorable="mv" mc:PreserveAttributes="mv:*">
+<file path=ppt/slides/slide13.xml><?xml version="1.0" encoding="utf-8"?>
+<p:sld xmlns:a="http://schemas.openxmlformats.org/drawingml/2006/main" xmlns:r="http://schemas.openxmlformats.org/officeDocument/2006/relationships" xmlns:p="http://schemas.openxmlformats.org/presentationml/2006/main">
+  <p:cSld>
+    <p:spTree>
+      <p:nvGrpSpPr>
+        <p:cNvPr id="1" name=""/>
+        <p:cNvGrpSpPr/>
+        <p:nvPr/>
+      </p:nvGrpSpPr>
+      <p:grpSpPr>
+        <a:xfrm>
+          <a:off x="0" y="0"/>
+          <a:ext cx="0" cy="0"/>
+          <a:chOff x="0" y="0"/>
+          <a:chExt cx="0" cy="0"/>
+        </a:xfrm>
+      </p:grpSpPr>
+      <p:sp>
+        <p:nvSpPr>
+          <p:cNvPr id="30722" name="Title 1"/>
+          <p:cNvSpPr>
+            <a:spLocks noGrp="1"/>
+          </p:cNvSpPr>
+          <p:nvPr>
+            <p:ph type="title"/>
+          </p:nvPr>
+        </p:nvSpPr>
+        <p:spPr/>
+        <p:txBody>
+          <a:bodyPr/>
+          <a:lstStyle/>
+          <a:p>
+            <a:r>
+              <a:rPr lang="en-US" sz="2800" dirty="0" smtClean="0">
+                <a:ea typeface="ＭＳ Ｐゴシック" pitchFamily="34" charset="-128"/>
+              </a:rPr>
+              <a:t>Compute Unit Description</a:t>
+            </a:r>
+          </a:p>
+        </p:txBody>
+      </p:sp>
+      <p:sp>
+        <p:nvSpPr>
+          <p:cNvPr id="5" name="Content Placeholder 4"/>
+          <p:cNvSpPr>
+            <a:spLocks noGrp="1"/>
+          </p:cNvSpPr>
+          <p:nvPr>
+            <p:ph idx="1"/>
+          </p:nvPr>
+        </p:nvSpPr>
+        <p:spPr>
+          <a:xfrm>
+            <a:off x="348808" y="1372414"/>
+            <a:ext cx="8229600" cy="5277767"/>
+          </a:xfrm>
+        </p:spPr>
+        <p:txBody>
+          <a:bodyPr/>
+          <a:lstStyle/>
+          <a:p>
+            <a:r>
+              <a:rPr lang="en-US" dirty="0" smtClean="0"/>
+              <a:t>CU Requirements (job description, </a:t>
+            </a:r>
+            <a:r>
+              <a:rPr lang="en-US" dirty="0" err="1" smtClean="0"/>
+              <a:t>etc</a:t>
+            </a:r>
+            <a:r>
+              <a:rPr lang="en-US" dirty="0" smtClean="0"/>
+              <a:t>):</a:t>
+            </a:r>
+          </a:p>
+          <a:p>
+            <a:pPr lvl="1"/>
+            <a:r>
+              <a:rPr lang="en-US" b="1" dirty="0" smtClean="0"/>
+              <a:t>executable: </a:t>
+            </a:r>
+            <a:r>
+              <a:rPr lang="en-US" dirty="0"/>
+              <a:t> </a:t>
+            </a:r>
+            <a:r>
+              <a:rPr lang="en-US" dirty="0" smtClean="0"/>
+              <a:t>The code or software that you are trying to run/execute</a:t>
+            </a:r>
+          </a:p>
+          <a:p>
+            <a:pPr lvl="1"/>
+            <a:r>
+              <a:rPr lang="en-US" b="1" dirty="0" smtClean="0"/>
+              <a:t>arguments: </a:t>
+            </a:r>
+            <a:r>
+              <a:rPr lang="en-US" dirty="0" smtClean="0"/>
+              <a:t> The list of arguments that will be passed to the executable (i.e. command line arguments)</a:t>
+            </a:r>
+          </a:p>
+          <a:p>
+            <a:pPr lvl="1"/>
+            <a:r>
+              <a:rPr lang="en-US" b="1" dirty="0" smtClean="0"/>
+              <a:t>environment: </a:t>
+            </a:r>
+            <a:r>
+              <a:rPr lang="en-US" dirty="0" smtClean="0"/>
+              <a:t>specifies the list of environment variables to be set for successful job execution</a:t>
+            </a:r>
+          </a:p>
+          <a:p>
+            <a:pPr lvl="1"/>
+            <a:r>
+              <a:rPr lang="en-US" b="1" dirty="0" err="1" smtClean="0"/>
+              <a:t>working_directory</a:t>
+            </a:r>
+            <a:r>
+              <a:rPr lang="en-US" b="1" dirty="0" smtClean="0"/>
+              <a:t>:  </a:t>
+            </a:r>
+            <a:r>
+              <a:rPr lang="en-US" dirty="0" smtClean="0"/>
+              <a:t>The directory in which the job has to execute. If left unspecified, the Pilot-Job creates a default directory</a:t>
+            </a:r>
+          </a:p>
+          <a:p>
+            <a:pPr lvl="1"/>
+            <a:r>
+              <a:rPr lang="en-US" b="1" dirty="0" err="1" smtClean="0"/>
+              <a:t>number_of_processes</a:t>
+            </a:r>
+            <a:r>
+              <a:rPr lang="en-US" b="1" dirty="0" smtClean="0"/>
+              <a:t>:  </a:t>
+            </a:r>
+            <a:r>
+              <a:rPr lang="en-US" dirty="0" smtClean="0"/>
+              <a:t>specifies the number of processes to be assigned for the job execution</a:t>
+            </a:r>
+          </a:p>
+          <a:p>
+            <a:pPr lvl="1"/>
+            <a:r>
+              <a:rPr lang="en-US" b="1" dirty="0" err="1" smtClean="0"/>
+              <a:t>spmd_variation</a:t>
+            </a:r>
+            <a:r>
+              <a:rPr lang="en-US" b="1" dirty="0" smtClean="0"/>
+              <a:t>: </a:t>
+            </a:r>
+            <a:r>
+              <a:rPr lang="en-US" dirty="0" smtClean="0"/>
+              <a:t>specifies the type of job. By default, it is single job.</a:t>
+            </a:r>
+          </a:p>
+          <a:p>
+            <a:pPr lvl="1"/>
+            <a:r>
+              <a:rPr lang="en-US" b="1" dirty="0" smtClean="0"/>
+              <a:t>output: </a:t>
+            </a:r>
+            <a:r>
+              <a:rPr lang="en-US" dirty="0" smtClean="0"/>
+              <a:t>The file in which the standard output of the job execution will be stored</a:t>
+            </a:r>
+          </a:p>
+          <a:p>
+            <a:pPr lvl="1"/>
+            <a:r>
+              <a:rPr lang="en-US" b="1" dirty="0" smtClean="0"/>
+              <a:t>error: </a:t>
+            </a:r>
+            <a:r>
+              <a:rPr lang="en-US" dirty="0" smtClean="0"/>
+              <a:t> The file in which the standard error of the job execution will be stored (will be a blank file if no errors)</a:t>
+            </a:r>
+          </a:p>
+          <a:p>
+            <a:pPr lvl="1"/>
+            <a:r>
+              <a:rPr lang="en-US" b="1" dirty="0" err="1" smtClean="0"/>
+              <a:t>file_transfers</a:t>
+            </a:r>
+            <a:r>
+              <a:rPr lang="en-US" b="1" dirty="0" smtClean="0"/>
+              <a:t>:  </a:t>
+            </a:r>
+            <a:r>
+              <a:rPr lang="en-US" dirty="0" smtClean="0"/>
+              <a:t>The files that need to be transferred in order to execute the job successfully.</a:t>
+            </a:r>
+            <a:endParaRPr lang="en-US" b="1" dirty="0" smtClean="0"/>
+          </a:p>
+          <a:p>
+            <a:pPr lvl="1"/>
+            <a:endParaRPr lang="en-US" b="1" dirty="0"/>
+          </a:p>
+        </p:txBody>
+      </p:sp>
+    </p:spTree>
+    <p:extLst>
+      <p:ext uri="{BB962C8B-B14F-4D97-AF65-F5344CB8AC3E}">
+        <p14:creationId xmlns:p14="http://schemas.microsoft.com/office/powerpoint/2010/main" val="3930915092"/>
+      </p:ext>
+    </p:extLst>
+  </p:cSld>
+  <p:clrMapOvr>
+    <a:masterClrMapping/>
+  </p:clrMapOvr>
+  <p:transition xmlns:p14="http://schemas.microsoft.com/office/powerpoint/2010/main"/>
+  <p:timing>
+    <p:tnLst>
+      <p:par>
+        <p:cTn xmlns:p14="http://schemas.microsoft.com/office/powerpoint/2010/main" id="1" dur="indefinite" restart="never" nodeType="tmRoot"/>
+      </p:par>
+    </p:tnLst>
+  </p:timing>
+</p:sld>
+</file>
+
+<file path=ppt/slides/slide14.xml><?xml version="1.0" encoding="utf-8"?>
+<p:sld xmlns:a="http://schemas.openxmlformats.org/drawingml/2006/main" xmlns:r="http://schemas.openxmlformats.org/officeDocument/2006/relationships" xmlns:p="http://schemas.openxmlformats.org/presentationml/2006/main">
+  <p:cSld>
+    <p:spTree>
+      <p:nvGrpSpPr>
+        <p:cNvPr id="1" name=""/>
+        <p:cNvGrpSpPr/>
+        <p:nvPr/>
+      </p:nvGrpSpPr>
+      <p:grpSpPr>
+        <a:xfrm>
+          <a:off x="0" y="0"/>
+          <a:ext cx="0" cy="0"/>
+          <a:chOff x="0" y="0"/>
+          <a:chExt cx="0" cy="0"/>
+        </a:xfrm>
+      </p:grpSpPr>
+      <p:sp>
+        <p:nvSpPr>
+          <p:cNvPr id="30722" name="Title 1"/>
+          <p:cNvSpPr>
+            <a:spLocks noGrp="1"/>
+          </p:cNvSpPr>
+          <p:nvPr>
+            <p:ph type="title"/>
+          </p:nvPr>
+        </p:nvSpPr>
+        <p:spPr/>
+        <p:txBody>
+          <a:bodyPr/>
+          <a:lstStyle/>
+          <a:p>
+            <a:r>
+              <a:rPr lang="en-US" sz="2800" dirty="0" smtClean="0">
+                <a:ea typeface="ＭＳ Ｐゴシック" pitchFamily="34" charset="-128"/>
+              </a:rPr>
+              <a:t>Compute Unit Description Code</a:t>
+            </a:r>
+          </a:p>
+        </p:txBody>
+      </p:sp>
+      <p:sp>
+        <p:nvSpPr>
+          <p:cNvPr id="10" name="Rectangle 9"/>
+          <p:cNvSpPr/>
+          <p:nvPr/>
+        </p:nvSpPr>
+        <p:spPr>
+          <a:xfrm>
+            <a:off x="215153" y="2161309"/>
+            <a:ext cx="8695764" cy="2078181"/>
+          </a:xfrm>
+          <a:prstGeom prst="rect">
+            <a:avLst/>
+          </a:prstGeom>
+          <a:solidFill>
+            <a:schemeClr val="tx1"/>
+          </a:solidFill>
+        </p:spPr>
+        <p:style>
+          <a:lnRef idx="1">
+            <a:schemeClr val="dk1"/>
+          </a:lnRef>
+          <a:fillRef idx="3">
+            <a:schemeClr val="dk1"/>
+          </a:fillRef>
+          <a:effectRef idx="2">
+            <a:schemeClr val="dk1"/>
+          </a:effectRef>
+          <a:fontRef idx="minor">
+            <a:schemeClr val="lt1"/>
+          </a:fontRef>
+        </p:style>
+        <p:txBody>
+          <a:bodyPr rtlCol="0" anchor="ctr"/>
+          <a:lstStyle/>
+          <a:p>
+            <a:r>
+              <a:rPr lang="en-US" dirty="0" err="1">
+                <a:latin typeface="Courier New" pitchFamily="49" charset="0"/>
+                <a:cs typeface="Courier New" pitchFamily="49" charset="0"/>
+              </a:rPr>
+              <a:t>compute_unit_description</a:t>
+            </a:r>
+            <a:r>
+              <a:rPr lang="en-US" dirty="0">
+                <a:latin typeface="Courier New" pitchFamily="49" charset="0"/>
+                <a:cs typeface="Courier New" pitchFamily="49" charset="0"/>
+              </a:rPr>
+              <a:t> = { </a:t>
+            </a:r>
+            <a:r>
+              <a:rPr lang="en-US" dirty="0">
+                <a:solidFill>
+                  <a:srgbClr val="FF33CC"/>
+                </a:solidFill>
+                <a:latin typeface="Courier New" pitchFamily="49" charset="0"/>
+                <a:cs typeface="Courier New" pitchFamily="49" charset="0"/>
+              </a:rPr>
+              <a:t>"executable"</a:t>
+            </a:r>
+            <a:r>
+              <a:rPr lang="en-US" dirty="0">
+                <a:solidFill>
+                  <a:schemeClr val="bg1"/>
+                </a:solidFill>
+                <a:latin typeface="Courier New" pitchFamily="49" charset="0"/>
+                <a:cs typeface="Courier New" pitchFamily="49" charset="0"/>
+              </a:rPr>
+              <a:t>:</a:t>
+            </a:r>
+            <a:r>
+              <a:rPr lang="en-US" dirty="0">
+                <a:solidFill>
+                  <a:srgbClr val="FF33CC"/>
+                </a:solidFill>
+                <a:latin typeface="Courier New" pitchFamily="49" charset="0"/>
+                <a:cs typeface="Courier New" pitchFamily="49" charset="0"/>
+              </a:rPr>
+              <a:t> "/bin/echo"</a:t>
+            </a:r>
+            <a:r>
+              <a:rPr lang="en-US" dirty="0">
+                <a:solidFill>
+                  <a:schemeClr val="bg1"/>
+                </a:solidFill>
+                <a:latin typeface="Courier New" pitchFamily="49" charset="0"/>
+                <a:cs typeface="Courier New" pitchFamily="49" charset="0"/>
+              </a:rPr>
+              <a:t>,</a:t>
+            </a:r>
+            <a:r>
+              <a:rPr lang="en-US" dirty="0">
+                <a:solidFill>
+                  <a:srgbClr val="FF33CC"/>
+                </a:solidFill>
+                <a:latin typeface="Courier New" pitchFamily="49" charset="0"/>
+                <a:cs typeface="Courier New" pitchFamily="49" charset="0"/>
+              </a:rPr>
+              <a:t> </a:t>
+            </a:r>
+            <a:endParaRPr lang="en-US" dirty="0" smtClean="0">
+              <a:solidFill>
+                <a:srgbClr val="FF33CC"/>
+              </a:solidFill>
+              <a:latin typeface="Courier New" pitchFamily="49" charset="0"/>
+              <a:cs typeface="Courier New" pitchFamily="49" charset="0"/>
+            </a:endParaRPr>
+          </a:p>
+          <a:p>
+            <a:r>
+              <a:rPr lang="en-US" dirty="0" smtClean="0">
+                <a:solidFill>
+                  <a:srgbClr val="FF33CC"/>
+                </a:solidFill>
+                <a:latin typeface="Courier New" pitchFamily="49" charset="0"/>
+                <a:cs typeface="Courier New" pitchFamily="49" charset="0"/>
+              </a:rPr>
+              <a:t>"</a:t>
+            </a:r>
+            <a:r>
+              <a:rPr lang="en-US" dirty="0">
+                <a:solidFill>
+                  <a:srgbClr val="FF33CC"/>
+                </a:solidFill>
+                <a:latin typeface="Courier New" pitchFamily="49" charset="0"/>
+                <a:cs typeface="Courier New" pitchFamily="49" charset="0"/>
+              </a:rPr>
+              <a:t>arguments"</a:t>
+            </a:r>
+            <a:r>
+              <a:rPr lang="en-US" dirty="0">
+                <a:solidFill>
+                  <a:schemeClr val="bg1"/>
+                </a:solidFill>
+                <a:latin typeface="Courier New" pitchFamily="49" charset="0"/>
+                <a:cs typeface="Courier New" pitchFamily="49" charset="0"/>
+              </a:rPr>
+              <a:t>: [</a:t>
+            </a:r>
+            <a:r>
+              <a:rPr lang="en-US" dirty="0">
+                <a:solidFill>
+                  <a:srgbClr val="FF33CC"/>
+                </a:solidFill>
+                <a:latin typeface="Courier New" pitchFamily="49" charset="0"/>
+                <a:cs typeface="Courier New" pitchFamily="49" charset="0"/>
+              </a:rPr>
+              <a:t>"Hello"</a:t>
+            </a:r>
+            <a:r>
+              <a:rPr lang="en-US" dirty="0">
+                <a:solidFill>
+                  <a:schemeClr val="bg1"/>
+                </a:solidFill>
+                <a:latin typeface="Courier New" pitchFamily="49" charset="0"/>
+                <a:cs typeface="Courier New" pitchFamily="49" charset="0"/>
+              </a:rPr>
+              <a:t>,</a:t>
+            </a:r>
+            <a:r>
+              <a:rPr lang="en-US" dirty="0">
+                <a:solidFill>
+                  <a:srgbClr val="FF33CC"/>
+                </a:solidFill>
+                <a:latin typeface="Courier New" pitchFamily="49" charset="0"/>
+                <a:cs typeface="Courier New" pitchFamily="49" charset="0"/>
+              </a:rPr>
+              <a:t>"$ENV1"</a:t>
+            </a:r>
+            <a:r>
+              <a:rPr lang="en-US" dirty="0">
+                <a:solidFill>
+                  <a:schemeClr val="bg1"/>
+                </a:solidFill>
+                <a:latin typeface="Courier New" pitchFamily="49" charset="0"/>
+                <a:cs typeface="Courier New" pitchFamily="49" charset="0"/>
+              </a:rPr>
+              <a:t>,</a:t>
+            </a:r>
+            <a:r>
+              <a:rPr lang="en-US" dirty="0">
+                <a:solidFill>
+                  <a:srgbClr val="FF33CC"/>
+                </a:solidFill>
+                <a:latin typeface="Courier New" pitchFamily="49" charset="0"/>
+                <a:cs typeface="Courier New" pitchFamily="49" charset="0"/>
+              </a:rPr>
+              <a:t>"$ENV2"</a:t>
+            </a:r>
+            <a:r>
+              <a:rPr lang="en-US" dirty="0">
+                <a:solidFill>
+                  <a:schemeClr val="bg1"/>
+                </a:solidFill>
+                <a:latin typeface="Courier New" pitchFamily="49" charset="0"/>
+                <a:cs typeface="Courier New" pitchFamily="49" charset="0"/>
+              </a:rPr>
+              <a:t>],</a:t>
+            </a:r>
+            <a:r>
+              <a:rPr lang="en-US" dirty="0">
+                <a:solidFill>
+                  <a:srgbClr val="FF33CC"/>
+                </a:solidFill>
+                <a:latin typeface="Courier New" pitchFamily="49" charset="0"/>
+                <a:cs typeface="Courier New" pitchFamily="49" charset="0"/>
+              </a:rPr>
+              <a:t> </a:t>
+            </a:r>
+            <a:endParaRPr lang="en-US" dirty="0" smtClean="0">
+              <a:solidFill>
+                <a:srgbClr val="FF33CC"/>
+              </a:solidFill>
+              <a:latin typeface="Courier New" pitchFamily="49" charset="0"/>
+              <a:cs typeface="Courier New" pitchFamily="49" charset="0"/>
+            </a:endParaRPr>
+          </a:p>
+          <a:p>
+            <a:r>
+              <a:rPr lang="en-US" dirty="0" smtClean="0">
+                <a:solidFill>
+                  <a:srgbClr val="FF33CC"/>
+                </a:solidFill>
+                <a:latin typeface="Courier New" pitchFamily="49" charset="0"/>
+                <a:cs typeface="Courier New" pitchFamily="49" charset="0"/>
+              </a:rPr>
+              <a:t>"</a:t>
+            </a:r>
+            <a:r>
+              <a:rPr lang="en-US" dirty="0">
+                <a:solidFill>
+                  <a:srgbClr val="FF33CC"/>
+                </a:solidFill>
+                <a:latin typeface="Courier New" pitchFamily="49" charset="0"/>
+                <a:cs typeface="Courier New" pitchFamily="49" charset="0"/>
+              </a:rPr>
+              <a:t>environment"</a:t>
+            </a:r>
+            <a:r>
+              <a:rPr lang="en-US" dirty="0">
+                <a:solidFill>
+                  <a:schemeClr val="bg1"/>
+                </a:solidFill>
+                <a:latin typeface="Courier New" pitchFamily="49" charset="0"/>
+                <a:cs typeface="Courier New" pitchFamily="49" charset="0"/>
+              </a:rPr>
+              <a:t>:</a:t>
+            </a:r>
+            <a:r>
+              <a:rPr lang="en-US" dirty="0">
+                <a:solidFill>
+                  <a:srgbClr val="FF33CC"/>
+                </a:solidFill>
+                <a:latin typeface="Courier New" pitchFamily="49" charset="0"/>
+                <a:cs typeface="Courier New" pitchFamily="49" charset="0"/>
+              </a:rPr>
+              <a:t> </a:t>
+            </a:r>
+            <a:r>
+              <a:rPr lang="en-US" dirty="0">
+                <a:solidFill>
+                  <a:schemeClr val="bg1"/>
+                </a:solidFill>
+                <a:latin typeface="Courier New" pitchFamily="49" charset="0"/>
+                <a:cs typeface="Courier New" pitchFamily="49" charset="0"/>
+              </a:rPr>
+              <a:t>[</a:t>
+            </a:r>
+            <a:r>
+              <a:rPr lang="en-US" dirty="0">
+                <a:solidFill>
+                  <a:srgbClr val="FF33CC"/>
+                </a:solidFill>
+                <a:latin typeface="Courier New" pitchFamily="49" charset="0"/>
+                <a:cs typeface="Courier New" pitchFamily="49" charset="0"/>
+              </a:rPr>
+              <a:t>'ENV1=env_arg1'</a:t>
+            </a:r>
+            <a:r>
+              <a:rPr lang="en-US" dirty="0">
+                <a:solidFill>
+                  <a:schemeClr val="bg1"/>
+                </a:solidFill>
+                <a:latin typeface="Courier New" pitchFamily="49" charset="0"/>
+                <a:cs typeface="Courier New" pitchFamily="49" charset="0"/>
+              </a:rPr>
+              <a:t>,</a:t>
+            </a:r>
+            <a:r>
+              <a:rPr lang="en-US" dirty="0">
+                <a:solidFill>
+                  <a:srgbClr val="FF33CC"/>
+                </a:solidFill>
+                <a:latin typeface="Courier New" pitchFamily="49" charset="0"/>
+                <a:cs typeface="Courier New" pitchFamily="49" charset="0"/>
+              </a:rPr>
+              <a:t>'ENV2=env_arg2'</a:t>
+            </a:r>
+            <a:r>
+              <a:rPr lang="en-US" dirty="0">
+                <a:solidFill>
+                  <a:schemeClr val="bg1"/>
+                </a:solidFill>
+                <a:latin typeface="Courier New" pitchFamily="49" charset="0"/>
+                <a:cs typeface="Courier New" pitchFamily="49" charset="0"/>
+              </a:rPr>
+              <a:t>],</a:t>
+            </a:r>
+            <a:r>
+              <a:rPr lang="en-US" dirty="0">
+                <a:solidFill>
+                  <a:srgbClr val="FF33CC"/>
+                </a:solidFill>
+                <a:latin typeface="Courier New" pitchFamily="49" charset="0"/>
+                <a:cs typeface="Courier New" pitchFamily="49" charset="0"/>
+              </a:rPr>
+              <a:t> </a:t>
+            </a:r>
+            <a:endParaRPr lang="en-US" dirty="0" smtClean="0">
+              <a:solidFill>
+                <a:srgbClr val="FF33CC"/>
+              </a:solidFill>
+              <a:latin typeface="Courier New" pitchFamily="49" charset="0"/>
+              <a:cs typeface="Courier New" pitchFamily="49" charset="0"/>
+            </a:endParaRPr>
+          </a:p>
+          <a:p>
+            <a:r>
+              <a:rPr lang="en-US" dirty="0" smtClean="0">
+                <a:solidFill>
+                  <a:srgbClr val="FF33CC"/>
+                </a:solidFill>
+                <a:latin typeface="Courier New" pitchFamily="49" charset="0"/>
+                <a:cs typeface="Courier New" pitchFamily="49" charset="0"/>
+              </a:rPr>
+              <a:t>"</a:t>
+            </a:r>
+            <a:r>
+              <a:rPr lang="en-US" dirty="0" err="1">
+                <a:solidFill>
+                  <a:srgbClr val="FF33CC"/>
+                </a:solidFill>
+                <a:latin typeface="Courier New" pitchFamily="49" charset="0"/>
+                <a:cs typeface="Courier New" pitchFamily="49" charset="0"/>
+              </a:rPr>
+              <a:t>number_of_processes</a:t>
+            </a:r>
+            <a:r>
+              <a:rPr lang="en-US" dirty="0">
+                <a:solidFill>
+                  <a:srgbClr val="FF33CC"/>
+                </a:solidFill>
+                <a:latin typeface="Courier New" pitchFamily="49" charset="0"/>
+                <a:cs typeface="Courier New" pitchFamily="49" charset="0"/>
+              </a:rPr>
+              <a:t>"</a:t>
+            </a:r>
+            <a:r>
+              <a:rPr lang="en-US" dirty="0">
+                <a:solidFill>
+                  <a:schemeClr val="bg1"/>
+                </a:solidFill>
+                <a:latin typeface="Courier New" pitchFamily="49" charset="0"/>
+                <a:cs typeface="Courier New" pitchFamily="49" charset="0"/>
+              </a:rPr>
+              <a:t>:</a:t>
+            </a:r>
+            <a:r>
+              <a:rPr lang="en-US" dirty="0">
+                <a:solidFill>
+                  <a:srgbClr val="FF33CC"/>
+                </a:solidFill>
+                <a:latin typeface="Courier New" pitchFamily="49" charset="0"/>
+                <a:cs typeface="Courier New" pitchFamily="49" charset="0"/>
+              </a:rPr>
+              <a:t> </a:t>
+            </a:r>
+            <a:r>
+              <a:rPr lang="en-US" dirty="0">
+                <a:solidFill>
+                  <a:schemeClr val="accent1"/>
+                </a:solidFill>
+                <a:latin typeface="Courier New" pitchFamily="49" charset="0"/>
+                <a:cs typeface="Courier New" pitchFamily="49" charset="0"/>
+              </a:rPr>
+              <a:t>4</a:t>
+            </a:r>
+            <a:r>
+              <a:rPr lang="en-US" dirty="0">
+                <a:solidFill>
+                  <a:schemeClr val="bg1"/>
+                </a:solidFill>
+                <a:latin typeface="Courier New" pitchFamily="49" charset="0"/>
+                <a:cs typeface="Courier New" pitchFamily="49" charset="0"/>
+              </a:rPr>
+              <a:t>,</a:t>
+            </a:r>
+            <a:r>
+              <a:rPr lang="en-US" dirty="0">
+                <a:solidFill>
+                  <a:srgbClr val="FF33CC"/>
+                </a:solidFill>
+                <a:latin typeface="Courier New" pitchFamily="49" charset="0"/>
+                <a:cs typeface="Courier New" pitchFamily="49" charset="0"/>
+              </a:rPr>
+              <a:t> </a:t>
+            </a:r>
+            <a:endParaRPr lang="en-US" dirty="0" smtClean="0">
+              <a:solidFill>
+                <a:srgbClr val="FF33CC"/>
+              </a:solidFill>
+              <a:latin typeface="Courier New" pitchFamily="49" charset="0"/>
+              <a:cs typeface="Courier New" pitchFamily="49" charset="0"/>
+            </a:endParaRPr>
+          </a:p>
+          <a:p>
+            <a:r>
+              <a:rPr lang="en-US" dirty="0" smtClean="0">
+                <a:solidFill>
+                  <a:srgbClr val="FF33CC"/>
+                </a:solidFill>
+                <a:latin typeface="Courier New" pitchFamily="49" charset="0"/>
+                <a:cs typeface="Courier New" pitchFamily="49" charset="0"/>
+              </a:rPr>
+              <a:t>"</a:t>
+            </a:r>
+            <a:r>
+              <a:rPr lang="en-US" dirty="0">
+                <a:solidFill>
+                  <a:srgbClr val="FF33CC"/>
+                </a:solidFill>
+                <a:latin typeface="Courier New" pitchFamily="49" charset="0"/>
+                <a:cs typeface="Courier New" pitchFamily="49" charset="0"/>
+              </a:rPr>
+              <a:t>spmd_variation"</a:t>
+            </a:r>
+            <a:r>
+              <a:rPr lang="en-US" dirty="0">
+                <a:solidFill>
+                  <a:schemeClr val="bg1"/>
+                </a:solidFill>
+                <a:latin typeface="Courier New" pitchFamily="49" charset="0"/>
+                <a:cs typeface="Courier New" pitchFamily="49" charset="0"/>
+              </a:rPr>
+              <a:t>:</a:t>
+            </a:r>
+            <a:r>
+              <a:rPr lang="en-US" dirty="0">
+                <a:solidFill>
+                  <a:srgbClr val="FF33CC"/>
+                </a:solidFill>
+                <a:latin typeface="Courier New" pitchFamily="49" charset="0"/>
+                <a:cs typeface="Courier New" pitchFamily="49" charset="0"/>
+              </a:rPr>
+              <a:t>"</a:t>
+            </a:r>
+            <a:r>
+              <a:rPr lang="en-US" dirty="0" err="1">
+                <a:solidFill>
+                  <a:srgbClr val="FF33CC"/>
+                </a:solidFill>
+                <a:latin typeface="Courier New" pitchFamily="49" charset="0"/>
+                <a:cs typeface="Courier New" pitchFamily="49" charset="0"/>
+              </a:rPr>
+              <a:t>mpi</a:t>
+            </a:r>
+            <a:r>
+              <a:rPr lang="en-US" dirty="0">
+                <a:solidFill>
+                  <a:srgbClr val="FF33CC"/>
+                </a:solidFill>
+                <a:latin typeface="Courier New" pitchFamily="49" charset="0"/>
+                <a:cs typeface="Courier New" pitchFamily="49" charset="0"/>
+              </a:rPr>
+              <a:t>"</a:t>
+            </a:r>
+            <a:r>
+              <a:rPr lang="en-US" dirty="0">
+                <a:solidFill>
+                  <a:schemeClr val="bg1"/>
+                </a:solidFill>
+                <a:latin typeface="Courier New" pitchFamily="49" charset="0"/>
+                <a:cs typeface="Courier New" pitchFamily="49" charset="0"/>
+              </a:rPr>
+              <a:t>,</a:t>
+            </a:r>
+            <a:r>
+              <a:rPr lang="en-US" dirty="0">
+                <a:solidFill>
+                  <a:srgbClr val="FF33CC"/>
+                </a:solidFill>
+                <a:latin typeface="Courier New" pitchFamily="49" charset="0"/>
+                <a:cs typeface="Courier New" pitchFamily="49" charset="0"/>
+              </a:rPr>
+              <a:t> </a:t>
+            </a:r>
+            <a:endParaRPr lang="en-US" dirty="0" smtClean="0">
+              <a:solidFill>
+                <a:srgbClr val="FF33CC"/>
+              </a:solidFill>
+              <a:latin typeface="Courier New" pitchFamily="49" charset="0"/>
+              <a:cs typeface="Courier New" pitchFamily="49" charset="0"/>
+            </a:endParaRPr>
+          </a:p>
+          <a:p>
+            <a:r>
+              <a:rPr lang="en-US" dirty="0" smtClean="0">
+                <a:solidFill>
+                  <a:srgbClr val="FF33CC"/>
+                </a:solidFill>
+                <a:latin typeface="Courier New" pitchFamily="49" charset="0"/>
+                <a:cs typeface="Courier New" pitchFamily="49" charset="0"/>
+              </a:rPr>
+              <a:t>"</a:t>
+            </a:r>
+            <a:r>
+              <a:rPr lang="en-US" dirty="0">
+                <a:solidFill>
+                  <a:srgbClr val="FF33CC"/>
+                </a:solidFill>
+                <a:latin typeface="Courier New" pitchFamily="49" charset="0"/>
+                <a:cs typeface="Courier New" pitchFamily="49" charset="0"/>
+              </a:rPr>
+              <a:t>output"</a:t>
+            </a:r>
+            <a:r>
+              <a:rPr lang="en-US" dirty="0">
+                <a:solidFill>
+                  <a:schemeClr val="bg1"/>
+                </a:solidFill>
+                <a:latin typeface="Courier New" pitchFamily="49" charset="0"/>
+                <a:cs typeface="Courier New" pitchFamily="49" charset="0"/>
+              </a:rPr>
+              <a:t>:</a:t>
+            </a:r>
+            <a:r>
+              <a:rPr lang="en-US" dirty="0">
+                <a:solidFill>
+                  <a:srgbClr val="FF33CC"/>
+                </a:solidFill>
+                <a:latin typeface="Courier New" pitchFamily="49" charset="0"/>
+                <a:cs typeface="Courier New" pitchFamily="49" charset="0"/>
+              </a:rPr>
+              <a:t> "stdout.txt"</a:t>
+            </a:r>
+            <a:r>
+              <a:rPr lang="en-US" dirty="0">
+                <a:solidFill>
+                  <a:schemeClr val="bg1"/>
+                </a:solidFill>
+                <a:latin typeface="Courier New" pitchFamily="49" charset="0"/>
+                <a:cs typeface="Courier New" pitchFamily="49" charset="0"/>
+              </a:rPr>
+              <a:t>,</a:t>
+            </a:r>
+            <a:r>
+              <a:rPr lang="en-US" dirty="0">
+                <a:solidFill>
+                  <a:srgbClr val="FF33CC"/>
+                </a:solidFill>
+                <a:latin typeface="Courier New" pitchFamily="49" charset="0"/>
+                <a:cs typeface="Courier New" pitchFamily="49" charset="0"/>
+              </a:rPr>
+              <a:t> </a:t>
+            </a:r>
+            <a:endParaRPr lang="en-US" dirty="0" smtClean="0">
+              <a:solidFill>
+                <a:srgbClr val="FF33CC"/>
+              </a:solidFill>
+              <a:latin typeface="Courier New" pitchFamily="49" charset="0"/>
+              <a:cs typeface="Courier New" pitchFamily="49" charset="0"/>
+            </a:endParaRPr>
+          </a:p>
+          <a:p>
+            <a:r>
+              <a:rPr lang="en-US" dirty="0" smtClean="0">
+                <a:solidFill>
+                  <a:srgbClr val="FF33CC"/>
+                </a:solidFill>
+                <a:latin typeface="Courier New" pitchFamily="49" charset="0"/>
+                <a:cs typeface="Courier New" pitchFamily="49" charset="0"/>
+              </a:rPr>
+              <a:t>"</a:t>
+            </a:r>
+            <a:r>
+              <a:rPr lang="en-US" dirty="0">
+                <a:solidFill>
+                  <a:srgbClr val="FF33CC"/>
+                </a:solidFill>
+                <a:latin typeface="Courier New" pitchFamily="49" charset="0"/>
+                <a:cs typeface="Courier New" pitchFamily="49" charset="0"/>
+              </a:rPr>
+              <a:t>error"</a:t>
+            </a:r>
+            <a:r>
+              <a:rPr lang="en-US" dirty="0">
+                <a:solidFill>
+                  <a:schemeClr val="bg1"/>
+                </a:solidFill>
+                <a:latin typeface="Courier New" pitchFamily="49" charset="0"/>
+                <a:cs typeface="Courier New" pitchFamily="49" charset="0"/>
+              </a:rPr>
+              <a:t>:</a:t>
+            </a:r>
+            <a:r>
+              <a:rPr lang="en-US" dirty="0">
+                <a:solidFill>
+                  <a:srgbClr val="FF33CC"/>
+                </a:solidFill>
+                <a:latin typeface="Courier New" pitchFamily="49" charset="0"/>
+                <a:cs typeface="Courier New" pitchFamily="49" charset="0"/>
+              </a:rPr>
+              <a:t> "stderr.txt"</a:t>
+            </a:r>
+            <a:r>
+              <a:rPr lang="en-US" dirty="0">
+                <a:latin typeface="Courier New" pitchFamily="49" charset="0"/>
+                <a:cs typeface="Courier New" pitchFamily="49" charset="0"/>
+              </a:rPr>
+              <a:t> } </a:t>
+            </a:r>
+            <a:endParaRPr lang="en-US" b="1" dirty="0">
+              <a:latin typeface="Courier New" pitchFamily="49" charset="0"/>
+              <a:cs typeface="Courier New" pitchFamily="49" charset="0"/>
+            </a:endParaRPr>
+          </a:p>
+        </p:txBody>
+      </p:sp>
+      <p:sp>
+        <p:nvSpPr>
+          <p:cNvPr id="12" name="Content Placeholder 4"/>
+          <p:cNvSpPr txBox="1">
+            <a:spLocks/>
+          </p:cNvSpPr>
+          <p:nvPr/>
+        </p:nvSpPr>
+        <p:spPr bwMode="auto">
+          <a:xfrm>
+            <a:off x="645458" y="1568824"/>
+            <a:ext cx="8229600" cy="592486"/>
+          </a:xfrm>
+          <a:prstGeom prst="rect">
+            <a:avLst/>
+          </a:prstGeom>
+          <a:noFill/>
+          <a:ln w="9525">
+            <a:noFill/>
+            <a:miter lim="800000"/>
+            <a:headEnd/>
+            <a:tailEnd/>
+          </a:ln>
+        </p:spPr>
+        <p:txBody>
+          <a:bodyPr vert="horz" wrap="square" lIns="91440" tIns="45720" rIns="91440" bIns="45720" numCol="1" anchor="t" anchorCtr="0" compatLnSpc="1">
+            <a:prstTxWarp prst="textNoShape">
+              <a:avLst/>
+            </a:prstTxWarp>
+          </a:bodyPr>
+          <a:lstStyle>
+            <a:lvl1pPr marL="342900" indent="-342900" algn="l" rtl="0" eaLnBrk="0" fontAlgn="base" hangingPunct="0">
+              <a:spcBef>
+                <a:spcPct val="20000"/>
+              </a:spcBef>
+              <a:spcAft>
+                <a:spcPct val="0"/>
+              </a:spcAft>
+              <a:buChar char="•"/>
+              <a:defRPr sz="2200">
+                <a:solidFill>
+                  <a:srgbClr val="5F5F5F"/>
+                </a:solidFill>
+                <a:latin typeface="+mn-lt"/>
+                <a:ea typeface="ＭＳ Ｐゴシック" charset="-128"/>
+                <a:cs typeface="ＭＳ Ｐゴシック" charset="-128"/>
+              </a:defRPr>
+            </a:lvl1pPr>
+            <a:lvl2pPr marL="742950" indent="-285750" algn="l" rtl="0" eaLnBrk="0" fontAlgn="base" hangingPunct="0">
+              <a:spcBef>
+                <a:spcPct val="20000"/>
+              </a:spcBef>
+              <a:spcAft>
+                <a:spcPct val="0"/>
+              </a:spcAft>
+              <a:buChar char="–"/>
+              <a:defRPr>
+                <a:solidFill>
+                  <a:srgbClr val="5F5F5F"/>
+                </a:solidFill>
+                <a:latin typeface="+mn-lt"/>
+                <a:ea typeface="ＭＳ Ｐゴシック" charset="-128"/>
+              </a:defRPr>
+            </a:lvl2pPr>
+            <a:lvl3pPr marL="1143000" indent="-228600" algn="l" rtl="0" eaLnBrk="0" fontAlgn="base" hangingPunct="0">
+              <a:spcBef>
+                <a:spcPct val="20000"/>
+              </a:spcBef>
+              <a:spcAft>
+                <a:spcPct val="0"/>
+              </a:spcAft>
+              <a:buChar char="•"/>
+              <a:defRPr sz="1600">
+                <a:solidFill>
+                  <a:srgbClr val="5F5F5F"/>
+                </a:solidFill>
+                <a:latin typeface="+mn-lt"/>
+                <a:ea typeface="ＭＳ Ｐゴシック" charset="-128"/>
+              </a:defRPr>
+            </a:lvl3pPr>
+            <a:lvl4pPr marL="1600200" indent="-228600" algn="l" rtl="0" eaLnBrk="0" fontAlgn="base" hangingPunct="0">
+              <a:spcBef>
+                <a:spcPct val="20000"/>
+              </a:spcBef>
+              <a:spcAft>
+                <a:spcPct val="0"/>
+              </a:spcAft>
+              <a:buChar char="–"/>
+              <a:defRPr sz="1400">
+                <a:solidFill>
+                  <a:srgbClr val="5F5F5F"/>
+                </a:solidFill>
+                <a:latin typeface="+mn-lt"/>
+                <a:ea typeface="ＭＳ Ｐゴシック" charset="-128"/>
+              </a:defRPr>
+            </a:lvl4pPr>
+            <a:lvl5pPr marL="2057400" indent="-228600" algn="l" rtl="0" eaLnBrk="0" fontAlgn="base" hangingPunct="0">
+              <a:spcBef>
+                <a:spcPct val="20000"/>
+              </a:spcBef>
+              <a:spcAft>
+                <a:spcPct val="0"/>
+              </a:spcAft>
+              <a:buChar char="»"/>
+              <a:defRPr sz="1400">
+                <a:solidFill>
+                  <a:srgbClr val="5F5F5F"/>
+                </a:solidFill>
+                <a:latin typeface="+mn-lt"/>
+                <a:ea typeface="ＭＳ Ｐゴシック" charset="-128"/>
+              </a:defRPr>
+            </a:lvl5pPr>
+            <a:lvl6pPr marL="2514600" indent="-228600" algn="l" rtl="0" fontAlgn="base">
+              <a:spcBef>
+                <a:spcPct val="20000"/>
+              </a:spcBef>
+              <a:spcAft>
+                <a:spcPct val="0"/>
+              </a:spcAft>
+              <a:buChar char="»"/>
+              <a:defRPr sz="1400">
+                <a:solidFill>
+                  <a:srgbClr val="5F5F5F"/>
+                </a:solidFill>
+                <a:latin typeface="+mn-lt"/>
+                <a:ea typeface="ＭＳ Ｐゴシック" charset="-128"/>
+              </a:defRPr>
+            </a:lvl6pPr>
+            <a:lvl7pPr marL="2971800" indent="-228600" algn="l" rtl="0" fontAlgn="base">
+              <a:spcBef>
+                <a:spcPct val="20000"/>
+              </a:spcBef>
+              <a:spcAft>
+                <a:spcPct val="0"/>
+              </a:spcAft>
+              <a:buChar char="»"/>
+              <a:defRPr sz="1400">
+                <a:solidFill>
+                  <a:srgbClr val="5F5F5F"/>
+                </a:solidFill>
+                <a:latin typeface="+mn-lt"/>
+                <a:ea typeface="ＭＳ Ｐゴシック" charset="-128"/>
+              </a:defRPr>
+            </a:lvl7pPr>
+            <a:lvl8pPr marL="3429000" indent="-228600" algn="l" rtl="0" fontAlgn="base">
+              <a:spcBef>
+                <a:spcPct val="20000"/>
+              </a:spcBef>
+              <a:spcAft>
+                <a:spcPct val="0"/>
+              </a:spcAft>
+              <a:buChar char="»"/>
+              <a:defRPr sz="1400">
+                <a:solidFill>
+                  <a:srgbClr val="5F5F5F"/>
+                </a:solidFill>
+                <a:latin typeface="+mn-lt"/>
+                <a:ea typeface="ＭＳ Ｐゴシック" charset="-128"/>
+              </a:defRPr>
+            </a:lvl8pPr>
+            <a:lvl9pPr marL="3886200" indent="-228600" algn="l" rtl="0" fontAlgn="base">
+              <a:spcBef>
+                <a:spcPct val="20000"/>
+              </a:spcBef>
+              <a:spcAft>
+                <a:spcPct val="0"/>
+              </a:spcAft>
+              <a:buChar char="»"/>
+              <a:defRPr sz="1400">
+                <a:solidFill>
+                  <a:srgbClr val="5F5F5F"/>
+                </a:solidFill>
+                <a:latin typeface="+mn-lt"/>
+                <a:ea typeface="ＭＳ Ｐゴシック" charset="-128"/>
+              </a:defRPr>
+            </a:lvl9pPr>
+          </a:lstStyle>
+          <a:p>
+            <a:r>
+              <a:rPr lang="en-US" dirty="0" smtClean="0"/>
+              <a:t>What does it all look like in Python?</a:t>
+            </a:r>
+            <a:endParaRPr lang="en-US" dirty="0"/>
+          </a:p>
+        </p:txBody>
+      </p:sp>
+    </p:spTree>
+    <p:extLst>
+      <p:ext uri="{BB962C8B-B14F-4D97-AF65-F5344CB8AC3E}">
+        <p14:creationId xmlns:p14="http://schemas.microsoft.com/office/powerpoint/2010/main" val="2385870330"/>
+      </p:ext>
+    </p:extLst>
+  </p:cSld>
+  <p:clrMapOvr>
+    <a:masterClrMapping/>
+  </p:clrMapOvr>
+  <p:transition xmlns:p14="http://schemas.microsoft.com/office/powerpoint/2010/main"/>
+  <p:timing>
+    <p:tnLst>
+      <p:par>
+        <p:cTn xmlns:p14="http://schemas.microsoft.com/office/powerpoint/2010/main" id="1" dur="indefinite" restart="never" nodeType="tmRoot"/>
+      </p:par>
+    </p:tnLst>
+  </p:timing>
+</p:sld>
+</file>
+
+<file path=ppt/slides/slide15.xml><?xml version="1.0" encoding="utf-8"?>
+<p:sld xmlns:a="http://schemas.openxmlformats.org/drawingml/2006/main" xmlns:r="http://schemas.openxmlformats.org/officeDocument/2006/relationships" xmlns:p="http://schemas.openxmlformats.org/presentationml/2006/main">
   <p:cSld>
     <p:spTree>
       <p:nvGrpSpPr>
@@ -14062,26 +15151,26 @@
     </p:spTree>
     <p:extLst>
       <p:ext uri="{BB962C8B-B14F-4D97-AF65-F5344CB8AC3E}">
-        <p14:creationId xmlns:p14="http://schemas.microsoft.com/office/powerpoint/2010/main" xmlns:p="http://schemas.openxmlformats.org/presentationml/2006/main" xmlns:r="http://schemas.openxmlformats.org/officeDocument/2006/relationships" xmlns:a="http://schemas.openxmlformats.org/drawingml/2006/main" xmlns="" val="143289954"/>
+        <p14:creationId xmlns:p14="http://schemas.microsoft.com/office/powerpoint/2010/main" val="143289954"/>
       </p:ext>
     </p:extLst>
   </p:cSld>
   <p:clrMapOvr>
     <a:masterClrMapping/>
   </p:clrMapOvr>
-  <p:transition/>
+  <p:transition xmlns:p14="http://schemas.microsoft.com/office/powerpoint/2010/main"/>
   <p:timing>
     <p:tnLst>
       <p:par>
-        <p:cTn id="1" dur="indefinite" restart="never" nodeType="tmRoot"/>
+        <p:cTn xmlns:p14="http://schemas.microsoft.com/office/powerpoint/2010/main" id="1" dur="indefinite" restart="never" nodeType="tmRoot"/>
       </p:par>
     </p:tnLst>
   </p:timing>
 </p:sld>
 </file>
 
-<file path=ppt/slides/slide13.xml><?xml version="1.0" encoding="utf-8"?>
-<p:sld xmlns:a="http://schemas.openxmlformats.org/drawingml/2006/main" xmlns:r="http://schemas.openxmlformats.org/officeDocument/2006/relationships" xmlns:mc="http://schemas.openxmlformats.org/markup-compatibility/2006" xmlns:mv="urn:schemas-microsoft-com:mac:vml" xmlns:p="http://schemas.openxmlformats.org/presentationml/2006/main" mc:Ignorable="mv" mc:PreserveAttributes="mv:*">
+<file path=ppt/slides/slide16.xml><?xml version="1.0" encoding="utf-8"?>
+<p:sld xmlns:a="http://schemas.openxmlformats.org/drawingml/2006/main" xmlns:r="http://schemas.openxmlformats.org/officeDocument/2006/relationships" xmlns:p="http://schemas.openxmlformats.org/presentationml/2006/main">
   <p:cSld>
     <p:spTree>
       <p:nvGrpSpPr>
@@ -14472,26 +15561,26 @@
     </p:spTree>
     <p:extLst>
       <p:ext uri="{BB962C8B-B14F-4D97-AF65-F5344CB8AC3E}">
-        <p14:creationId xmlns:p14="http://schemas.microsoft.com/office/powerpoint/2010/main" xmlns:p="http://schemas.openxmlformats.org/presentationml/2006/main" xmlns:r="http://schemas.openxmlformats.org/officeDocument/2006/relationships" xmlns:a="http://schemas.openxmlformats.org/drawingml/2006/main" xmlns="" val="3453571518"/>
+        <p14:creationId xmlns:p14="http://schemas.microsoft.com/office/powerpoint/2010/main" val="3453571518"/>
       </p:ext>
     </p:extLst>
   </p:cSld>
   <p:clrMapOvr>
     <a:masterClrMapping/>
   </p:clrMapOvr>
-  <p:transition/>
+  <p:transition xmlns:p14="http://schemas.microsoft.com/office/powerpoint/2010/main"/>
   <p:timing>
     <p:tnLst>
       <p:par>
-        <p:cTn id="1" dur="indefinite" restart="never" nodeType="tmRoot"/>
+        <p:cTn xmlns:p14="http://schemas.microsoft.com/office/powerpoint/2010/main" id="1" dur="indefinite" restart="never" nodeType="tmRoot"/>
       </p:par>
     </p:tnLst>
   </p:timing>
 </p:sld>
 </file>
 
-<file path=ppt/slides/slide14.xml><?xml version="1.0" encoding="utf-8"?>
-<p:sld xmlns:a="http://schemas.openxmlformats.org/drawingml/2006/main" xmlns:r="http://schemas.openxmlformats.org/officeDocument/2006/relationships" xmlns:mc="http://schemas.openxmlformats.org/markup-compatibility/2006" xmlns:mv="urn:schemas-microsoft-com:mac:vml" xmlns:p="http://schemas.openxmlformats.org/presentationml/2006/main" mc:Ignorable="mv" mc:PreserveAttributes="mv:*">
+<file path=ppt/slides/slide17.xml><?xml version="1.0" encoding="utf-8"?>
+<p:sld xmlns:a="http://schemas.openxmlformats.org/drawingml/2006/main" xmlns:r="http://schemas.openxmlformats.org/officeDocument/2006/relationships" xmlns:p="http://schemas.openxmlformats.org/presentationml/2006/main">
   <p:cSld>
     <p:spTree>
       <p:nvGrpSpPr>
@@ -14882,26 +15971,26 @@
     </p:spTree>
     <p:extLst>
       <p:ext uri="{BB962C8B-B14F-4D97-AF65-F5344CB8AC3E}">
-        <p14:creationId xmlns:p14="http://schemas.microsoft.com/office/powerpoint/2010/main" xmlns:p="http://schemas.openxmlformats.org/presentationml/2006/main" xmlns:r="http://schemas.openxmlformats.org/officeDocument/2006/relationships" xmlns:a="http://schemas.openxmlformats.org/drawingml/2006/main" xmlns="" val="2852088678"/>
+        <p14:creationId xmlns:p14="http://schemas.microsoft.com/office/powerpoint/2010/main" val="2852088678"/>
       </p:ext>
     </p:extLst>
   </p:cSld>
   <p:clrMapOvr>
     <a:masterClrMapping/>
   </p:clrMapOvr>
-  <p:transition/>
+  <p:transition xmlns:p14="http://schemas.microsoft.com/office/powerpoint/2010/main"/>
   <p:timing>
     <p:tnLst>
       <p:par>
-        <p:cTn id="1" dur="indefinite" restart="never" nodeType="tmRoot"/>
+        <p:cTn xmlns:p14="http://schemas.microsoft.com/office/powerpoint/2010/main" id="1" dur="indefinite" restart="never" nodeType="tmRoot"/>
       </p:par>
     </p:tnLst>
   </p:timing>
 </p:sld>
 </file>
 
-<file path=ppt/slides/slide15.xml><?xml version="1.0" encoding="utf-8"?>
-<p:sld xmlns:a="http://schemas.openxmlformats.org/drawingml/2006/main" xmlns:r="http://schemas.openxmlformats.org/officeDocument/2006/relationships" xmlns:mc="http://schemas.openxmlformats.org/markup-compatibility/2006" xmlns:mv="urn:schemas-microsoft-com:mac:vml" xmlns:p="http://schemas.openxmlformats.org/presentationml/2006/main" mc:Ignorable="mv" mc:PreserveAttributes="mv:*">
+<file path=ppt/slides/slide18.xml><?xml version="1.0" encoding="utf-8"?>
+<p:sld xmlns:a="http://schemas.openxmlformats.org/drawingml/2006/main" xmlns:r="http://schemas.openxmlformats.org/officeDocument/2006/relationships" xmlns:p="http://schemas.openxmlformats.org/presentationml/2006/main">
   <p:cSld>
     <p:spTree>
       <p:nvGrpSpPr>
@@ -15292,26 +16381,26 @@
     </p:spTree>
     <p:extLst>
       <p:ext uri="{BB962C8B-B14F-4D97-AF65-F5344CB8AC3E}">
-        <p14:creationId xmlns:p14="http://schemas.microsoft.com/office/powerpoint/2010/main" xmlns:p="http://schemas.openxmlformats.org/presentationml/2006/main" xmlns:r="http://schemas.openxmlformats.org/officeDocument/2006/relationships" xmlns:a="http://schemas.openxmlformats.org/drawingml/2006/main" xmlns="" val="3661449385"/>
+        <p14:creationId xmlns:p14="http://schemas.microsoft.com/office/powerpoint/2010/main" val="3661449385"/>
       </p:ext>
     </p:extLst>
   </p:cSld>
   <p:clrMapOvr>
     <a:masterClrMapping/>
   </p:clrMapOvr>
-  <p:transition/>
+  <p:transition xmlns:p14="http://schemas.microsoft.com/office/powerpoint/2010/main"/>
   <p:timing>
     <p:tnLst>
       <p:par>
-        <p:cTn id="1" dur="indefinite" restart="never" nodeType="tmRoot"/>
+        <p:cTn xmlns:p14="http://schemas.microsoft.com/office/powerpoint/2010/main" id="1" dur="indefinite" restart="never" nodeType="tmRoot"/>
       </p:par>
     </p:tnLst>
   </p:timing>
 </p:sld>
 </file>
 
-<file path=ppt/slides/slide16.xml><?xml version="1.0" encoding="utf-8"?>
-<p:sld xmlns:a="http://schemas.openxmlformats.org/drawingml/2006/main" xmlns:r="http://schemas.openxmlformats.org/officeDocument/2006/relationships" xmlns:mc="http://schemas.openxmlformats.org/markup-compatibility/2006" xmlns:mv="urn:schemas-microsoft-com:mac:vml" xmlns:p="http://schemas.openxmlformats.org/presentationml/2006/main" mc:Ignorable="mv" mc:PreserveAttributes="mv:*">
+<file path=ppt/slides/slide19.xml><?xml version="1.0" encoding="utf-8"?>
+<p:sld xmlns:a="http://schemas.openxmlformats.org/drawingml/2006/main" xmlns:r="http://schemas.openxmlformats.org/officeDocument/2006/relationships" xmlns:p="http://schemas.openxmlformats.org/presentationml/2006/main">
   <p:cSld>
     <p:spTree>
       <p:nvGrpSpPr>
@@ -15697,26 +16786,381 @@
     </p:spTree>
     <p:extLst>
       <p:ext uri="{BB962C8B-B14F-4D97-AF65-F5344CB8AC3E}">
-        <p14:creationId xmlns:p14="http://schemas.microsoft.com/office/powerpoint/2010/main" xmlns:p="http://schemas.openxmlformats.org/presentationml/2006/main" xmlns:r="http://schemas.openxmlformats.org/officeDocument/2006/relationships" xmlns:a="http://schemas.openxmlformats.org/drawingml/2006/main" xmlns="" val="3661449385"/>
+        <p14:creationId xmlns:p14="http://schemas.microsoft.com/office/powerpoint/2010/main" val="3661449385"/>
       </p:ext>
     </p:extLst>
   </p:cSld>
   <p:clrMapOvr>
     <a:masterClrMapping/>
   </p:clrMapOvr>
-  <p:transition/>
+  <p:transition xmlns:p14="http://schemas.microsoft.com/office/powerpoint/2010/main"/>
   <p:timing>
     <p:tnLst>
       <p:par>
-        <p:cTn id="1" dur="indefinite" restart="never" nodeType="tmRoot"/>
+        <p:cTn xmlns:p14="http://schemas.microsoft.com/office/powerpoint/2010/main" id="1" dur="indefinite" restart="never" nodeType="tmRoot"/>
       </p:par>
     </p:tnLst>
   </p:timing>
 </p:sld>
 </file>
 
-<file path=ppt/slides/slide17.xml><?xml version="1.0" encoding="utf-8"?>
-<p:sld xmlns:a="http://schemas.openxmlformats.org/drawingml/2006/main" xmlns:r="http://schemas.openxmlformats.org/officeDocument/2006/relationships" xmlns:mc="http://schemas.openxmlformats.org/markup-compatibility/2006" xmlns:mv="urn:schemas-microsoft-com:mac:vml" xmlns:p="http://schemas.openxmlformats.org/presentationml/2006/main" mc:Ignorable="mv" mc:PreserveAttributes="mv:*">
+<file path=ppt/slides/slide2.xml><?xml version="1.0" encoding="utf-8"?>
+<p:sld xmlns:a="http://schemas.openxmlformats.org/drawingml/2006/main" xmlns:r="http://schemas.openxmlformats.org/officeDocument/2006/relationships" xmlns:p="http://schemas.openxmlformats.org/presentationml/2006/main">
+  <p:cSld>
+    <p:spTree>
+      <p:nvGrpSpPr>
+        <p:cNvPr id="1" name=""/>
+        <p:cNvGrpSpPr/>
+        <p:nvPr/>
+      </p:nvGrpSpPr>
+      <p:grpSpPr>
+        <a:xfrm>
+          <a:off x="0" y="0"/>
+          <a:ext cx="0" cy="0"/>
+          <a:chOff x="0" y="0"/>
+          <a:chExt cx="0" cy="0"/>
+        </a:xfrm>
+      </p:grpSpPr>
+      <p:sp>
+        <p:nvSpPr>
+          <p:cNvPr id="29698" name="Title 1"/>
+          <p:cNvSpPr>
+            <a:spLocks noGrp="1"/>
+          </p:cNvSpPr>
+          <p:nvPr>
+            <p:ph type="title"/>
+          </p:nvPr>
+        </p:nvSpPr>
+        <p:spPr/>
+        <p:txBody>
+          <a:bodyPr/>
+          <a:lstStyle/>
+          <a:p>
+            <a:r>
+              <a:rPr lang="en-US" dirty="0" smtClean="0">
+                <a:ea typeface="ＭＳ Ｐゴシック" pitchFamily="34" charset="-128"/>
+              </a:rPr>
+              <a:t>Agenda</a:t>
+            </a:r>
+          </a:p>
+        </p:txBody>
+      </p:sp>
+      <p:sp>
+        <p:nvSpPr>
+          <p:cNvPr id="4" name="Content Placeholder 3"/>
+          <p:cNvSpPr>
+            <a:spLocks noGrp="1"/>
+          </p:cNvSpPr>
+          <p:nvPr>
+            <p:ph idx="1"/>
+          </p:nvPr>
+        </p:nvSpPr>
+        <p:spPr>
+          <a:xfrm>
+            <a:off x="457200" y="1523999"/>
+            <a:ext cx="4040155" cy="4691739"/>
+          </a:xfrm>
+        </p:spPr>
+        <p:txBody>
+          <a:bodyPr/>
+          <a:lstStyle/>
+          <a:p>
+            <a:pPr marL="341313" indent="-341313" defTabSz="912813">
+              <a:spcBef>
+                <a:spcPts val="2000"/>
+              </a:spcBef>
+              <a:buClr>
+                <a:srgbClr val="404040"/>
+              </a:buClr>
+              <a:buFont typeface="Wingdings 2" pitchFamily="18" charset="2"/>
+              <a:buChar char=""/>
+            </a:pPr>
+            <a:r>
+              <a:rPr lang="en-US" dirty="0" smtClean="0">
+                <a:solidFill>
+                  <a:srgbClr val="595959"/>
+                </a:solidFill>
+                <a:ea typeface="ＭＳ Ｐゴシック" pitchFamily="34" charset="-128"/>
+              </a:rPr>
+              <a:t>Introduction and </a:t>
+            </a:r>
+            <a:r>
+              <a:rPr lang="en-US" dirty="0" smtClean="0">
+                <a:solidFill>
+                  <a:srgbClr val="595959"/>
+                </a:solidFill>
+                <a:ea typeface="ＭＳ Ｐゴシック" pitchFamily="34" charset="-128"/>
+              </a:rPr>
+              <a:t>Overview </a:t>
+            </a:r>
+            <a:r>
+              <a:rPr lang="en-US" dirty="0" smtClean="0">
+                <a:solidFill>
+                  <a:srgbClr val="595959"/>
+                </a:solidFill>
+                <a:ea typeface="ＭＳ Ｐゴシック" pitchFamily="34" charset="-128"/>
+              </a:rPr>
+              <a:t>[1hour</a:t>
+            </a:r>
+            <a:r>
+              <a:rPr lang="en-US" dirty="0" smtClean="0">
+                <a:solidFill>
+                  <a:srgbClr val="595959"/>
+                </a:solidFill>
+                <a:ea typeface="ＭＳ Ｐゴシック" pitchFamily="34" charset="-128"/>
+              </a:rPr>
+              <a:t>]</a:t>
+            </a:r>
+            <a:endParaRPr lang="en-US" dirty="0" smtClean="0">
+              <a:solidFill>
+                <a:srgbClr val="595959"/>
+              </a:solidFill>
+              <a:ea typeface="ＭＳ Ｐゴシック" pitchFamily="34" charset="-128"/>
+            </a:endParaRPr>
+          </a:p>
+        </p:txBody>
+      </p:sp>
+      <p:sp>
+        <p:nvSpPr>
+          <p:cNvPr id="2" name="Rectangle 1"/>
+          <p:cNvSpPr/>
+          <p:nvPr/>
+        </p:nvSpPr>
+        <p:spPr>
+          <a:xfrm>
+            <a:off x="4344722" y="1525915"/>
+            <a:ext cx="4572000" cy="3867725"/>
+          </a:xfrm>
+          <a:prstGeom prst="rect">
+            <a:avLst/>
+          </a:prstGeom>
+        </p:spPr>
+        <p:txBody>
+          <a:bodyPr>
+            <a:spAutoFit/>
+          </a:bodyPr>
+          <a:lstStyle/>
+          <a:p>
+            <a:pPr marL="341313" indent="-341313" defTabSz="912813">
+              <a:spcBef>
+                <a:spcPts val="2000"/>
+              </a:spcBef>
+              <a:buClr>
+                <a:srgbClr val="404040"/>
+              </a:buClr>
+              <a:buFont typeface="Wingdings 2" pitchFamily="18" charset="2"/>
+              <a:buChar char=""/>
+            </a:pPr>
+            <a:r>
+              <a:rPr lang="en-US" sz="2200" dirty="0">
+                <a:solidFill>
+                  <a:srgbClr val="595959"/>
+                </a:solidFill>
+              </a:rPr>
+              <a:t>Hands-On Session [2 hours]</a:t>
+            </a:r>
+          </a:p>
+          <a:p>
+            <a:pPr marL="741363" lvl="1" indent="-341313" defTabSz="912813">
+              <a:spcBef>
+                <a:spcPts val="2000"/>
+              </a:spcBef>
+              <a:buClr>
+                <a:srgbClr val="404040"/>
+              </a:buClr>
+              <a:buFont typeface="Wingdings 2" pitchFamily="18" charset="2"/>
+              <a:buChar char=""/>
+            </a:pPr>
+            <a:r>
+              <a:rPr lang="en-US" sz="2000" dirty="0">
+                <a:solidFill>
+                  <a:srgbClr val="595959"/>
+                </a:solidFill>
+              </a:rPr>
+              <a:t>Installing </a:t>
+            </a:r>
+            <a:r>
+              <a:rPr lang="en-US" sz="2000" dirty="0" err="1">
+                <a:solidFill>
+                  <a:srgbClr val="595959"/>
+                </a:solidFill>
+              </a:rPr>
+              <a:t>BigJob</a:t>
+            </a:r>
+            <a:endParaRPr lang="en-US" sz="2000" dirty="0">
+              <a:solidFill>
+                <a:srgbClr val="595959"/>
+              </a:solidFill>
+            </a:endParaRPr>
+          </a:p>
+          <a:p>
+            <a:pPr marL="741363" lvl="1" indent="-341313" defTabSz="912813">
+              <a:spcBef>
+                <a:spcPts val="2000"/>
+              </a:spcBef>
+              <a:buClr>
+                <a:srgbClr val="404040"/>
+              </a:buClr>
+              <a:buFont typeface="Wingdings 2" pitchFamily="18" charset="2"/>
+              <a:buChar char=""/>
+            </a:pPr>
+            <a:r>
+              <a:rPr lang="en-US" sz="2000" dirty="0">
+                <a:solidFill>
+                  <a:srgbClr val="595959"/>
+                </a:solidFill>
+              </a:rPr>
+              <a:t>Writing your First </a:t>
+            </a:r>
+            <a:r>
+              <a:rPr lang="en-US" sz="2000" dirty="0" err="1">
+                <a:solidFill>
+                  <a:srgbClr val="595959"/>
+                </a:solidFill>
+              </a:rPr>
+              <a:t>BigJob</a:t>
+            </a:r>
+            <a:r>
+              <a:rPr lang="en-US" sz="2000" dirty="0">
+                <a:solidFill>
+                  <a:srgbClr val="595959"/>
+                </a:solidFill>
+              </a:rPr>
+              <a:t> Script</a:t>
+            </a:r>
+          </a:p>
+          <a:p>
+            <a:pPr marL="741363" lvl="1" indent="-341313" defTabSz="912813">
+              <a:spcBef>
+                <a:spcPts val="2000"/>
+              </a:spcBef>
+              <a:buClr>
+                <a:srgbClr val="404040"/>
+              </a:buClr>
+              <a:buFont typeface="Wingdings 2" pitchFamily="18" charset="2"/>
+              <a:buChar char=""/>
+            </a:pPr>
+            <a:r>
+              <a:rPr lang="en-US" sz="2000" dirty="0">
+                <a:solidFill>
+                  <a:srgbClr val="595959"/>
+                </a:solidFill>
+              </a:rPr>
+              <a:t>Running </a:t>
+            </a:r>
+            <a:r>
+              <a:rPr lang="en-US" sz="2000" dirty="0" err="1">
+                <a:solidFill>
+                  <a:srgbClr val="595959"/>
+                </a:solidFill>
+              </a:rPr>
+              <a:t>BigJob</a:t>
+            </a:r>
+            <a:r>
+              <a:rPr lang="en-US" sz="2000" dirty="0">
+                <a:solidFill>
+                  <a:srgbClr val="595959"/>
+                </a:solidFill>
+              </a:rPr>
+              <a:t> on XSEDE resources</a:t>
+            </a:r>
+          </a:p>
+          <a:p>
+            <a:pPr marL="741363" lvl="1" indent="-341313" defTabSz="912813">
+              <a:spcBef>
+                <a:spcPts val="2000"/>
+              </a:spcBef>
+              <a:buClr>
+                <a:srgbClr val="404040"/>
+              </a:buClr>
+              <a:buFont typeface="Wingdings 2" pitchFamily="18" charset="2"/>
+              <a:buChar char=""/>
+            </a:pPr>
+            <a:r>
+              <a:rPr lang="en-US" sz="2000" dirty="0">
+                <a:solidFill>
+                  <a:srgbClr val="595959"/>
+                </a:solidFill>
+              </a:rPr>
+              <a:t>Working with Data Staging</a:t>
+            </a:r>
+          </a:p>
+          <a:p>
+            <a:pPr marL="741363" lvl="1" indent="-341313" defTabSz="912813">
+              <a:spcBef>
+                <a:spcPts val="2000"/>
+              </a:spcBef>
+              <a:buClr>
+                <a:srgbClr val="404040"/>
+              </a:buClr>
+              <a:buFont typeface="Wingdings 2" pitchFamily="18" charset="2"/>
+              <a:buChar char=""/>
+            </a:pPr>
+            <a:r>
+              <a:rPr lang="en-US" sz="2000" dirty="0">
+                <a:solidFill>
+                  <a:srgbClr val="595959"/>
+                </a:solidFill>
+              </a:rPr>
+              <a:t>Advanced Workflows using </a:t>
+            </a:r>
+            <a:r>
+              <a:rPr lang="en-US" sz="2000" dirty="0" err="1">
+                <a:solidFill>
+                  <a:srgbClr val="595959"/>
+                </a:solidFill>
+              </a:rPr>
+              <a:t>BigJob</a:t>
+            </a:r>
+            <a:endParaRPr lang="en-US" sz="2000" dirty="0">
+              <a:solidFill>
+                <a:srgbClr val="595959"/>
+              </a:solidFill>
+            </a:endParaRPr>
+          </a:p>
+        </p:txBody>
+      </p:sp>
+      <p:pic>
+        <p:nvPicPr>
+          <p:cNvPr id="3" name="Picture 2"/>
+          <p:cNvPicPr>
+            <a:picLocks noChangeAspect="1"/>
+          </p:cNvPicPr>
+          <p:nvPr/>
+        </p:nvPicPr>
+        <p:blipFill>
+          <a:blip r:embed="rId3"/>
+          <a:stretch>
+            <a:fillRect/>
+          </a:stretch>
+        </p:blipFill>
+        <p:spPr>
+          <a:xfrm>
+            <a:off x="415874" y="2851776"/>
+            <a:ext cx="3810000" cy="2540000"/>
+          </a:xfrm>
+          <a:prstGeom prst="rect">
+            <a:avLst/>
+          </a:prstGeom>
+        </p:spPr>
+      </p:pic>
+    </p:spTree>
+  </p:cSld>
+  <p:clrMapOvr>
+    <a:masterClrMapping/>
+  </p:clrMapOvr>
+  <p:timing>
+    <p:tnLst>
+      <p:par>
+        <p:cTn xmlns:p14="http://schemas.microsoft.com/office/powerpoint/2010/main" id="1" dur="indefinite" restart="never" nodeType="tmRoot"/>
+      </p:par>
+    </p:tnLst>
+  </p:timing>
+</p:sld>
+</file>
+
+<file path=ppt/slides/slide20.xml><?xml version="1.0" encoding="utf-8"?>
+<p:sld xmlns:a="http://schemas.openxmlformats.org/drawingml/2006/main" xmlns:r="http://schemas.openxmlformats.org/officeDocument/2006/relationships" xmlns:p="http://schemas.openxmlformats.org/presentationml/2006/main">
   <p:cSld>
     <p:spTree>
       <p:nvGrpSpPr>
@@ -16102,26 +17546,26 @@
     </p:spTree>
     <p:extLst>
       <p:ext uri="{BB962C8B-B14F-4D97-AF65-F5344CB8AC3E}">
-        <p14:creationId xmlns:p14="http://schemas.microsoft.com/office/powerpoint/2010/main" xmlns:p="http://schemas.openxmlformats.org/presentationml/2006/main" xmlns:r="http://schemas.openxmlformats.org/officeDocument/2006/relationships" xmlns:a="http://schemas.openxmlformats.org/drawingml/2006/main" xmlns="" val="669391430"/>
+        <p14:creationId xmlns:p14="http://schemas.microsoft.com/office/powerpoint/2010/main" val="669391430"/>
       </p:ext>
     </p:extLst>
   </p:cSld>
   <p:clrMapOvr>
     <a:masterClrMapping/>
   </p:clrMapOvr>
-  <p:transition/>
+  <p:transition xmlns:p14="http://schemas.microsoft.com/office/powerpoint/2010/main"/>
   <p:timing>
     <p:tnLst>
       <p:par>
-        <p:cTn id="1" dur="indefinite" restart="never" nodeType="tmRoot"/>
+        <p:cTn xmlns:p14="http://schemas.microsoft.com/office/powerpoint/2010/main" id="1" dur="indefinite" restart="never" nodeType="tmRoot"/>
       </p:par>
     </p:tnLst>
   </p:timing>
 </p:sld>
 </file>
 
-<file path=ppt/slides/slide18.xml><?xml version="1.0" encoding="utf-8"?>
-<p:sld xmlns:a="http://schemas.openxmlformats.org/drawingml/2006/main" xmlns:r="http://schemas.openxmlformats.org/officeDocument/2006/relationships" xmlns:mc="http://schemas.openxmlformats.org/markup-compatibility/2006" xmlns:mv="urn:schemas-microsoft-com:mac:vml" xmlns:p="http://schemas.openxmlformats.org/presentationml/2006/main" mc:Ignorable="mv" mc:PreserveAttributes="mv:*">
+<file path=ppt/slides/slide21.xml><?xml version="1.0" encoding="utf-8"?>
+<p:sld xmlns:a="http://schemas.openxmlformats.org/drawingml/2006/main" xmlns:r="http://schemas.openxmlformats.org/officeDocument/2006/relationships" xmlns:p="http://schemas.openxmlformats.org/presentationml/2006/main">
   <p:cSld>
     <p:spTree>
       <p:nvGrpSpPr>
@@ -16507,26 +17951,26 @@
     </p:spTree>
     <p:extLst>
       <p:ext uri="{BB962C8B-B14F-4D97-AF65-F5344CB8AC3E}">
-        <p14:creationId xmlns:p14="http://schemas.microsoft.com/office/powerpoint/2010/main" xmlns:p="http://schemas.openxmlformats.org/presentationml/2006/main" xmlns:r="http://schemas.openxmlformats.org/officeDocument/2006/relationships" xmlns:a="http://schemas.openxmlformats.org/drawingml/2006/main" xmlns="" val="820625316"/>
+        <p14:creationId xmlns:p14="http://schemas.microsoft.com/office/powerpoint/2010/main" val="820625316"/>
       </p:ext>
     </p:extLst>
   </p:cSld>
   <p:clrMapOvr>
     <a:masterClrMapping/>
   </p:clrMapOvr>
-  <p:transition/>
+  <p:transition xmlns:p14="http://schemas.microsoft.com/office/powerpoint/2010/main"/>
   <p:timing>
     <p:tnLst>
       <p:par>
-        <p:cTn id="1" dur="indefinite" restart="never" nodeType="tmRoot"/>
+        <p:cTn xmlns:p14="http://schemas.microsoft.com/office/powerpoint/2010/main" id="1" dur="indefinite" restart="never" nodeType="tmRoot"/>
       </p:par>
     </p:tnLst>
   </p:timing>
 </p:sld>
 </file>
 
-<file path=ppt/slides/slide19.xml><?xml version="1.0" encoding="utf-8"?>
-<p:sld xmlns:a="http://schemas.openxmlformats.org/drawingml/2006/main" xmlns:r="http://schemas.openxmlformats.org/officeDocument/2006/relationships" xmlns:mc="http://schemas.openxmlformats.org/markup-compatibility/2006" xmlns:mv="urn:schemas-microsoft-com:mac:vml" xmlns:p="http://schemas.openxmlformats.org/presentationml/2006/main" mc:Ignorable="mv" mc:PreserveAttributes="mv:*">
+<file path=ppt/slides/slide22.xml><?xml version="1.0" encoding="utf-8"?>
+<p:sld xmlns:a="http://schemas.openxmlformats.org/drawingml/2006/main" xmlns:r="http://schemas.openxmlformats.org/officeDocument/2006/relationships" xmlns:p="http://schemas.openxmlformats.org/presentationml/2006/main">
   <p:cSld>
     <p:spTree>
       <p:nvGrpSpPr>
@@ -16574,26 +18018,479 @@
     </p:spTree>
     <p:extLst>
       <p:ext uri="{BB962C8B-B14F-4D97-AF65-F5344CB8AC3E}">
-        <p14:creationId xmlns:p14="http://schemas.microsoft.com/office/powerpoint/2010/main" xmlns:p="http://schemas.openxmlformats.org/presentationml/2006/main" xmlns:r="http://schemas.openxmlformats.org/officeDocument/2006/relationships" xmlns:a="http://schemas.openxmlformats.org/drawingml/2006/main" xmlns="" val="4188414014"/>
+        <p14:creationId xmlns:p14="http://schemas.microsoft.com/office/powerpoint/2010/main" val="4188414014"/>
       </p:ext>
     </p:extLst>
   </p:cSld>
   <p:clrMapOvr>
     <a:masterClrMapping/>
   </p:clrMapOvr>
-  <p:transition/>
+  <p:transition xmlns:p14="http://schemas.microsoft.com/office/powerpoint/2010/main"/>
   <p:timing>
     <p:tnLst>
       <p:par>
-        <p:cTn id="1" dur="indefinite" restart="never" nodeType="tmRoot"/>
+        <p:cTn xmlns:p14="http://schemas.microsoft.com/office/powerpoint/2010/main" id="1" dur="indefinite" restart="never" nodeType="tmRoot"/>
       </p:par>
     </p:tnLst>
   </p:timing>
 </p:sld>
 </file>
 
-<file path=ppt/slides/slide2.xml><?xml version="1.0" encoding="utf-8"?>
-<p:sld xmlns:a="http://schemas.openxmlformats.org/drawingml/2006/main" xmlns:r="http://schemas.openxmlformats.org/officeDocument/2006/relationships" xmlns:mc="http://schemas.openxmlformats.org/markup-compatibility/2006" xmlns:mv="urn:schemas-microsoft-com:mac:vml" xmlns:p="http://schemas.openxmlformats.org/presentationml/2006/main" mc:Ignorable="mv" mc:PreserveAttributes="mv:*">
+<file path=ppt/slides/slide3.xml><?xml version="1.0" encoding="utf-8"?>
+<p:sld xmlns:a="http://schemas.openxmlformats.org/drawingml/2006/main" xmlns:r="http://schemas.openxmlformats.org/officeDocument/2006/relationships" xmlns:p="http://schemas.openxmlformats.org/presentationml/2006/main">
+  <p:cSld>
+    <p:spTree>
+      <p:nvGrpSpPr>
+        <p:cNvPr id="1" name=""/>
+        <p:cNvGrpSpPr/>
+        <p:nvPr/>
+      </p:nvGrpSpPr>
+      <p:grpSpPr>
+        <a:xfrm>
+          <a:off x="0" y="0"/>
+          <a:ext cx="0" cy="0"/>
+          <a:chOff x="0" y="0"/>
+          <a:chExt cx="0" cy="0"/>
+        </a:xfrm>
+      </p:grpSpPr>
+      <p:sp>
+        <p:nvSpPr>
+          <p:cNvPr id="2" name="Title 1"/>
+          <p:cNvSpPr>
+            <a:spLocks noGrp="1"/>
+          </p:cNvSpPr>
+          <p:nvPr>
+            <p:ph type="title"/>
+          </p:nvPr>
+        </p:nvSpPr>
+        <p:spPr/>
+        <p:txBody>
+          <a:bodyPr/>
+          <a:lstStyle/>
+          <a:p>
+            <a:r>
+              <a:rPr lang="en-US" dirty="0" smtClean="0"/>
+              <a:t>Using </a:t>
+            </a:r>
+            <a:r>
+              <a:rPr lang="en-US" dirty="0" err="1" smtClean="0"/>
+              <a:t>BigJob</a:t>
+            </a:r>
+            <a:r>
+              <a:rPr lang="en-US" dirty="0" smtClean="0"/>
+              <a:t> for Computational Chemistry</a:t>
+            </a:r>
+            <a:endParaRPr lang="en-US" dirty="0"/>
+          </a:p>
+        </p:txBody>
+      </p:sp>
+      <p:sp>
+        <p:nvSpPr>
+          <p:cNvPr id="3" name="Content Placeholder 2"/>
+          <p:cNvSpPr>
+            <a:spLocks noGrp="1"/>
+          </p:cNvSpPr>
+          <p:nvPr>
+            <p:ph idx="1"/>
+          </p:nvPr>
+        </p:nvSpPr>
+        <p:spPr>
+          <a:xfrm>
+            <a:off x="4598456" y="1462528"/>
+            <a:ext cx="4088344" cy="4595372"/>
+          </a:xfrm>
+        </p:spPr>
+        <p:txBody>
+          <a:bodyPr/>
+          <a:lstStyle/>
+          <a:p>
+            <a:r>
+              <a:rPr lang="en-US" dirty="0" err="1" smtClean="0"/>
+              <a:t>BigJob</a:t>
+            </a:r>
+            <a:r>
+              <a:rPr lang="en-US" dirty="0" smtClean="0"/>
+              <a:t> is utilized to submit many tasks to simulate a molecular dynamics system</a:t>
+            </a:r>
+          </a:p>
+          <a:p>
+            <a:r>
+              <a:rPr lang="en-US" dirty="0" smtClean="0"/>
+              <a:t>The plot to the left shows each individual simulation task, which is a 1 ns simulation of a system containing approximately 158,000 atoms, mostly water</a:t>
+            </a:r>
+          </a:p>
+          <a:p>
+            <a:r>
+              <a:rPr lang="en-US" dirty="0" err="1" smtClean="0"/>
+              <a:t>BigJob</a:t>
+            </a:r>
+            <a:r>
+              <a:rPr lang="en-US" dirty="0" smtClean="0"/>
+              <a:t> supports this loosely-coupled workflow</a:t>
+            </a:r>
+            <a:endParaRPr lang="en-US" dirty="0"/>
+          </a:p>
+        </p:txBody>
+      </p:sp>
+      <p:pic>
+        <p:nvPicPr>
+          <p:cNvPr id="5" name="Picture 4"/>
+          <p:cNvPicPr>
+            <a:picLocks noChangeAspect="1"/>
+          </p:cNvPicPr>
+          <p:nvPr/>
+        </p:nvPicPr>
+        <p:blipFill>
+          <a:blip r:embed="rId2"/>
+          <a:stretch>
+            <a:fillRect/>
+          </a:stretch>
+        </p:blipFill>
+        <p:spPr>
+          <a:xfrm>
+            <a:off x="497644" y="1462526"/>
+            <a:ext cx="3831420" cy="4094647"/>
+          </a:xfrm>
+          <a:prstGeom prst="rect">
+            <a:avLst/>
+          </a:prstGeom>
+        </p:spPr>
+      </p:pic>
+    </p:spTree>
+    <p:extLst>
+      <p:ext uri="{BB962C8B-B14F-4D97-AF65-F5344CB8AC3E}">
+        <p14:creationId xmlns:p14="http://schemas.microsoft.com/office/powerpoint/2010/main" val="1925446268"/>
+      </p:ext>
+    </p:extLst>
+  </p:cSld>
+  <p:clrMapOvr>
+    <a:masterClrMapping/>
+  </p:clrMapOvr>
+  <p:timing>
+    <p:tnLst>
+      <p:par>
+        <p:cTn xmlns:p14="http://schemas.microsoft.com/office/powerpoint/2010/main" id="1" dur="indefinite" restart="never" nodeType="tmRoot"/>
+      </p:par>
+    </p:tnLst>
+  </p:timing>
+</p:sld>
+</file>
+
+<file path=ppt/slides/slide4.xml><?xml version="1.0" encoding="utf-8"?>
+<p:sld xmlns:a="http://schemas.openxmlformats.org/drawingml/2006/main" xmlns:r="http://schemas.openxmlformats.org/officeDocument/2006/relationships" xmlns:p="http://schemas.openxmlformats.org/presentationml/2006/main">
+  <p:cSld>
+    <p:spTree>
+      <p:nvGrpSpPr>
+        <p:cNvPr id="1" name=""/>
+        <p:cNvGrpSpPr/>
+        <p:nvPr/>
+      </p:nvGrpSpPr>
+      <p:grpSpPr>
+        <a:xfrm>
+          <a:off x="0" y="0"/>
+          <a:ext cx="0" cy="0"/>
+          <a:chOff x="0" y="0"/>
+          <a:chExt cx="0" cy="0"/>
+        </a:xfrm>
+      </p:grpSpPr>
+      <p:sp>
+        <p:nvSpPr>
+          <p:cNvPr id="2" name="Title 1"/>
+          <p:cNvSpPr>
+            <a:spLocks noGrp="1"/>
+          </p:cNvSpPr>
+          <p:nvPr>
+            <p:ph type="title"/>
+          </p:nvPr>
+        </p:nvSpPr>
+        <p:spPr/>
+        <p:txBody>
+          <a:bodyPr/>
+          <a:lstStyle/>
+          <a:p>
+            <a:r>
+              <a:rPr lang="en-US" dirty="0" smtClean="0"/>
+              <a:t>Using </a:t>
+            </a:r>
+            <a:r>
+              <a:rPr lang="en-US" dirty="0" err="1" smtClean="0"/>
+              <a:t>BigJob</a:t>
+            </a:r>
+            <a:r>
+              <a:rPr lang="en-US" dirty="0" smtClean="0"/>
+              <a:t> for Computational Chemistry</a:t>
+            </a:r>
+            <a:endParaRPr lang="en-US" dirty="0"/>
+          </a:p>
+        </p:txBody>
+      </p:sp>
+      <p:sp>
+        <p:nvSpPr>
+          <p:cNvPr id="3" name="Content Placeholder 2"/>
+          <p:cNvSpPr>
+            <a:spLocks noGrp="1"/>
+          </p:cNvSpPr>
+          <p:nvPr>
+            <p:ph idx="1"/>
+          </p:nvPr>
+        </p:nvSpPr>
+        <p:spPr>
+          <a:xfrm>
+            <a:off x="615692" y="4514148"/>
+            <a:ext cx="7984766" cy="1497126"/>
+          </a:xfrm>
+        </p:spPr>
+        <p:txBody>
+          <a:bodyPr/>
+          <a:lstStyle/>
+          <a:p>
+            <a:r>
+              <a:rPr lang="en-US" dirty="0" smtClean="0"/>
+              <a:t>The </a:t>
+            </a:r>
+            <a:r>
+              <a:rPr lang="en-US" dirty="0"/>
+              <a:t>entire </a:t>
+            </a:r>
+            <a:r>
+              <a:rPr lang="en-US" dirty="0" smtClean="0"/>
+              <a:t>simulation </a:t>
+            </a:r>
+            <a:r>
+              <a:rPr lang="en-US" dirty="0"/>
+              <a:t>ensemble includes 5 sets of 21 systems, as pictured</a:t>
+            </a:r>
+            <a:r>
+              <a:rPr lang="en-US" dirty="0" smtClean="0"/>
+              <a:t>.</a:t>
+            </a:r>
+          </a:p>
+          <a:p>
+            <a:pPr lvl="1"/>
+            <a:r>
+              <a:rPr lang="en-US" dirty="0" smtClean="0"/>
+              <a:t>Don’t want to worry about resource management</a:t>
+            </a:r>
+          </a:p>
+          <a:p>
+            <a:r>
+              <a:rPr lang="en-US" dirty="0" err="1" smtClean="0"/>
+              <a:t>BigJob</a:t>
+            </a:r>
+            <a:r>
+              <a:rPr lang="en-US" dirty="0"/>
+              <a:t> </a:t>
+            </a:r>
+            <a:r>
+              <a:rPr lang="en-US" dirty="0" smtClean="0"/>
+              <a:t>is used to decouple the task execution from the resource management</a:t>
+            </a:r>
+          </a:p>
+          <a:p>
+            <a:pPr lvl="1"/>
+            <a:r>
+              <a:rPr lang="en-US" dirty="0" smtClean="0"/>
+              <a:t>Supports large-scale ensemble runs and size</a:t>
+            </a:r>
+            <a:endParaRPr lang="en-US" dirty="0"/>
+          </a:p>
+        </p:txBody>
+      </p:sp>
+      <p:pic>
+        <p:nvPicPr>
+          <p:cNvPr id="4" name="Picture 3"/>
+          <p:cNvPicPr>
+            <a:picLocks noChangeAspect="1"/>
+          </p:cNvPicPr>
+          <p:nvPr/>
+        </p:nvPicPr>
+        <p:blipFill>
+          <a:blip r:embed="rId2"/>
+          <a:stretch>
+            <a:fillRect/>
+          </a:stretch>
+        </p:blipFill>
+        <p:spPr>
+          <a:xfrm>
+            <a:off x="1700248" y="1462528"/>
+            <a:ext cx="4914018" cy="3040516"/>
+          </a:xfrm>
+          <a:prstGeom prst="rect">
+            <a:avLst/>
+          </a:prstGeom>
+        </p:spPr>
+      </p:pic>
+    </p:spTree>
+    <p:extLst>
+      <p:ext uri="{BB962C8B-B14F-4D97-AF65-F5344CB8AC3E}">
+        <p14:creationId xmlns:p14="http://schemas.microsoft.com/office/powerpoint/2010/main" val="4136700861"/>
+      </p:ext>
+    </p:extLst>
+  </p:cSld>
+  <p:clrMapOvr>
+    <a:masterClrMapping/>
+  </p:clrMapOvr>
+  <p:timing>
+    <p:tnLst>
+      <p:par>
+        <p:cTn xmlns:p14="http://schemas.microsoft.com/office/powerpoint/2010/main" id="1" dur="indefinite" restart="never" nodeType="tmRoot"/>
+      </p:par>
+    </p:tnLst>
+  </p:timing>
+</p:sld>
+</file>
+
+<file path=ppt/slides/slide5.xml><?xml version="1.0" encoding="utf-8"?>
+<p:sld xmlns:a="http://schemas.openxmlformats.org/drawingml/2006/main" xmlns:r="http://schemas.openxmlformats.org/officeDocument/2006/relationships" xmlns:p="http://schemas.openxmlformats.org/presentationml/2006/main">
+  <p:cSld>
+    <p:spTree>
+      <p:nvGrpSpPr>
+        <p:cNvPr id="1" name=""/>
+        <p:cNvGrpSpPr/>
+        <p:nvPr/>
+      </p:nvGrpSpPr>
+      <p:grpSpPr>
+        <a:xfrm>
+          <a:off x="0" y="0"/>
+          <a:ext cx="0" cy="0"/>
+          <a:chOff x="0" y="0"/>
+          <a:chExt cx="0" cy="0"/>
+        </a:xfrm>
+      </p:grpSpPr>
+      <p:sp>
+        <p:nvSpPr>
+          <p:cNvPr id="2" name="Title 1"/>
+          <p:cNvSpPr>
+            <a:spLocks noGrp="1"/>
+          </p:cNvSpPr>
+          <p:nvPr>
+            <p:ph type="title"/>
+          </p:nvPr>
+        </p:nvSpPr>
+        <p:spPr/>
+        <p:txBody>
+          <a:bodyPr/>
+          <a:lstStyle/>
+          <a:p>
+            <a:r>
+              <a:rPr lang="en-US" dirty="0" err="1" smtClean="0"/>
+              <a:t>BigJob</a:t>
+            </a:r>
+            <a:r>
+              <a:rPr lang="en-US" dirty="0" smtClean="0"/>
+              <a:t> Community Uptake on XSEDE</a:t>
+            </a:r>
+            <a:endParaRPr lang="en-US" dirty="0"/>
+          </a:p>
+        </p:txBody>
+      </p:sp>
+      <p:pic>
+        <p:nvPicPr>
+          <p:cNvPr id="8" name="Content Placeholder 7" descr="bigjob-usage.png"/>
+          <p:cNvPicPr>
+            <a:picLocks noGrp="1" noChangeAspect="1"/>
+          </p:cNvPicPr>
+          <p:nvPr>
+            <p:ph idx="1"/>
+          </p:nvPr>
+        </p:nvPicPr>
+        <p:blipFill>
+          <a:blip r:embed="rId2">
+            <a:extLst>
+              <a:ext uri="{28A0092B-C50C-407E-A947-70E740481C1C}">
+                <a14:useLocalDpi xmlns:a14="http://schemas.microsoft.com/office/drawing/2010/main" val="0"/>
+              </a:ext>
+            </a:extLst>
+          </a:blip>
+          <a:srcRect t="5926" b="5926"/>
+          <a:stretch>
+            <a:fillRect/>
+          </a:stretch>
+        </p:blipFill>
+        <p:spPr>
+          <a:xfrm>
+            <a:off x="615692" y="1539503"/>
+            <a:ext cx="7682872" cy="4272117"/>
+          </a:xfrm>
+        </p:spPr>
+      </p:pic>
+      <p:sp>
+        <p:nvSpPr>
+          <p:cNvPr id="9" name="Rectangle 8"/>
+          <p:cNvSpPr/>
+          <p:nvPr/>
+        </p:nvSpPr>
+        <p:spPr>
+          <a:xfrm>
+            <a:off x="1093093" y="5769619"/>
+            <a:ext cx="6795469" cy="769441"/>
+          </a:xfrm>
+          <a:prstGeom prst="rect">
+            <a:avLst/>
+          </a:prstGeom>
+        </p:spPr>
+        <p:txBody>
+          <a:bodyPr wrap="square">
+            <a:spAutoFit/>
+          </a:bodyPr>
+          <a:lstStyle/>
+          <a:p>
+            <a:pPr algn="ctr"/>
+            <a:r>
+              <a:rPr lang="en-US" sz="2200" dirty="0" err="1" smtClean="0">
+                <a:solidFill>
+                  <a:schemeClr val="tx1">
+                    <a:lumMod val="65000"/>
+                    <a:lumOff val="35000"/>
+                  </a:schemeClr>
+                </a:solidFill>
+              </a:rPr>
+              <a:t>BigJob</a:t>
+            </a:r>
+            <a:r>
+              <a:rPr lang="en-US" sz="2200" dirty="0" smtClean="0">
+                <a:solidFill>
+                  <a:schemeClr val="tx1">
+                    <a:lumMod val="65000"/>
+                    <a:lumOff val="35000"/>
+                  </a:schemeClr>
+                </a:solidFill>
+              </a:rPr>
+              <a:t> is used across heterogeneous XSEDE resources for a variety of simulations</a:t>
+            </a:r>
+            <a:endParaRPr lang="en-US" sz="2200" dirty="0">
+              <a:solidFill>
+                <a:schemeClr val="tx1">
+                  <a:lumMod val="65000"/>
+                  <a:lumOff val="35000"/>
+                </a:schemeClr>
+              </a:solidFill>
+            </a:endParaRPr>
+          </a:p>
+        </p:txBody>
+      </p:sp>
+    </p:spTree>
+    <p:extLst>
+      <p:ext uri="{BB962C8B-B14F-4D97-AF65-F5344CB8AC3E}">
+        <p14:creationId xmlns:p14="http://schemas.microsoft.com/office/powerpoint/2010/main" val="2685070880"/>
+      </p:ext>
+    </p:extLst>
+  </p:cSld>
+  <p:clrMapOvr>
+    <a:masterClrMapping/>
+  </p:clrMapOvr>
+  <p:timing>
+    <p:tnLst>
+      <p:par>
+        <p:cTn xmlns:p14="http://schemas.microsoft.com/office/powerpoint/2010/main" id="1" dur="indefinite" restart="never" nodeType="tmRoot"/>
+      </p:par>
+    </p:tnLst>
+  </p:timing>
+</p:sld>
+</file>
+
+<file path=ppt/slides/slide6.xml><?xml version="1.0" encoding="utf-8"?>
+<p:sld xmlns:a="http://schemas.openxmlformats.org/drawingml/2006/main" xmlns:r="http://schemas.openxmlformats.org/officeDocument/2006/relationships" xmlns:p="http://schemas.openxmlformats.org/presentationml/2006/main">
   <p:cSld>
     <p:spTree>
       <p:nvGrpSpPr>
@@ -16628,371 +18525,6 @@
               <a:rPr lang="en-US" dirty="0" smtClean="0">
                 <a:ea typeface="ＭＳ Ｐゴシック" pitchFamily="34" charset="-128"/>
               </a:rPr>
-              <a:t>Agenda</a:t>
-            </a:r>
-          </a:p>
-        </p:txBody>
-      </p:sp>
-      <p:sp>
-        <p:nvSpPr>
-          <p:cNvPr id="4" name="Content Placeholder 3"/>
-          <p:cNvSpPr>
-            <a:spLocks noGrp="1"/>
-          </p:cNvSpPr>
-          <p:nvPr>
-            <p:ph idx="1"/>
-          </p:nvPr>
-        </p:nvSpPr>
-        <p:spPr>
-          <a:xfrm>
-            <a:off x="457200" y="1524000"/>
-            <a:ext cx="4040155" cy="3327918"/>
-          </a:xfrm>
-        </p:spPr>
-        <p:txBody>
-          <a:bodyPr/>
-          <a:lstStyle/>
-          <a:p>
-            <a:pPr marL="341313" indent="-341313" defTabSz="912813">
-              <a:spcBef>
-                <a:spcPts val="2000"/>
-              </a:spcBef>
-              <a:buClr>
-                <a:srgbClr val="404040"/>
-              </a:buClr>
-              <a:buFont typeface="Wingdings 2" pitchFamily="18" charset="2"/>
-              <a:buChar char=""/>
-            </a:pPr>
-            <a:r>
-              <a:rPr lang="en-US" dirty="0" smtClean="0">
-                <a:solidFill>
-                  <a:srgbClr val="595959"/>
-                </a:solidFill>
-                <a:ea typeface="ＭＳ Ｐゴシック" pitchFamily="34" charset="-128"/>
-              </a:rPr>
-              <a:t>Introduction and overview [</a:t>
-            </a:r>
-            <a:r>
-              <a:rPr lang="en-US" dirty="0" smtClean="0">
-                <a:solidFill>
-                  <a:srgbClr val="595959"/>
-                </a:solidFill>
-                <a:ea typeface="ＭＳ Ｐゴシック" pitchFamily="34" charset="-128"/>
-              </a:rPr>
-              <a:t>1hour]</a:t>
-            </a:r>
-            <a:endParaRPr lang="en-US" dirty="0" smtClean="0">
-              <a:solidFill>
-                <a:srgbClr val="595959"/>
-              </a:solidFill>
-              <a:ea typeface="ＭＳ Ｐゴシック" pitchFamily="34" charset="-128"/>
-            </a:endParaRPr>
-          </a:p>
-          <a:p>
-            <a:pPr marL="341313" indent="-341313" defTabSz="912813">
-              <a:spcBef>
-                <a:spcPts val="2000"/>
-              </a:spcBef>
-              <a:buClr>
-                <a:srgbClr val="404040"/>
-              </a:buClr>
-              <a:buFont typeface="Wingdings 2" pitchFamily="18" charset="2"/>
-              <a:buChar char=""/>
-            </a:pPr>
-            <a:r>
-              <a:rPr lang="en-US" sz="1800" dirty="0" smtClean="0">
-                <a:solidFill>
-                  <a:srgbClr val="595959"/>
-                </a:solidFill>
-                <a:ea typeface="ＭＳ Ｐゴシック" pitchFamily="34" charset="-128"/>
-              </a:rPr>
-              <a:t>Hands-on session [2 hours]</a:t>
-            </a:r>
-          </a:p>
-          <a:p>
-            <a:pPr marL="741363" lvl="1" indent="-341313" defTabSz="912813">
-              <a:spcBef>
-                <a:spcPts val="2000"/>
-              </a:spcBef>
-              <a:buClr>
-                <a:srgbClr val="404040"/>
-              </a:buClr>
-              <a:buFont typeface="Wingdings 2" pitchFamily="18" charset="2"/>
-              <a:buChar char=""/>
-            </a:pPr>
-            <a:r>
-              <a:rPr lang="en-US" sz="1400" dirty="0" smtClean="0">
-                <a:solidFill>
-                  <a:srgbClr val="595959"/>
-                </a:solidFill>
-                <a:ea typeface="ＭＳ Ｐゴシック" pitchFamily="34" charset="-128"/>
-              </a:rPr>
-              <a:t>Make consistent</a:t>
-            </a:r>
-            <a:endParaRPr lang="en-US" sz="1400" dirty="0" smtClean="0">
-              <a:solidFill>
-                <a:srgbClr val="595959"/>
-              </a:solidFill>
-              <a:ea typeface="ＭＳ Ｐゴシック" pitchFamily="34" charset="-128"/>
-            </a:endParaRPr>
-          </a:p>
-        </p:txBody>
-      </p:sp>
-      <p:sp>
-        <p:nvSpPr>
-          <p:cNvPr id="8" name="Content Placeholder 3"/>
-          <p:cNvSpPr txBox="1">
-            <a:spLocks/>
-          </p:cNvSpPr>
-          <p:nvPr/>
-        </p:nvSpPr>
-        <p:spPr bwMode="auto">
-          <a:xfrm>
-            <a:off x="4771053" y="1615611"/>
-            <a:ext cx="4040155" cy="3327918"/>
-          </a:xfrm>
-          <a:prstGeom prst="rect">
-            <a:avLst/>
-          </a:prstGeom>
-          <a:noFill/>
-          <a:ln w="9525">
-            <a:noFill/>
-            <a:miter lim="800000"/>
-            <a:headEnd/>
-            <a:tailEnd/>
-          </a:ln>
-        </p:spPr>
-        <p:txBody>
-          <a:bodyPr vert="horz" wrap="square" lIns="91440" tIns="45720" rIns="91440" bIns="45720" numCol="1" anchor="t" anchorCtr="0" compatLnSpc="1">
-            <a:prstTxWarp prst="textNoShape">
-              <a:avLst/>
-            </a:prstTxWarp>
-          </a:bodyPr>
-          <a:lstStyle/>
-          <a:p>
-            <a:pPr marL="341313" lvl="0" indent="-341313" defTabSz="912813" eaLnBrk="0" hangingPunct="0">
-              <a:spcBef>
-                <a:spcPts val="2000"/>
-              </a:spcBef>
-              <a:buClr>
-                <a:srgbClr val="404040"/>
-              </a:buClr>
-              <a:buFont typeface="Wingdings 2" pitchFamily="18" charset="2"/>
-              <a:buChar char=""/>
-            </a:pPr>
-            <a:r>
-              <a:rPr lang="en-US" sz="2200" kern="0" dirty="0" smtClean="0">
-                <a:solidFill>
-                  <a:srgbClr val="595959"/>
-                </a:solidFill>
-                <a:latin typeface="+mn-lt"/>
-                <a:cs typeface="ＭＳ Ｐゴシック" charset="-128"/>
-              </a:rPr>
-              <a:t>Text placeholder</a:t>
-            </a:r>
-            <a:endParaRPr kumimoji="0" lang="en-US" sz="2200" b="0" i="0" u="none" strike="noStrike" kern="0" cap="none" spc="0" normalizeH="0" baseline="0" noProof="0" dirty="0" smtClean="0">
-              <a:ln>
-                <a:noFill/>
-              </a:ln>
-              <a:solidFill>
-                <a:srgbClr val="595959"/>
-              </a:solidFill>
-              <a:effectLst/>
-              <a:uLnTx/>
-              <a:uFillTx/>
-              <a:latin typeface="+mn-lt"/>
-              <a:ea typeface="ＭＳ Ｐゴシック" pitchFamily="34" charset="-128"/>
-              <a:cs typeface="ＭＳ Ｐゴシック" charset="-128"/>
-            </a:endParaRPr>
-          </a:p>
-          <a:p>
-            <a:pPr marL="741363" marR="0" lvl="1" indent="-341313" algn="l" defTabSz="912813" rtl="0" eaLnBrk="0" fontAlgn="base" latinLnBrk="0" hangingPunct="0">
-              <a:lnSpc>
-                <a:spcPct val="100000"/>
-              </a:lnSpc>
-              <a:spcBef>
-                <a:spcPts val="2000"/>
-              </a:spcBef>
-              <a:spcAft>
-                <a:spcPct val="0"/>
-              </a:spcAft>
-              <a:buClr>
-                <a:srgbClr val="404040"/>
-              </a:buClr>
-              <a:buSzTx/>
-              <a:buFont typeface="Wingdings 2" pitchFamily="18" charset="2"/>
-              <a:buChar char=""/>
-              <a:tabLst/>
-              <a:defRPr/>
-            </a:pPr>
-            <a:endParaRPr kumimoji="0" lang="en-US" sz="1400" b="0" i="0" u="none" strike="noStrike" kern="0" cap="none" spc="0" normalizeH="0" baseline="0" noProof="0" dirty="0" smtClean="0">
-              <a:ln>
-                <a:noFill/>
-              </a:ln>
-              <a:solidFill>
-                <a:srgbClr val="595959"/>
-              </a:solidFill>
-              <a:effectLst/>
-              <a:uLnTx/>
-              <a:uFillTx/>
-              <a:latin typeface="+mn-lt"/>
-              <a:ea typeface="ＭＳ Ｐゴシック" pitchFamily="34" charset="-128"/>
-            </a:endParaRPr>
-          </a:p>
-          <a:p>
-            <a:pPr marL="741363" marR="0" lvl="1" indent="-341313" algn="l" defTabSz="912813" rtl="0" eaLnBrk="0" fontAlgn="base" latinLnBrk="0" hangingPunct="0">
-              <a:lnSpc>
-                <a:spcPct val="100000"/>
-              </a:lnSpc>
-              <a:spcBef>
-                <a:spcPts val="2000"/>
-              </a:spcBef>
-              <a:spcAft>
-                <a:spcPct val="0"/>
-              </a:spcAft>
-              <a:buClr>
-                <a:srgbClr val="404040"/>
-              </a:buClr>
-              <a:buSzTx/>
-              <a:buFont typeface="Wingdings 2" pitchFamily="18" charset="2"/>
-              <a:buChar char=""/>
-              <a:tabLst/>
-              <a:defRPr/>
-            </a:pPr>
-            <a:endParaRPr kumimoji="0" lang="en-US" sz="1800" b="1" i="0" u="none" strike="noStrike" kern="0" cap="none" spc="0" normalizeH="0" baseline="0" noProof="0" dirty="0" smtClean="0">
-              <a:ln>
-                <a:noFill/>
-              </a:ln>
-              <a:solidFill>
-                <a:srgbClr val="595959"/>
-              </a:solidFill>
-              <a:effectLst/>
-              <a:uLnTx/>
-              <a:uFillTx/>
-              <a:latin typeface="+mn-lt"/>
-              <a:ea typeface="ＭＳ Ｐゴシック" pitchFamily="34" charset="-128"/>
-            </a:endParaRPr>
-          </a:p>
-          <a:p>
-            <a:pPr marL="1033463" marR="0" lvl="2" indent="-347663" algn="l" defTabSz="912813" rtl="0" eaLnBrk="0" fontAlgn="base" latinLnBrk="0" hangingPunct="0">
-              <a:lnSpc>
-                <a:spcPct val="100000"/>
-              </a:lnSpc>
-              <a:spcBef>
-                <a:spcPts val="600"/>
-              </a:spcBef>
-              <a:spcAft>
-                <a:spcPct val="0"/>
-              </a:spcAft>
-              <a:buClr>
-                <a:srgbClr val="404040"/>
-              </a:buClr>
-              <a:buSzTx/>
-              <a:buFontTx/>
-              <a:buChar char="•"/>
-              <a:tabLst/>
-              <a:defRPr/>
-            </a:pPr>
-            <a:endParaRPr kumimoji="0" lang="en-US" sz="1800" b="0" i="0" u="none" strike="noStrike" kern="0" cap="none" spc="0" normalizeH="0" baseline="0" noProof="0" dirty="0" smtClean="0">
-              <a:ln>
-                <a:noFill/>
-              </a:ln>
-              <a:solidFill>
-                <a:srgbClr val="595959"/>
-              </a:solidFill>
-              <a:effectLst/>
-              <a:uLnTx/>
-              <a:uFillTx/>
-              <a:latin typeface="+mn-lt"/>
-              <a:ea typeface="ＭＳ Ｐゴシック" pitchFamily="34" charset="-128"/>
-            </a:endParaRPr>
-          </a:p>
-          <a:p>
-            <a:pPr marL="341313" marR="0" lvl="0" indent="-341313" algn="l" defTabSz="912813" rtl="0" eaLnBrk="0" fontAlgn="base" latinLnBrk="0" hangingPunct="0">
-              <a:lnSpc>
-                <a:spcPct val="100000"/>
-              </a:lnSpc>
-              <a:spcBef>
-                <a:spcPct val="20000"/>
-              </a:spcBef>
-              <a:spcAft>
-                <a:spcPct val="0"/>
-              </a:spcAft>
-              <a:buClrTx/>
-              <a:buSzTx/>
-              <a:buFontTx/>
-              <a:buChar char="•"/>
-              <a:tabLst/>
-              <a:defRPr/>
-            </a:pPr>
-            <a:endParaRPr kumimoji="0" lang="en-US" sz="1800" b="0" i="0" u="none" strike="noStrike" kern="0" cap="none" spc="0" normalizeH="0" baseline="0" noProof="0" dirty="0" smtClean="0">
-              <a:ln>
-                <a:noFill/>
-              </a:ln>
-              <a:solidFill>
-                <a:srgbClr val="595959"/>
-              </a:solidFill>
-              <a:effectLst/>
-              <a:uLnTx/>
-              <a:uFillTx/>
-              <a:latin typeface="+mn-lt"/>
-              <a:ea typeface="ＭＳ Ｐゴシック" pitchFamily="34" charset="-128"/>
-              <a:cs typeface="ＭＳ Ｐゴシック" charset="-128"/>
-            </a:endParaRPr>
-          </a:p>
-        </p:txBody>
-      </p:sp>
-    </p:spTree>
-  </p:cSld>
-  <p:clrMapOvr>
-    <a:masterClrMapping/>
-  </p:clrMapOvr>
-  <p:timing>
-    <p:tnLst>
-      <p:par>
-        <p:cTn id="1" dur="indefinite" restart="never" nodeType="tmRoot"/>
-      </p:par>
-    </p:tnLst>
-  </p:timing>
-</p:sld>
-</file>
-
-<file path=ppt/slides/slide3.xml><?xml version="1.0" encoding="utf-8"?>
-<p:sld xmlns:a="http://schemas.openxmlformats.org/drawingml/2006/main" xmlns:r="http://schemas.openxmlformats.org/officeDocument/2006/relationships" xmlns:mc="http://schemas.openxmlformats.org/markup-compatibility/2006" xmlns:mv="urn:schemas-microsoft-com:mac:vml" xmlns:p="http://schemas.openxmlformats.org/presentationml/2006/main" mc:Ignorable="mv" mc:PreserveAttributes="mv:*">
-  <p:cSld>
-    <p:spTree>
-      <p:nvGrpSpPr>
-        <p:cNvPr id="1" name=""/>
-        <p:cNvGrpSpPr/>
-        <p:nvPr/>
-      </p:nvGrpSpPr>
-      <p:grpSpPr>
-        <a:xfrm>
-          <a:off x="0" y="0"/>
-          <a:ext cx="0" cy="0"/>
-          <a:chOff x="0" y="0"/>
-          <a:chExt cx="0" cy="0"/>
-        </a:xfrm>
-      </p:grpSpPr>
-      <p:sp>
-        <p:nvSpPr>
-          <p:cNvPr id="29698" name="Title 1"/>
-          <p:cNvSpPr>
-            <a:spLocks noGrp="1"/>
-          </p:cNvSpPr>
-          <p:nvPr>
-            <p:ph type="title"/>
-          </p:nvPr>
-        </p:nvSpPr>
-        <p:spPr/>
-        <p:txBody>
-          <a:bodyPr/>
-          <a:lstStyle/>
-          <a:p>
-            <a:r>
-              <a:rPr lang="en-US" dirty="0" smtClean="0">
-                <a:ea typeface="ＭＳ Ｐゴシック" pitchFamily="34" charset="-128"/>
-              </a:rPr>
               <a:t>Introduction</a:t>
             </a:r>
           </a:p>
@@ -17095,16 +18627,7 @@
                 </a:solidFill>
                 <a:ea typeface="ＭＳ Ｐゴシック" pitchFamily="34" charset="-128"/>
               </a:rPr>
-              <a:t>Lightweight Python scripts utilizing SAGA </a:t>
-            </a:r>
-            <a:r>
-              <a:rPr lang="en-US" dirty="0" err="1" smtClean="0">
-                <a:solidFill>
-                  <a:srgbClr val="595959"/>
-                </a:solidFill>
-                <a:ea typeface="ＭＳ Ｐゴシック" pitchFamily="34" charset="-128"/>
-              </a:rPr>
-              <a:t>BlisS</a:t>
+              <a:t>Lightweight Python scripts </a:t>
             </a:r>
             <a:r>
               <a:rPr lang="en-US" dirty="0" smtClean="0">
@@ -17113,7 +18636,16 @@
                 </a:solidFill>
                 <a:ea typeface="ＭＳ Ｐゴシック" pitchFamily="34" charset="-128"/>
               </a:rPr>
-              <a:t>’ capabilities</a:t>
+              <a:t>utilizing SAGA </a:t>
+            </a:r>
+            <a:r>
+              <a:rPr lang="en-US" dirty="0" smtClean="0">
+                <a:solidFill>
+                  <a:srgbClr val="595959"/>
+                </a:solidFill>
+                <a:ea typeface="ＭＳ Ｐゴシック" pitchFamily="34" charset="-128"/>
+              </a:rPr>
+              <a:t>capabilities</a:t>
             </a:r>
           </a:p>
           <a:p>
@@ -17308,15 +18840,15 @@
   <p:timing>
     <p:tnLst>
       <p:par>
-        <p:cTn id="1" dur="indefinite" restart="never" nodeType="tmRoot"/>
+        <p:cTn xmlns:p14="http://schemas.microsoft.com/office/powerpoint/2010/main" id="1" dur="indefinite" restart="never" nodeType="tmRoot"/>
       </p:par>
     </p:tnLst>
   </p:timing>
 </p:sld>
 </file>
 
-<file path=ppt/slides/slide4.xml><?xml version="1.0" encoding="utf-8"?>
-<p:sld xmlns:a="http://schemas.openxmlformats.org/drawingml/2006/main" xmlns:r="http://schemas.openxmlformats.org/officeDocument/2006/relationships" xmlns:mc="http://schemas.openxmlformats.org/markup-compatibility/2006" xmlns:mv="urn:schemas-microsoft-com:mac:vml" xmlns:p="http://schemas.openxmlformats.org/presentationml/2006/main" mc:Ignorable="mv" mc:PreserveAttributes="mv:*">
+<file path=ppt/slides/slide7.xml><?xml version="1.0" encoding="utf-8"?>
+<p:sld xmlns:a="http://schemas.openxmlformats.org/drawingml/2006/main" xmlns:r="http://schemas.openxmlformats.org/officeDocument/2006/relationships" xmlns:p="http://schemas.openxmlformats.org/presentationml/2006/main">
   <p:cSld>
     <p:spTree>
       <p:nvGrpSpPr>
@@ -17709,19 +19241,19 @@
   <p:clrMapOvr>
     <a:masterClrMapping/>
   </p:clrMapOvr>
-  <p:transition/>
+  <p:transition xmlns:p14="http://schemas.microsoft.com/office/powerpoint/2010/main"/>
   <p:timing>
     <p:tnLst>
       <p:par>
-        <p:cTn id="1" dur="indefinite" restart="never" nodeType="tmRoot"/>
+        <p:cTn xmlns:p14="http://schemas.microsoft.com/office/powerpoint/2010/main" id="1" dur="indefinite" restart="never" nodeType="tmRoot"/>
       </p:par>
     </p:tnLst>
   </p:timing>
 </p:sld>
 </file>
 
-<file path=ppt/slides/slide5.xml><?xml version="1.0" encoding="utf-8"?>
-<p:sld xmlns:a="http://schemas.openxmlformats.org/drawingml/2006/main" xmlns:r="http://schemas.openxmlformats.org/officeDocument/2006/relationships" xmlns:mc="http://schemas.openxmlformats.org/markup-compatibility/2006" xmlns:mv="urn:schemas-microsoft-com:mac:vml" xmlns:p="http://schemas.openxmlformats.org/presentationml/2006/main" mc:Ignorable="mv" mc:PreserveAttributes="mv:*">
+<file path=ppt/slides/slide8.xml><?xml version="1.0" encoding="utf-8"?>
+<p:sld xmlns:a="http://schemas.openxmlformats.org/drawingml/2006/main" xmlns:r="http://schemas.openxmlformats.org/officeDocument/2006/relationships" xmlns:p="http://schemas.openxmlformats.org/presentationml/2006/main">
   <p:cSld>
     <p:spTree>
       <p:nvGrpSpPr>
@@ -18119,26 +19651,26 @@
     </p:spTree>
     <p:extLst>
       <p:ext uri="{BB962C8B-B14F-4D97-AF65-F5344CB8AC3E}">
-        <p14:creationId xmlns:p14="http://schemas.microsoft.com/office/powerpoint/2010/main" xmlns:p="http://schemas.openxmlformats.org/presentationml/2006/main" xmlns:r="http://schemas.openxmlformats.org/officeDocument/2006/relationships" xmlns:a="http://schemas.openxmlformats.org/drawingml/2006/main" xmlns="" val="2817618227"/>
+        <p14:creationId xmlns:p14="http://schemas.microsoft.com/office/powerpoint/2010/main" val="2817618227"/>
       </p:ext>
     </p:extLst>
   </p:cSld>
   <p:clrMapOvr>
     <a:masterClrMapping/>
   </p:clrMapOvr>
-  <p:transition/>
+  <p:transition xmlns:p14="http://schemas.microsoft.com/office/powerpoint/2010/main"/>
   <p:timing>
     <p:tnLst>
       <p:par>
-        <p:cTn id="1" dur="indefinite" restart="never" nodeType="tmRoot"/>
+        <p:cTn xmlns:p14="http://schemas.microsoft.com/office/powerpoint/2010/main" id="1" dur="indefinite" restart="never" nodeType="tmRoot"/>
       </p:par>
     </p:tnLst>
   </p:timing>
 </p:sld>
 </file>
 
-<file path=ppt/slides/slide6.xml><?xml version="1.0" encoding="utf-8"?>
-<p:sld xmlns:a="http://schemas.openxmlformats.org/drawingml/2006/main" xmlns:r="http://schemas.openxmlformats.org/officeDocument/2006/relationships" xmlns:mc="http://schemas.openxmlformats.org/markup-compatibility/2006" xmlns:mv="urn:schemas-microsoft-com:mac:vml" xmlns:p="http://schemas.openxmlformats.org/presentationml/2006/main" mc:Ignorable="mv" mc:PreserveAttributes="mv:*">
+<file path=ppt/slides/slide9.xml><?xml version="1.0" encoding="utf-8"?>
+<p:sld xmlns:a="http://schemas.openxmlformats.org/drawingml/2006/main" xmlns:r="http://schemas.openxmlformats.org/officeDocument/2006/relationships" xmlns:p="http://schemas.openxmlformats.org/presentationml/2006/main">
   <p:cSld>
     <p:spTree>
       <p:nvGrpSpPr>
@@ -18563,1130 +20095,18 @@
     </p:spTree>
     <p:extLst>
       <p:ext uri="{BB962C8B-B14F-4D97-AF65-F5344CB8AC3E}">
-        <p14:creationId xmlns:p14="http://schemas.microsoft.com/office/powerpoint/2010/main" xmlns:p="http://schemas.openxmlformats.org/presentationml/2006/main" xmlns:r="http://schemas.openxmlformats.org/officeDocument/2006/relationships" xmlns:a="http://schemas.openxmlformats.org/drawingml/2006/main" xmlns="" val="1986505638"/>
+        <p14:creationId xmlns:p14="http://schemas.microsoft.com/office/powerpoint/2010/main" val="1986505638"/>
       </p:ext>
     </p:extLst>
   </p:cSld>
   <p:clrMapOvr>
     <a:masterClrMapping/>
   </p:clrMapOvr>
-  <p:transition/>
+  <p:transition xmlns:p14="http://schemas.microsoft.com/office/powerpoint/2010/main"/>
   <p:timing>
     <p:tnLst>
       <p:par>
-        <p:cTn id="1" dur="indefinite" restart="never" nodeType="tmRoot"/>
-      </p:par>
-    </p:tnLst>
-  </p:timing>
-</p:sld>
-</file>
-
-<file path=ppt/slides/slide7.xml><?xml version="1.0" encoding="utf-8"?>
-<p:sld xmlns:a="http://schemas.openxmlformats.org/drawingml/2006/main" xmlns:r="http://schemas.openxmlformats.org/officeDocument/2006/relationships" xmlns:mc="http://schemas.openxmlformats.org/markup-compatibility/2006" xmlns:mv="urn:schemas-microsoft-com:mac:vml" xmlns:p="http://schemas.openxmlformats.org/presentationml/2006/main" mc:Ignorable="mv" mc:PreserveAttributes="mv:*">
-  <p:cSld>
-    <p:spTree>
-      <p:nvGrpSpPr>
-        <p:cNvPr id="1" name=""/>
-        <p:cNvGrpSpPr/>
-        <p:nvPr/>
-      </p:nvGrpSpPr>
-      <p:grpSpPr>
-        <a:xfrm>
-          <a:off x="0" y="0"/>
-          <a:ext cx="0" cy="0"/>
-          <a:chOff x="0" y="0"/>
-          <a:chExt cx="0" cy="0"/>
-        </a:xfrm>
-      </p:grpSpPr>
-      <p:sp>
-        <p:nvSpPr>
-          <p:cNvPr id="30722" name="Title 1"/>
-          <p:cNvSpPr>
-            <a:spLocks noGrp="1"/>
-          </p:cNvSpPr>
-          <p:nvPr>
-            <p:ph type="title"/>
-          </p:nvPr>
-        </p:nvSpPr>
-        <p:spPr/>
-        <p:txBody>
-          <a:bodyPr/>
-          <a:lstStyle/>
-          <a:p>
-            <a:r>
-              <a:rPr lang="en-US" sz="2800" dirty="0" err="1" smtClean="0">
-                <a:ea typeface="ＭＳ Ｐゴシック" pitchFamily="34" charset="-128"/>
-              </a:rPr>
-              <a:t>BigJob</a:t>
-            </a:r>
-            <a:r>
-              <a:rPr lang="en-US" sz="2800" dirty="0" smtClean="0">
-                <a:ea typeface="ＭＳ Ｐゴシック" pitchFamily="34" charset="-128"/>
-              </a:rPr>
-              <a:t> Components</a:t>
-            </a:r>
-          </a:p>
-        </p:txBody>
-      </p:sp>
-      <p:sp>
-        <p:nvSpPr>
-          <p:cNvPr id="5" name="Content Placeholder 4"/>
-          <p:cNvSpPr>
-            <a:spLocks noGrp="1"/>
-          </p:cNvSpPr>
-          <p:nvPr>
-            <p:ph idx="1"/>
-          </p:nvPr>
-        </p:nvSpPr>
-        <p:spPr>
-          <a:xfrm>
-            <a:off x="493058" y="1416423"/>
-            <a:ext cx="8229600" cy="2137268"/>
-          </a:xfrm>
-        </p:spPr>
-        <p:txBody>
-          <a:bodyPr/>
-          <a:lstStyle/>
-          <a:p>
-            <a:r>
-              <a:rPr lang="en-US" sz="2400" dirty="0" smtClean="0"/>
-              <a:t>There are two main components of concern when writing </a:t>
-            </a:r>
-            <a:r>
-              <a:rPr lang="en-US" sz="2400" dirty="0" err="1" smtClean="0"/>
-              <a:t>BigJob</a:t>
-            </a:r>
-            <a:r>
-              <a:rPr lang="en-US" sz="2400" dirty="0" smtClean="0"/>
-              <a:t> scripts.</a:t>
-            </a:r>
-          </a:p>
-          <a:p>
-            <a:pPr lvl="1"/>
-            <a:r>
-              <a:rPr lang="en-US" sz="2000" b="1" dirty="0" smtClean="0"/>
-              <a:t>Pilot Description</a:t>
-            </a:r>
-            <a:r>
-              <a:rPr lang="en-US" sz="2000" dirty="0" smtClean="0"/>
-              <a:t>: Defines the resource specification for managing jobs on each resource</a:t>
-            </a:r>
-          </a:p>
-          <a:p>
-            <a:pPr lvl="1"/>
-            <a:r>
-              <a:rPr lang="en-US" sz="2000" b="1" dirty="0" smtClean="0"/>
-              <a:t>Compute Unit Description</a:t>
-            </a:r>
-            <a:r>
-              <a:rPr lang="en-US" sz="2000" dirty="0" smtClean="0"/>
-              <a:t>: Defines the actual job description and data for movement</a:t>
-            </a:r>
-          </a:p>
-          <a:p>
-            <a:endParaRPr lang="en-US" dirty="0"/>
-          </a:p>
-        </p:txBody>
-      </p:sp>
-      <p:sp>
-        <p:nvSpPr>
-          <p:cNvPr id="7" name="Rectangle 6"/>
-          <p:cNvSpPr/>
-          <p:nvPr/>
-        </p:nvSpPr>
-        <p:spPr>
-          <a:xfrm>
-            <a:off x="642094" y="4426636"/>
-            <a:ext cx="8229599" cy="709107"/>
-          </a:xfrm>
-          <a:prstGeom prst="rect">
-            <a:avLst/>
-          </a:prstGeom>
-        </p:spPr>
-        <p:style>
-          <a:lnRef idx="1">
-            <a:schemeClr val="dk1"/>
-          </a:lnRef>
-          <a:fillRef idx="3">
-            <a:schemeClr val="dk1"/>
-          </a:fillRef>
-          <a:effectRef idx="2">
-            <a:schemeClr val="dk1"/>
-          </a:effectRef>
-          <a:fontRef idx="minor">
-            <a:schemeClr val="lt1"/>
-          </a:fontRef>
-        </p:style>
-        <p:txBody>
-          <a:bodyPr rtlCol="0" anchor="ctr"/>
-          <a:lstStyle/>
-          <a:p>
-            <a:pPr algn="ctr"/>
-            <a:r>
-              <a:rPr lang="en-US" sz="2400" b="1" dirty="0" smtClean="0">
-                <a:latin typeface="Courier New" pitchFamily="49" charset="0"/>
-                <a:cs typeface="Courier New" pitchFamily="49" charset="0"/>
-              </a:rPr>
-              <a:t>cd $HOME</a:t>
-            </a:r>
-            <a:endParaRPr lang="en-US" sz="2400" b="1" dirty="0">
-              <a:latin typeface="Courier New" pitchFamily="49" charset="0"/>
-              <a:cs typeface="Courier New" pitchFamily="49" charset="0"/>
-            </a:endParaRPr>
-          </a:p>
-        </p:txBody>
-      </p:sp>
-    </p:spTree>
-    <p:extLst>
-      <p:ext uri="{BB962C8B-B14F-4D97-AF65-F5344CB8AC3E}">
-        <p14:creationId xmlns:p14="http://schemas.microsoft.com/office/powerpoint/2010/main" xmlns:p="http://schemas.openxmlformats.org/presentationml/2006/main" xmlns:r="http://schemas.openxmlformats.org/officeDocument/2006/relationships" xmlns:a="http://schemas.openxmlformats.org/drawingml/2006/main" xmlns="" val="1455570638"/>
-      </p:ext>
-    </p:extLst>
-  </p:cSld>
-  <p:clrMapOvr>
-    <a:masterClrMapping/>
-  </p:clrMapOvr>
-  <p:transition/>
-  <p:timing>
-    <p:tnLst>
-      <p:par>
-        <p:cTn id="1" dur="indefinite" restart="never" nodeType="tmRoot"/>
-      </p:par>
-    </p:tnLst>
-  </p:timing>
-</p:sld>
-</file>
-
-<file path=ppt/slides/slide8.xml><?xml version="1.0" encoding="utf-8"?>
-<p:sld xmlns:a="http://schemas.openxmlformats.org/drawingml/2006/main" xmlns:r="http://schemas.openxmlformats.org/officeDocument/2006/relationships" xmlns:mc="http://schemas.openxmlformats.org/markup-compatibility/2006" xmlns:mv="urn:schemas-microsoft-com:mac:vml" xmlns:p="http://schemas.openxmlformats.org/presentationml/2006/main" mc:Ignorable="mv" mc:PreserveAttributes="mv:*">
-  <p:cSld>
-    <p:spTree>
-      <p:nvGrpSpPr>
-        <p:cNvPr id="1" name=""/>
-        <p:cNvGrpSpPr/>
-        <p:nvPr/>
-      </p:nvGrpSpPr>
-      <p:grpSpPr>
-        <a:xfrm>
-          <a:off x="0" y="0"/>
-          <a:ext cx="0" cy="0"/>
-          <a:chOff x="0" y="0"/>
-          <a:chExt cx="0" cy="0"/>
-        </a:xfrm>
-      </p:grpSpPr>
-      <p:sp>
-        <p:nvSpPr>
-          <p:cNvPr id="30722" name="Title 1"/>
-          <p:cNvSpPr>
-            <a:spLocks noGrp="1"/>
-          </p:cNvSpPr>
-          <p:nvPr>
-            <p:ph type="title"/>
-          </p:nvPr>
-        </p:nvSpPr>
-        <p:spPr/>
-        <p:txBody>
-          <a:bodyPr/>
-          <a:lstStyle/>
-          <a:p>
-            <a:r>
-              <a:rPr lang="en-US" sz="2800" dirty="0" smtClean="0">
-                <a:ea typeface="ＭＳ Ｐゴシック" pitchFamily="34" charset="-128"/>
-              </a:rPr>
-              <a:t>Pilot Description</a:t>
-            </a:r>
-          </a:p>
-        </p:txBody>
-      </p:sp>
-      <p:sp>
-        <p:nvSpPr>
-          <p:cNvPr id="5" name="Content Placeholder 4"/>
-          <p:cNvSpPr>
-            <a:spLocks noGrp="1"/>
-          </p:cNvSpPr>
-          <p:nvPr>
-            <p:ph idx="1"/>
-          </p:nvPr>
-        </p:nvSpPr>
-        <p:spPr>
-          <a:xfrm>
-            <a:off x="472277" y="1561896"/>
-            <a:ext cx="8229600" cy="4444050"/>
-          </a:xfrm>
-        </p:spPr>
-        <p:txBody>
-          <a:bodyPr/>
-          <a:lstStyle/>
-          <a:p>
-            <a:r>
-              <a:rPr lang="en-US" dirty="0" smtClean="0"/>
-              <a:t>Resource specification requirements</a:t>
-            </a:r>
-          </a:p>
-          <a:p>
-            <a:pPr lvl="1"/>
-            <a:r>
-              <a:rPr lang="en-US" b="1" dirty="0" err="1"/>
-              <a:t>s</a:t>
-            </a:r>
-            <a:r>
-              <a:rPr lang="en-US" b="1" dirty="0" err="1" smtClean="0"/>
-              <a:t>ervice_url</a:t>
-            </a:r>
-            <a:r>
-              <a:rPr lang="en-US" b="1" dirty="0" smtClean="0"/>
-              <a:t>: </a:t>
-            </a:r>
-            <a:r>
-              <a:rPr lang="en-US" dirty="0" smtClean="0"/>
-              <a:t>Specifies the SAGA Bliss job adaptor and resource hostname on which jobs can be executed. For remote hosts, password-less  login must be enabled.   </a:t>
-            </a:r>
-          </a:p>
-          <a:p>
-            <a:pPr lvl="1"/>
-            <a:r>
-              <a:rPr lang="en-US" b="1" dirty="0" err="1" smtClean="0"/>
-              <a:t>number_of_processes</a:t>
-            </a:r>
-            <a:r>
-              <a:rPr lang="en-US" b="1" dirty="0" smtClean="0"/>
-              <a:t>: </a:t>
-            </a:r>
-            <a:r>
-              <a:rPr lang="en-US" dirty="0" smtClean="0"/>
-              <a:t>specifies the total number of processes that need to be allocated to run the jobs</a:t>
-            </a:r>
-          </a:p>
-          <a:p>
-            <a:pPr lvl="1"/>
-            <a:r>
-              <a:rPr lang="en-US" b="1" dirty="0" smtClean="0"/>
-              <a:t>queue:  </a:t>
-            </a:r>
-            <a:r>
-              <a:rPr lang="en-US" dirty="0" smtClean="0"/>
-              <a:t>Specifies the name of the job queue to be used</a:t>
-            </a:r>
-          </a:p>
-          <a:p>
-            <a:pPr lvl="1"/>
-            <a:r>
-              <a:rPr lang="en-US" b="1" dirty="0"/>
-              <a:t>p</a:t>
-            </a:r>
-            <a:r>
-              <a:rPr lang="en-US" b="1" dirty="0" smtClean="0"/>
-              <a:t>roject:</a:t>
-            </a:r>
-            <a:r>
-              <a:rPr lang="en-US" dirty="0" smtClean="0"/>
-              <a:t> Specifies the allocation for your project to charge</a:t>
-            </a:r>
-            <a:endParaRPr lang="en-US" b="1" dirty="0" smtClean="0"/>
-          </a:p>
-          <a:p>
-            <a:pPr lvl="1"/>
-            <a:r>
-              <a:rPr lang="en-US" b="1" dirty="0" err="1" smtClean="0"/>
-              <a:t>working_directory</a:t>
-            </a:r>
-            <a:r>
-              <a:rPr lang="en-US" b="1" dirty="0" smtClean="0"/>
-              <a:t>: </a:t>
-            </a:r>
-            <a:r>
-              <a:rPr lang="en-US" dirty="0" smtClean="0"/>
-              <a:t>specifies the directory in which the Pilot-Job agent executes</a:t>
-            </a:r>
-          </a:p>
-          <a:p>
-            <a:pPr lvl="1"/>
-            <a:r>
-              <a:rPr lang="en-US" b="1" dirty="0" err="1" smtClean="0"/>
-              <a:t>walltime</a:t>
-            </a:r>
-            <a:r>
-              <a:rPr lang="en-US" b="1" dirty="0" smtClean="0"/>
-              <a:t>: </a:t>
-            </a:r>
-            <a:r>
-              <a:rPr lang="en-US" dirty="0" smtClean="0"/>
-              <a:t>Specifies the number of minutes that the resources are requested</a:t>
-            </a:r>
-          </a:p>
-          <a:p>
-            <a:pPr lvl="1"/>
-            <a:r>
-              <a:rPr lang="en-US" b="1" dirty="0" err="1" smtClean="0"/>
-              <a:t>file_transfers</a:t>
-            </a:r>
-            <a:r>
-              <a:rPr lang="en-US" b="1" dirty="0" smtClean="0"/>
-              <a:t>:  </a:t>
-            </a:r>
-            <a:r>
-              <a:rPr lang="en-US" dirty="0" smtClean="0"/>
-              <a:t>specifies the files that need to be transferred in order to execute the jobs successfully. Generally files common to all jobs are listed here.</a:t>
-            </a:r>
-            <a:endParaRPr lang="en-US" b="1" dirty="0" smtClean="0"/>
-          </a:p>
-          <a:p>
-            <a:pPr lvl="1"/>
-            <a:endParaRPr lang="en-US" b="1" dirty="0"/>
-          </a:p>
-        </p:txBody>
-      </p:sp>
-    </p:spTree>
-  </p:cSld>
-  <p:clrMapOvr>
-    <a:masterClrMapping/>
-  </p:clrMapOvr>
-  <p:transition/>
-  <p:timing>
-    <p:tnLst>
-      <p:par>
-        <p:cTn id="1" dur="indefinite" restart="never" nodeType="tmRoot"/>
-      </p:par>
-    </p:tnLst>
-  </p:timing>
-</p:sld>
-</file>
-
-<file path=ppt/slides/slide9.xml><?xml version="1.0" encoding="utf-8"?>
-<p:sld xmlns:a="http://schemas.openxmlformats.org/drawingml/2006/main" xmlns:r="http://schemas.openxmlformats.org/officeDocument/2006/relationships" xmlns:mc="http://schemas.openxmlformats.org/markup-compatibility/2006" xmlns:mv="urn:schemas-microsoft-com:mac:vml" xmlns:p="http://schemas.openxmlformats.org/presentationml/2006/main" mc:Ignorable="mv" mc:PreserveAttributes="mv:*">
-  <p:cSld>
-    <p:spTree>
-      <p:nvGrpSpPr>
-        <p:cNvPr id="1" name=""/>
-        <p:cNvGrpSpPr/>
-        <p:nvPr/>
-      </p:nvGrpSpPr>
-      <p:grpSpPr>
-        <a:xfrm>
-          <a:off x="0" y="0"/>
-          <a:ext cx="0" cy="0"/>
-          <a:chOff x="0" y="0"/>
-          <a:chExt cx="0" cy="0"/>
-        </a:xfrm>
-      </p:grpSpPr>
-      <p:sp>
-        <p:nvSpPr>
-          <p:cNvPr id="30722" name="Title 1"/>
-          <p:cNvSpPr>
-            <a:spLocks noGrp="1"/>
-          </p:cNvSpPr>
-          <p:nvPr>
-            <p:ph type="title"/>
-          </p:nvPr>
-        </p:nvSpPr>
-        <p:spPr/>
-        <p:txBody>
-          <a:bodyPr/>
-          <a:lstStyle/>
-          <a:p>
-            <a:r>
-              <a:rPr lang="en-US" sz="2800" dirty="0" smtClean="0">
-                <a:ea typeface="ＭＳ Ｐゴシック" pitchFamily="34" charset="-128"/>
-              </a:rPr>
-              <a:t>Pilot Description Code</a:t>
-            </a:r>
-          </a:p>
-        </p:txBody>
-      </p:sp>
-      <p:sp>
-        <p:nvSpPr>
-          <p:cNvPr id="10" name="Rectangle 9"/>
-          <p:cNvSpPr/>
-          <p:nvPr/>
-        </p:nvSpPr>
-        <p:spPr>
-          <a:xfrm>
-            <a:off x="215153" y="2161310"/>
-            <a:ext cx="8695764" cy="2888672"/>
-          </a:xfrm>
-          <a:prstGeom prst="rect">
-            <a:avLst/>
-          </a:prstGeom>
-          <a:solidFill>
-            <a:schemeClr val="tx1"/>
-          </a:solidFill>
-        </p:spPr>
-        <p:style>
-          <a:lnRef idx="1">
-            <a:schemeClr val="dk1"/>
-          </a:lnRef>
-          <a:fillRef idx="3">
-            <a:schemeClr val="dk1"/>
-          </a:fillRef>
-          <a:effectRef idx="2">
-            <a:schemeClr val="dk1"/>
-          </a:effectRef>
-          <a:fontRef idx="minor">
-            <a:schemeClr val="lt1"/>
-          </a:fontRef>
-        </p:style>
-        <p:txBody>
-          <a:bodyPr rtlCol="0" anchor="ctr"/>
-          <a:lstStyle/>
-          <a:p>
-            <a:r>
-              <a:rPr lang="en-US" dirty="0" err="1">
-                <a:latin typeface="Courier New" pitchFamily="49" charset="0"/>
-                <a:cs typeface="Courier New" pitchFamily="49" charset="0"/>
-              </a:rPr>
-              <a:t>pilot_compute_description.append</a:t>
-            </a:r>
-            <a:r>
-              <a:rPr lang="en-US" dirty="0">
-                <a:latin typeface="Courier New" pitchFamily="49" charset="0"/>
-                <a:cs typeface="Courier New" pitchFamily="49" charset="0"/>
-              </a:rPr>
-              <a:t>({ </a:t>
-            </a:r>
-            <a:r>
-              <a:rPr lang="en-US" dirty="0">
-                <a:solidFill>
-                  <a:srgbClr val="FF33CC"/>
-                </a:solidFill>
-                <a:latin typeface="Courier New" pitchFamily="49" charset="0"/>
-                <a:cs typeface="Courier New" pitchFamily="49" charset="0"/>
-              </a:rPr>
-              <a:t>"</a:t>
-            </a:r>
-            <a:r>
-              <a:rPr lang="en-US" dirty="0" err="1" smtClean="0">
-                <a:solidFill>
-                  <a:srgbClr val="FF33CC"/>
-                </a:solidFill>
-                <a:latin typeface="Courier New" pitchFamily="49" charset="0"/>
-                <a:cs typeface="Courier New" pitchFamily="49" charset="0"/>
-              </a:rPr>
-              <a:t>service_url</a:t>
-            </a:r>
-            <a:r>
-              <a:rPr lang="en-US" dirty="0" smtClean="0">
-                <a:solidFill>
-                  <a:srgbClr val="FF33CC"/>
-                </a:solidFill>
-                <a:latin typeface="Courier New" pitchFamily="49" charset="0"/>
-                <a:cs typeface="Courier New" pitchFamily="49" charset="0"/>
-              </a:rPr>
-              <a:t>"</a:t>
-            </a:r>
-            <a:r>
-              <a:rPr lang="en-US" dirty="0" smtClean="0">
-                <a:latin typeface="Courier New" pitchFamily="49" charset="0"/>
-                <a:cs typeface="Courier New" pitchFamily="49" charset="0"/>
-              </a:rPr>
-              <a:t>: </a:t>
-            </a:r>
-            <a:r>
-              <a:rPr lang="en-US" dirty="0">
-                <a:solidFill>
-                  <a:srgbClr val="FF33CC"/>
-                </a:solidFill>
-                <a:latin typeface="Courier New" pitchFamily="49" charset="0"/>
-                <a:cs typeface="Courier New" pitchFamily="49" charset="0"/>
-              </a:rPr>
-              <a:t>"</a:t>
-            </a:r>
-            <a:r>
-              <a:rPr lang="en-US" dirty="0" err="1">
-                <a:solidFill>
-                  <a:srgbClr val="FF33CC"/>
-                </a:solidFill>
-                <a:latin typeface="Courier New" pitchFamily="49" charset="0"/>
-                <a:cs typeface="Courier New" pitchFamily="49" charset="0"/>
-              </a:rPr>
-              <a:t>sge+ssh</a:t>
-            </a:r>
-            <a:r>
-              <a:rPr lang="en-US" dirty="0">
-                <a:solidFill>
-                  <a:srgbClr val="FF33CC"/>
-                </a:solidFill>
-                <a:latin typeface="Courier New" pitchFamily="49" charset="0"/>
-                <a:cs typeface="Courier New" pitchFamily="49" charset="0"/>
-              </a:rPr>
-              <a:t>://</a:t>
-            </a:r>
-            <a:r>
-              <a:rPr lang="en-US" dirty="0" err="1">
-                <a:solidFill>
-                  <a:srgbClr val="FF33CC"/>
-                </a:solidFill>
-                <a:latin typeface="Courier New" pitchFamily="49" charset="0"/>
-                <a:cs typeface="Courier New" pitchFamily="49" charset="0"/>
-              </a:rPr>
-              <a:t>localhost</a:t>
-            </a:r>
-            <a:r>
-              <a:rPr lang="en-US" dirty="0" smtClean="0">
-                <a:solidFill>
-                  <a:srgbClr val="FF33CC"/>
-                </a:solidFill>
-                <a:latin typeface="Courier New" pitchFamily="49" charset="0"/>
-                <a:cs typeface="Courier New" pitchFamily="49" charset="0"/>
-              </a:rPr>
-              <a:t>"</a:t>
-            </a:r>
-            <a:r>
-              <a:rPr lang="en-US" dirty="0" smtClean="0">
-                <a:latin typeface="Courier New" pitchFamily="49" charset="0"/>
-                <a:cs typeface="Courier New" pitchFamily="49" charset="0"/>
-              </a:rPr>
-              <a:t>,</a:t>
-            </a:r>
-          </a:p>
-          <a:p>
-            <a:r>
-              <a:rPr lang="en-US" dirty="0" smtClean="0">
-                <a:solidFill>
-                  <a:srgbClr val="FF33CC"/>
-                </a:solidFill>
-                <a:latin typeface="Courier New" pitchFamily="49" charset="0"/>
-                <a:cs typeface="Courier New" pitchFamily="49" charset="0"/>
-              </a:rPr>
-              <a:t>"</a:t>
-            </a:r>
-            <a:r>
-              <a:rPr lang="en-US" dirty="0" err="1" smtClean="0">
-                <a:solidFill>
-                  <a:srgbClr val="FF33CC"/>
-                </a:solidFill>
-                <a:latin typeface="Courier New" pitchFamily="49" charset="0"/>
-                <a:cs typeface="Courier New" pitchFamily="49" charset="0"/>
-              </a:rPr>
-              <a:t>number_of_processes</a:t>
-            </a:r>
-            <a:r>
-              <a:rPr lang="en-US" dirty="0">
-                <a:solidFill>
-                  <a:srgbClr val="FF33CC"/>
-                </a:solidFill>
-                <a:latin typeface="Courier New" pitchFamily="49" charset="0"/>
-                <a:cs typeface="Courier New" pitchFamily="49" charset="0"/>
-              </a:rPr>
-              <a:t>"</a:t>
-            </a:r>
-            <a:r>
-              <a:rPr lang="en-US" dirty="0" smtClean="0">
-                <a:latin typeface="Courier New" pitchFamily="49" charset="0"/>
-                <a:cs typeface="Courier New" pitchFamily="49" charset="0"/>
-              </a:rPr>
-              <a:t>: </a:t>
-            </a:r>
-            <a:r>
-              <a:rPr lang="en-US" dirty="0">
-                <a:solidFill>
-                  <a:schemeClr val="accent1"/>
-                </a:solidFill>
-                <a:latin typeface="Courier New" pitchFamily="49" charset="0"/>
-                <a:cs typeface="Courier New" pitchFamily="49" charset="0"/>
-              </a:rPr>
-              <a:t>12</a:t>
-            </a:r>
-            <a:r>
-              <a:rPr lang="en-US" dirty="0">
-                <a:latin typeface="Courier New" pitchFamily="49" charset="0"/>
-                <a:cs typeface="Courier New" pitchFamily="49" charset="0"/>
-              </a:rPr>
-              <a:t>, </a:t>
-            </a:r>
-            <a:endParaRPr lang="en-US" dirty="0" smtClean="0">
-              <a:latin typeface="Courier New" pitchFamily="49" charset="0"/>
-              <a:cs typeface="Courier New" pitchFamily="49" charset="0"/>
-            </a:endParaRPr>
-          </a:p>
-          <a:p>
-            <a:r>
-              <a:rPr lang="en-US" dirty="0" smtClean="0">
-                <a:solidFill>
-                  <a:srgbClr val="FF33CC"/>
-                </a:solidFill>
-                <a:latin typeface="Courier New" pitchFamily="49" charset="0"/>
-                <a:cs typeface="Courier New" pitchFamily="49" charset="0"/>
-              </a:rPr>
-              <a:t>”project"</a:t>
-            </a:r>
-            <a:r>
-              <a:rPr lang="en-US" dirty="0" smtClean="0">
-                <a:latin typeface="Courier New" pitchFamily="49" charset="0"/>
-                <a:cs typeface="Courier New" pitchFamily="49" charset="0"/>
-              </a:rPr>
-              <a:t>: </a:t>
-            </a:r>
-            <a:r>
-              <a:rPr lang="en-US" dirty="0">
-                <a:solidFill>
-                  <a:srgbClr val="FF33CC"/>
-                </a:solidFill>
-                <a:latin typeface="Courier New" pitchFamily="49" charset="0"/>
-                <a:cs typeface="Courier New" pitchFamily="49" charset="0"/>
-              </a:rPr>
-              <a:t>"</a:t>
-            </a:r>
-            <a:r>
-              <a:rPr lang="en-US" dirty="0" smtClean="0">
-                <a:solidFill>
-                  <a:srgbClr val="FF33CC"/>
-                </a:solidFill>
-                <a:latin typeface="Courier New" pitchFamily="49" charset="0"/>
-                <a:cs typeface="Courier New" pitchFamily="49" charset="0"/>
-              </a:rPr>
-              <a:t>XSEDE12-SAGA"</a:t>
-            </a:r>
-            <a:r>
-              <a:rPr lang="en-US" dirty="0" smtClean="0">
-                <a:latin typeface="Courier New" pitchFamily="49" charset="0"/>
-                <a:cs typeface="Courier New" pitchFamily="49" charset="0"/>
-              </a:rPr>
-              <a:t>, </a:t>
-            </a:r>
-          </a:p>
-          <a:p>
-            <a:r>
-              <a:rPr lang="en-US" dirty="0" smtClean="0">
-                <a:solidFill>
-                  <a:srgbClr val="FF33CC"/>
-                </a:solidFill>
-                <a:latin typeface="Courier New" pitchFamily="49" charset="0"/>
-                <a:cs typeface="Courier New" pitchFamily="49" charset="0"/>
-              </a:rPr>
-              <a:t>"queue</a:t>
-            </a:r>
-            <a:r>
-              <a:rPr lang="en-US" dirty="0">
-                <a:solidFill>
-                  <a:srgbClr val="FF33CC"/>
-                </a:solidFill>
-                <a:latin typeface="Courier New" pitchFamily="49" charset="0"/>
-                <a:cs typeface="Courier New" pitchFamily="49" charset="0"/>
-              </a:rPr>
-              <a:t>"</a:t>
-            </a:r>
-            <a:r>
-              <a:rPr lang="en-US" dirty="0" smtClean="0">
-                <a:solidFill>
-                  <a:srgbClr val="FF33CC"/>
-                </a:solidFill>
-                <a:latin typeface="Courier New" pitchFamily="49" charset="0"/>
-                <a:cs typeface="Courier New" pitchFamily="49" charset="0"/>
-              </a:rPr>
-              <a:t> </a:t>
-            </a:r>
-            <a:r>
-              <a:rPr lang="en-US" dirty="0" smtClean="0">
-                <a:latin typeface="Courier New" pitchFamily="49" charset="0"/>
-                <a:cs typeface="Courier New" pitchFamily="49" charset="0"/>
-              </a:rPr>
-              <a:t>: </a:t>
-            </a:r>
-            <a:r>
-              <a:rPr lang="en-US" dirty="0">
-                <a:solidFill>
-                  <a:srgbClr val="FF33CC"/>
-                </a:solidFill>
-                <a:latin typeface="Courier New" pitchFamily="49" charset="0"/>
-                <a:cs typeface="Courier New" pitchFamily="49" charset="0"/>
-              </a:rPr>
-              <a:t>"</a:t>
-            </a:r>
-            <a:r>
-              <a:rPr lang="en-US" dirty="0" smtClean="0">
-                <a:solidFill>
-                  <a:srgbClr val="FF33CC"/>
-                </a:solidFill>
-                <a:latin typeface="Courier New" pitchFamily="49" charset="0"/>
-                <a:cs typeface="Courier New" pitchFamily="49" charset="0"/>
-              </a:rPr>
-              <a:t>development</a:t>
-            </a:r>
-            <a:r>
-              <a:rPr lang="en-US" dirty="0">
-                <a:solidFill>
-                  <a:srgbClr val="FF33CC"/>
-                </a:solidFill>
-                <a:latin typeface="Courier New" pitchFamily="49" charset="0"/>
-                <a:cs typeface="Courier New" pitchFamily="49" charset="0"/>
-              </a:rPr>
-              <a:t>"</a:t>
-            </a:r>
-            <a:r>
-              <a:rPr lang="en-US" dirty="0" smtClean="0">
-                <a:latin typeface="Courier New" pitchFamily="49" charset="0"/>
-                <a:cs typeface="Courier New" pitchFamily="49" charset="0"/>
-              </a:rPr>
-              <a:t>, </a:t>
-            </a:r>
-          </a:p>
-          <a:p>
-            <a:r>
-              <a:rPr lang="en-US" dirty="0" smtClean="0">
-                <a:solidFill>
-                  <a:srgbClr val="FF33CC"/>
-                </a:solidFill>
-                <a:latin typeface="Courier New" pitchFamily="49" charset="0"/>
-                <a:cs typeface="Courier New" pitchFamily="49" charset="0"/>
-              </a:rPr>
-              <a:t>"</a:t>
-            </a:r>
-            <a:r>
-              <a:rPr lang="en-US" dirty="0" err="1" smtClean="0">
-                <a:solidFill>
-                  <a:srgbClr val="FF33CC"/>
-                </a:solidFill>
-                <a:latin typeface="Courier New" pitchFamily="49" charset="0"/>
-                <a:cs typeface="Courier New" pitchFamily="49" charset="0"/>
-              </a:rPr>
-              <a:t>working_directory</a:t>
-            </a:r>
-            <a:r>
-              <a:rPr lang="en-US" dirty="0">
-                <a:solidFill>
-                  <a:srgbClr val="FF33CC"/>
-                </a:solidFill>
-                <a:latin typeface="Courier New" pitchFamily="49" charset="0"/>
-                <a:cs typeface="Courier New" pitchFamily="49" charset="0"/>
-              </a:rPr>
-              <a:t>"</a:t>
-            </a:r>
-            <a:r>
-              <a:rPr lang="en-US" dirty="0" smtClean="0">
-                <a:latin typeface="Courier New" pitchFamily="49" charset="0"/>
-                <a:cs typeface="Courier New" pitchFamily="49" charset="0"/>
-              </a:rPr>
-              <a:t>: </a:t>
-            </a:r>
-            <a:r>
-              <a:rPr lang="en-US" dirty="0" err="1">
-                <a:latin typeface="Courier New" pitchFamily="49" charset="0"/>
-                <a:cs typeface="Courier New" pitchFamily="49" charset="0"/>
-              </a:rPr>
-              <a:t>os.getenv</a:t>
-            </a:r>
-            <a:r>
-              <a:rPr lang="en-US" dirty="0" smtClean="0">
-                <a:latin typeface="Courier New" pitchFamily="49" charset="0"/>
-                <a:cs typeface="Courier New" pitchFamily="49" charset="0"/>
-              </a:rPr>
-              <a:t>( </a:t>
-            </a:r>
-            <a:r>
-              <a:rPr lang="en-US" dirty="0" smtClean="0">
-                <a:solidFill>
-                  <a:srgbClr val="FF33CC"/>
-                </a:solidFill>
-                <a:latin typeface="Courier New" pitchFamily="49" charset="0"/>
-                <a:cs typeface="Courier New" pitchFamily="49" charset="0"/>
-              </a:rPr>
-              <a:t>"HOME</a:t>
-            </a:r>
-            <a:r>
-              <a:rPr lang="en-US" dirty="0">
-                <a:solidFill>
-                  <a:srgbClr val="FF33CC"/>
-                </a:solidFill>
-                <a:latin typeface="Courier New" pitchFamily="49" charset="0"/>
-                <a:cs typeface="Courier New" pitchFamily="49" charset="0"/>
-              </a:rPr>
-              <a:t>"</a:t>
-            </a:r>
-            <a:r>
-              <a:rPr lang="en-US" dirty="0" smtClean="0">
-                <a:latin typeface="Courier New" pitchFamily="49" charset="0"/>
-                <a:cs typeface="Courier New" pitchFamily="49" charset="0"/>
-              </a:rPr>
-              <a:t>)+ </a:t>
-            </a:r>
-            <a:r>
-              <a:rPr lang="en-US" dirty="0" smtClean="0">
-                <a:solidFill>
-                  <a:srgbClr val="FF33CC"/>
-                </a:solidFill>
-                <a:latin typeface="Courier New" pitchFamily="49" charset="0"/>
-                <a:cs typeface="Courier New" pitchFamily="49" charset="0"/>
-              </a:rPr>
-              <a:t>"/agent</a:t>
-            </a:r>
-            <a:r>
-              <a:rPr lang="en-US" dirty="0">
-                <a:solidFill>
-                  <a:srgbClr val="FF33CC"/>
-                </a:solidFill>
-                <a:latin typeface="Courier New" pitchFamily="49" charset="0"/>
-                <a:cs typeface="Courier New" pitchFamily="49" charset="0"/>
-              </a:rPr>
-              <a:t>"</a:t>
-            </a:r>
-            <a:r>
-              <a:rPr lang="en-US" dirty="0" smtClean="0">
-                <a:latin typeface="Courier New" pitchFamily="49" charset="0"/>
-                <a:cs typeface="Courier New" pitchFamily="49" charset="0"/>
-              </a:rPr>
-              <a:t>, </a:t>
-            </a:r>
-          </a:p>
-          <a:p>
-            <a:r>
-              <a:rPr lang="en-US" dirty="0" smtClean="0">
-                <a:solidFill>
-                  <a:srgbClr val="FF33CC"/>
-                </a:solidFill>
-                <a:latin typeface="Courier New" pitchFamily="49" charset="0"/>
-                <a:cs typeface="Courier New" pitchFamily="49" charset="0"/>
-              </a:rPr>
-              <a:t>"walltime</a:t>
-            </a:r>
-            <a:r>
-              <a:rPr lang="en-US" dirty="0">
-                <a:solidFill>
-                  <a:srgbClr val="FF33CC"/>
-                </a:solidFill>
-                <a:latin typeface="Courier New" pitchFamily="49" charset="0"/>
-                <a:cs typeface="Courier New" pitchFamily="49" charset="0"/>
-              </a:rPr>
-              <a:t>"</a:t>
-            </a:r>
-            <a:r>
-              <a:rPr lang="en-US" dirty="0" smtClean="0">
-                <a:latin typeface="Courier New" pitchFamily="49" charset="0"/>
-                <a:cs typeface="Courier New" pitchFamily="49" charset="0"/>
-              </a:rPr>
-              <a:t>:</a:t>
-            </a:r>
-            <a:r>
-              <a:rPr lang="en-US" dirty="0" smtClean="0">
-                <a:solidFill>
-                  <a:schemeClr val="accent1"/>
-                </a:solidFill>
-                <a:latin typeface="Courier New" pitchFamily="49" charset="0"/>
-                <a:cs typeface="Courier New" pitchFamily="49" charset="0"/>
-              </a:rPr>
-              <a:t>10</a:t>
-            </a:r>
-            <a:r>
-              <a:rPr lang="en-US" dirty="0" smtClean="0">
-                <a:latin typeface="Courier New" pitchFamily="49" charset="0"/>
-                <a:cs typeface="Courier New" pitchFamily="49" charset="0"/>
-              </a:rPr>
-              <a:t> </a:t>
-            </a:r>
-            <a:r>
-              <a:rPr lang="en-US" dirty="0">
-                <a:latin typeface="Courier New" pitchFamily="49" charset="0"/>
-                <a:cs typeface="Courier New" pitchFamily="49" charset="0"/>
-              </a:rPr>
-              <a:t>})</a:t>
-            </a:r>
-            <a:endParaRPr lang="en-US" b="1" dirty="0">
-              <a:latin typeface="Courier New" pitchFamily="49" charset="0"/>
-              <a:cs typeface="Courier New" pitchFamily="49" charset="0"/>
-            </a:endParaRPr>
-          </a:p>
-        </p:txBody>
-      </p:sp>
-      <p:sp>
-        <p:nvSpPr>
-          <p:cNvPr id="12" name="Content Placeholder 4"/>
-          <p:cNvSpPr txBox="1">
-            <a:spLocks/>
-          </p:cNvSpPr>
-          <p:nvPr/>
-        </p:nvSpPr>
-        <p:spPr bwMode="auto">
-          <a:xfrm>
-            <a:off x="645458" y="1568824"/>
-            <a:ext cx="8229600" cy="592486"/>
-          </a:xfrm>
-          <a:prstGeom prst="rect">
-            <a:avLst/>
-          </a:prstGeom>
-          <a:noFill/>
-          <a:ln w="9525">
-            <a:noFill/>
-            <a:miter lim="800000"/>
-            <a:headEnd/>
-            <a:tailEnd/>
-          </a:ln>
-        </p:spPr>
-        <p:txBody>
-          <a:bodyPr vert="horz" wrap="square" lIns="91440" tIns="45720" rIns="91440" bIns="45720" numCol="1" anchor="t" anchorCtr="0" compatLnSpc="1">
-            <a:prstTxWarp prst="textNoShape">
-              <a:avLst/>
-            </a:prstTxWarp>
-          </a:bodyPr>
-          <a:lstStyle>
-            <a:lvl1pPr marL="342900" indent="-342900" algn="l" rtl="0" eaLnBrk="0" fontAlgn="base" hangingPunct="0">
-              <a:spcBef>
-                <a:spcPct val="20000"/>
-              </a:spcBef>
-              <a:spcAft>
-                <a:spcPct val="0"/>
-              </a:spcAft>
-              <a:buChar char="•"/>
-              <a:defRPr sz="2200">
-                <a:solidFill>
-                  <a:srgbClr val="5F5F5F"/>
-                </a:solidFill>
-                <a:latin typeface="+mn-lt"/>
-                <a:ea typeface="ＭＳ Ｐゴシック" charset="-128"/>
-                <a:cs typeface="ＭＳ Ｐゴシック" charset="-128"/>
-              </a:defRPr>
-            </a:lvl1pPr>
-            <a:lvl2pPr marL="742950" indent="-285750" algn="l" rtl="0" eaLnBrk="0" fontAlgn="base" hangingPunct="0">
-              <a:spcBef>
-                <a:spcPct val="20000"/>
-              </a:spcBef>
-              <a:spcAft>
-                <a:spcPct val="0"/>
-              </a:spcAft>
-              <a:buChar char="–"/>
-              <a:defRPr>
-                <a:solidFill>
-                  <a:srgbClr val="5F5F5F"/>
-                </a:solidFill>
-                <a:latin typeface="+mn-lt"/>
-                <a:ea typeface="ＭＳ Ｐゴシック" charset="-128"/>
-              </a:defRPr>
-            </a:lvl2pPr>
-            <a:lvl3pPr marL="1143000" indent="-228600" algn="l" rtl="0" eaLnBrk="0" fontAlgn="base" hangingPunct="0">
-              <a:spcBef>
-                <a:spcPct val="20000"/>
-              </a:spcBef>
-              <a:spcAft>
-                <a:spcPct val="0"/>
-              </a:spcAft>
-              <a:buChar char="•"/>
-              <a:defRPr sz="1600">
-                <a:solidFill>
-                  <a:srgbClr val="5F5F5F"/>
-                </a:solidFill>
-                <a:latin typeface="+mn-lt"/>
-                <a:ea typeface="ＭＳ Ｐゴシック" charset="-128"/>
-              </a:defRPr>
-            </a:lvl3pPr>
-            <a:lvl4pPr marL="1600200" indent="-228600" algn="l" rtl="0" eaLnBrk="0" fontAlgn="base" hangingPunct="0">
-              <a:spcBef>
-                <a:spcPct val="20000"/>
-              </a:spcBef>
-              <a:spcAft>
-                <a:spcPct val="0"/>
-              </a:spcAft>
-              <a:buChar char="–"/>
-              <a:defRPr sz="1400">
-                <a:solidFill>
-                  <a:srgbClr val="5F5F5F"/>
-                </a:solidFill>
-                <a:latin typeface="+mn-lt"/>
-                <a:ea typeface="ＭＳ Ｐゴシック" charset="-128"/>
-              </a:defRPr>
-            </a:lvl4pPr>
-            <a:lvl5pPr marL="2057400" indent="-228600" algn="l" rtl="0" eaLnBrk="0" fontAlgn="base" hangingPunct="0">
-              <a:spcBef>
-                <a:spcPct val="20000"/>
-              </a:spcBef>
-              <a:spcAft>
-                <a:spcPct val="0"/>
-              </a:spcAft>
-              <a:buChar char="»"/>
-              <a:defRPr sz="1400">
-                <a:solidFill>
-                  <a:srgbClr val="5F5F5F"/>
-                </a:solidFill>
-                <a:latin typeface="+mn-lt"/>
-                <a:ea typeface="ＭＳ Ｐゴシック" charset="-128"/>
-              </a:defRPr>
-            </a:lvl5pPr>
-            <a:lvl6pPr marL="2514600" indent="-228600" algn="l" rtl="0" fontAlgn="base">
-              <a:spcBef>
-                <a:spcPct val="20000"/>
-              </a:spcBef>
-              <a:spcAft>
-                <a:spcPct val="0"/>
-              </a:spcAft>
-              <a:buChar char="»"/>
-              <a:defRPr sz="1400">
-                <a:solidFill>
-                  <a:srgbClr val="5F5F5F"/>
-                </a:solidFill>
-                <a:latin typeface="+mn-lt"/>
-                <a:ea typeface="ＭＳ Ｐゴシック" charset="-128"/>
-              </a:defRPr>
-            </a:lvl6pPr>
-            <a:lvl7pPr marL="2971800" indent="-228600" algn="l" rtl="0" fontAlgn="base">
-              <a:spcBef>
-                <a:spcPct val="20000"/>
-              </a:spcBef>
-              <a:spcAft>
-                <a:spcPct val="0"/>
-              </a:spcAft>
-              <a:buChar char="»"/>
-              <a:defRPr sz="1400">
-                <a:solidFill>
-                  <a:srgbClr val="5F5F5F"/>
-                </a:solidFill>
-                <a:latin typeface="+mn-lt"/>
-                <a:ea typeface="ＭＳ Ｐゴシック" charset="-128"/>
-              </a:defRPr>
-            </a:lvl7pPr>
-            <a:lvl8pPr marL="3429000" indent="-228600" algn="l" rtl="0" fontAlgn="base">
-              <a:spcBef>
-                <a:spcPct val="20000"/>
-              </a:spcBef>
-              <a:spcAft>
-                <a:spcPct val="0"/>
-              </a:spcAft>
-              <a:buChar char="»"/>
-              <a:defRPr sz="1400">
-                <a:solidFill>
-                  <a:srgbClr val="5F5F5F"/>
-                </a:solidFill>
-                <a:latin typeface="+mn-lt"/>
-                <a:ea typeface="ＭＳ Ｐゴシック" charset="-128"/>
-              </a:defRPr>
-            </a:lvl8pPr>
-            <a:lvl9pPr marL="3886200" indent="-228600" algn="l" rtl="0" fontAlgn="base">
-              <a:spcBef>
-                <a:spcPct val="20000"/>
-              </a:spcBef>
-              <a:spcAft>
-                <a:spcPct val="0"/>
-              </a:spcAft>
-              <a:buChar char="»"/>
-              <a:defRPr sz="1400">
-                <a:solidFill>
-                  <a:srgbClr val="5F5F5F"/>
-                </a:solidFill>
-                <a:latin typeface="+mn-lt"/>
-                <a:ea typeface="ＭＳ Ｐゴシック" charset="-128"/>
-              </a:defRPr>
-            </a:lvl9pPr>
-          </a:lstStyle>
-          <a:p>
-            <a:r>
-              <a:rPr lang="en-US" dirty="0" smtClean="0"/>
-              <a:t>What does it all look like in Python?</a:t>
-            </a:r>
-            <a:endParaRPr lang="en-US" dirty="0"/>
-          </a:p>
-        </p:txBody>
-      </p:sp>
-    </p:spTree>
-    <p:extLst>
-      <p:ext uri="{BB962C8B-B14F-4D97-AF65-F5344CB8AC3E}">
-        <p14:creationId xmlns:p14="http://schemas.microsoft.com/office/powerpoint/2010/main" xmlns:p="http://schemas.openxmlformats.org/presentationml/2006/main" xmlns:r="http://schemas.openxmlformats.org/officeDocument/2006/relationships" xmlns:a="http://schemas.openxmlformats.org/drawingml/2006/main" xmlns="" val="829288261"/>
-      </p:ext>
-    </p:extLst>
-  </p:cSld>
-  <p:clrMapOvr>
-    <a:masterClrMapping/>
-  </p:clrMapOvr>
-  <p:transition/>
-  <p:timing>
-    <p:tnLst>
-      <p:par>
-        <p:cTn id="1" dur="indefinite" restart="never" nodeType="tmRoot"/>
+        <p:cTn xmlns:p14="http://schemas.microsoft.com/office/powerpoint/2010/main" id="1" dur="indefinite" restart="never" nodeType="tmRoot"/>
       </p:par>
     </p:tnLst>
   </p:timing>
